--- a/Botanica_Iris_Analysis_Presentation.pptx
+++ b/Botanica_Iris_Analysis_Presentation.pptx
@@ -4,22 +4,27 @@
   <p:sldMasterIdLst>
     <p:sldMasterId id="2147483648" r:id="rId1"/>
   </p:sldMasterIdLst>
+  <p:notesMasterIdLst>
+    <p:notesMasterId r:id="rId19"/>
+  </p:notesMasterIdLst>
   <p:sldIdLst>
     <p:sldId id="262" r:id="rId2"/>
     <p:sldId id="327" r:id="rId3"/>
     <p:sldId id="272" r:id="rId4"/>
     <p:sldId id="328" r:id="rId5"/>
-    <p:sldId id="329" r:id="rId6"/>
-    <p:sldId id="339" r:id="rId7"/>
-    <p:sldId id="330" r:id="rId8"/>
-    <p:sldId id="341" r:id="rId9"/>
-    <p:sldId id="331" r:id="rId10"/>
-    <p:sldId id="332" r:id="rId11"/>
-    <p:sldId id="333" r:id="rId12"/>
-    <p:sldId id="334" r:id="rId13"/>
-    <p:sldId id="335" r:id="rId14"/>
-    <p:sldId id="336" r:id="rId15"/>
-    <p:sldId id="337" r:id="rId16"/>
+    <p:sldId id="343" r:id="rId6"/>
+    <p:sldId id="342" r:id="rId7"/>
+    <p:sldId id="329" r:id="rId8"/>
+    <p:sldId id="339" r:id="rId9"/>
+    <p:sldId id="335" r:id="rId10"/>
+    <p:sldId id="330" r:id="rId11"/>
+    <p:sldId id="341" r:id="rId12"/>
+    <p:sldId id="331" r:id="rId13"/>
+    <p:sldId id="332" r:id="rId14"/>
+    <p:sldId id="333" r:id="rId15"/>
+    <p:sldId id="334" r:id="rId16"/>
+    <p:sldId id="336" r:id="rId17"/>
+    <p:sldId id="337" r:id="rId18"/>
   </p:sldIdLst>
   <p:sldSz cx="9144000" cy="6858000" type="screen4x3"/>
   <p:notesSz cx="6858000" cy="9144000"/>
@@ -135,6 +140,440 @@
     </p:ext>
   </p:extLst>
 </p:presentation>
+</file>
+
+<file path=ppt/notesMasters/notesMaster1.xml><?xml version="1.0" encoding="utf-8"?>
+<p:notesMaster xmlns:a="http://schemas.openxmlformats.org/drawingml/2006/main" xmlns:r="http://schemas.openxmlformats.org/officeDocument/2006/relationships" xmlns:p="http://schemas.openxmlformats.org/presentationml/2006/main">
+  <p:cSld>
+    <p:bg>
+      <p:bgRef idx="1001">
+        <a:schemeClr val="bg1"/>
+      </p:bgRef>
+    </p:bg>
+    <p:spTree>
+      <p:nvGrpSpPr>
+        <p:cNvPr id="1" name=""/>
+        <p:cNvGrpSpPr/>
+        <p:nvPr/>
+      </p:nvGrpSpPr>
+      <p:grpSpPr>
+        <a:xfrm>
+          <a:off x="0" y="0"/>
+          <a:ext cx="0" cy="0"/>
+          <a:chOff x="0" y="0"/>
+          <a:chExt cx="0" cy="0"/>
+        </a:xfrm>
+      </p:grpSpPr>
+      <p:sp>
+        <p:nvSpPr>
+          <p:cNvPr id="2" name="Header Placeholder 1"/>
+          <p:cNvSpPr>
+            <a:spLocks noGrp="1"/>
+          </p:cNvSpPr>
+          <p:nvPr>
+            <p:ph type="hdr" sz="quarter"/>
+          </p:nvPr>
+        </p:nvSpPr>
+        <p:spPr>
+          <a:xfrm>
+            <a:off x="0" y="0"/>
+            <a:ext cx="2971800" cy="458788"/>
+          </a:xfrm>
+          <a:prstGeom prst="rect">
+            <a:avLst/>
+          </a:prstGeom>
+        </p:spPr>
+        <p:txBody>
+          <a:bodyPr vert="horz" lIns="91440" tIns="45720" rIns="91440" bIns="45720" rtlCol="0"/>
+          <a:lstStyle>
+            <a:lvl1pPr algn="l">
+              <a:defRPr sz="1200"/>
+            </a:lvl1pPr>
+          </a:lstStyle>
+          <a:p>
+            <a:endParaRPr lang="fr-FR"/>
+          </a:p>
+        </p:txBody>
+      </p:sp>
+      <p:sp>
+        <p:nvSpPr>
+          <p:cNvPr id="3" name="Date Placeholder 2"/>
+          <p:cNvSpPr>
+            <a:spLocks noGrp="1"/>
+          </p:cNvSpPr>
+          <p:nvPr>
+            <p:ph type="dt" idx="1"/>
+          </p:nvPr>
+        </p:nvSpPr>
+        <p:spPr>
+          <a:xfrm>
+            <a:off x="3884613" y="0"/>
+            <a:ext cx="2971800" cy="458788"/>
+          </a:xfrm>
+          <a:prstGeom prst="rect">
+            <a:avLst/>
+          </a:prstGeom>
+        </p:spPr>
+        <p:txBody>
+          <a:bodyPr vert="horz" lIns="91440" tIns="45720" rIns="91440" bIns="45720" rtlCol="0"/>
+          <a:lstStyle>
+            <a:lvl1pPr algn="r">
+              <a:defRPr sz="1200"/>
+            </a:lvl1pPr>
+          </a:lstStyle>
+          <a:p>
+            <a:fld id="{0C87096C-3178-4662-A2AA-8CEB9C8CFDC9}" type="datetimeFigureOut">
+              <a:rPr lang="fr-FR" smtClean="0"/>
+              <a:t>10/06/2025</a:t>
+            </a:fld>
+            <a:endParaRPr lang="fr-FR"/>
+          </a:p>
+        </p:txBody>
+      </p:sp>
+      <p:sp>
+        <p:nvSpPr>
+          <p:cNvPr id="4" name="Slide Image Placeholder 3"/>
+          <p:cNvSpPr>
+            <a:spLocks noGrp="1" noRot="1" noChangeAspect="1"/>
+          </p:cNvSpPr>
+          <p:nvPr>
+            <p:ph type="sldImg" idx="2"/>
+          </p:nvPr>
+        </p:nvSpPr>
+        <p:spPr>
+          <a:xfrm>
+            <a:off x="1371600" y="1143000"/>
+            <a:ext cx="4114800" cy="3086100"/>
+          </a:xfrm>
+          <a:prstGeom prst="rect">
+            <a:avLst/>
+          </a:prstGeom>
+          <a:noFill/>
+          <a:ln w="12700">
+            <a:solidFill>
+              <a:prstClr val="black"/>
+            </a:solidFill>
+          </a:ln>
+        </p:spPr>
+        <p:txBody>
+          <a:bodyPr vert="horz" lIns="91440" tIns="45720" rIns="91440" bIns="45720" rtlCol="0" anchor="ctr"/>
+          <a:lstStyle/>
+          <a:p>
+            <a:endParaRPr lang="fr-FR"/>
+          </a:p>
+        </p:txBody>
+      </p:sp>
+      <p:sp>
+        <p:nvSpPr>
+          <p:cNvPr id="5" name="Notes Placeholder 4"/>
+          <p:cNvSpPr>
+            <a:spLocks noGrp="1"/>
+          </p:cNvSpPr>
+          <p:nvPr>
+            <p:ph type="body" sz="quarter" idx="3"/>
+          </p:nvPr>
+        </p:nvSpPr>
+        <p:spPr>
+          <a:xfrm>
+            <a:off x="685800" y="4400550"/>
+            <a:ext cx="5486400" cy="3600450"/>
+          </a:xfrm>
+          <a:prstGeom prst="rect">
+            <a:avLst/>
+          </a:prstGeom>
+        </p:spPr>
+        <p:txBody>
+          <a:bodyPr vert="horz" lIns="91440" tIns="45720" rIns="91440" bIns="45720" rtlCol="0"/>
+          <a:lstStyle/>
+          <a:p>
+            <a:pPr lvl="0"/>
+            <a:r>
+              <a:rPr lang="en-US"/>
+              <a:t>Click to edit Master text styles</a:t>
+            </a:r>
+          </a:p>
+          <a:p>
+            <a:pPr lvl="1"/>
+            <a:r>
+              <a:rPr lang="en-US"/>
+              <a:t>Second level</a:t>
+            </a:r>
+          </a:p>
+          <a:p>
+            <a:pPr lvl="2"/>
+            <a:r>
+              <a:rPr lang="en-US"/>
+              <a:t>Third level</a:t>
+            </a:r>
+          </a:p>
+          <a:p>
+            <a:pPr lvl="3"/>
+            <a:r>
+              <a:rPr lang="en-US"/>
+              <a:t>Fourth level</a:t>
+            </a:r>
+          </a:p>
+          <a:p>
+            <a:pPr lvl="4"/>
+            <a:r>
+              <a:rPr lang="en-US"/>
+              <a:t>Fifth level</a:t>
+            </a:r>
+            <a:endParaRPr lang="fr-FR"/>
+          </a:p>
+        </p:txBody>
+      </p:sp>
+      <p:sp>
+        <p:nvSpPr>
+          <p:cNvPr id="6" name="Footer Placeholder 5"/>
+          <p:cNvSpPr>
+            <a:spLocks noGrp="1"/>
+          </p:cNvSpPr>
+          <p:nvPr>
+            <p:ph type="ftr" sz="quarter" idx="4"/>
+          </p:nvPr>
+        </p:nvSpPr>
+        <p:spPr>
+          <a:xfrm>
+            <a:off x="0" y="8685213"/>
+            <a:ext cx="2971800" cy="458787"/>
+          </a:xfrm>
+          <a:prstGeom prst="rect">
+            <a:avLst/>
+          </a:prstGeom>
+        </p:spPr>
+        <p:txBody>
+          <a:bodyPr vert="horz" lIns="91440" tIns="45720" rIns="91440" bIns="45720" rtlCol="0" anchor="b"/>
+          <a:lstStyle>
+            <a:lvl1pPr algn="l">
+              <a:defRPr sz="1200"/>
+            </a:lvl1pPr>
+          </a:lstStyle>
+          <a:p>
+            <a:endParaRPr lang="fr-FR"/>
+          </a:p>
+        </p:txBody>
+      </p:sp>
+      <p:sp>
+        <p:nvSpPr>
+          <p:cNvPr id="7" name="Slide Number Placeholder 6"/>
+          <p:cNvSpPr>
+            <a:spLocks noGrp="1"/>
+          </p:cNvSpPr>
+          <p:nvPr>
+            <p:ph type="sldNum" sz="quarter" idx="5"/>
+          </p:nvPr>
+        </p:nvSpPr>
+        <p:spPr>
+          <a:xfrm>
+            <a:off x="3884613" y="8685213"/>
+            <a:ext cx="2971800" cy="458787"/>
+          </a:xfrm>
+          <a:prstGeom prst="rect">
+            <a:avLst/>
+          </a:prstGeom>
+        </p:spPr>
+        <p:txBody>
+          <a:bodyPr vert="horz" lIns="91440" tIns="45720" rIns="91440" bIns="45720" rtlCol="0" anchor="b"/>
+          <a:lstStyle>
+            <a:lvl1pPr algn="r">
+              <a:defRPr sz="1200"/>
+            </a:lvl1pPr>
+          </a:lstStyle>
+          <a:p>
+            <a:fld id="{D2D8A848-D79D-4ADD-BE30-297156116115}" type="slidenum">
+              <a:rPr lang="fr-FR" smtClean="0"/>
+              <a:t>‹#›</a:t>
+            </a:fld>
+            <a:endParaRPr lang="fr-FR"/>
+          </a:p>
+        </p:txBody>
+      </p:sp>
+    </p:spTree>
+    <p:extLst>
+      <p:ext uri="{BB962C8B-B14F-4D97-AF65-F5344CB8AC3E}">
+        <p14:creationId xmlns:p14="http://schemas.microsoft.com/office/powerpoint/2010/main" val="1061772150"/>
+      </p:ext>
+    </p:extLst>
+  </p:cSld>
+  <p:clrMap bg1="lt1" tx1="dk1" bg2="lt2" tx2="dk2" accent1="accent1" accent2="accent2" accent3="accent3" accent4="accent4" accent5="accent5" accent6="accent6" hlink="hlink" folHlink="folHlink"/>
+  <p:notesStyle>
+    <a:lvl1pPr marL="0" algn="l" defTabSz="914400" rtl="0" eaLnBrk="1" latinLnBrk="0" hangingPunct="1">
+      <a:defRPr sz="1200" kern="1200">
+        <a:solidFill>
+          <a:schemeClr val="tx1"/>
+        </a:solidFill>
+        <a:latin typeface="+mn-lt"/>
+        <a:ea typeface="+mn-ea"/>
+        <a:cs typeface="+mn-cs"/>
+      </a:defRPr>
+    </a:lvl1pPr>
+    <a:lvl2pPr marL="457200" algn="l" defTabSz="914400" rtl="0" eaLnBrk="1" latinLnBrk="0" hangingPunct="1">
+      <a:defRPr sz="1200" kern="1200">
+        <a:solidFill>
+          <a:schemeClr val="tx1"/>
+        </a:solidFill>
+        <a:latin typeface="+mn-lt"/>
+        <a:ea typeface="+mn-ea"/>
+        <a:cs typeface="+mn-cs"/>
+      </a:defRPr>
+    </a:lvl2pPr>
+    <a:lvl3pPr marL="914400" algn="l" defTabSz="914400" rtl="0" eaLnBrk="1" latinLnBrk="0" hangingPunct="1">
+      <a:defRPr sz="1200" kern="1200">
+        <a:solidFill>
+          <a:schemeClr val="tx1"/>
+        </a:solidFill>
+        <a:latin typeface="+mn-lt"/>
+        <a:ea typeface="+mn-ea"/>
+        <a:cs typeface="+mn-cs"/>
+      </a:defRPr>
+    </a:lvl3pPr>
+    <a:lvl4pPr marL="1371600" algn="l" defTabSz="914400" rtl="0" eaLnBrk="1" latinLnBrk="0" hangingPunct="1">
+      <a:defRPr sz="1200" kern="1200">
+        <a:solidFill>
+          <a:schemeClr val="tx1"/>
+        </a:solidFill>
+        <a:latin typeface="+mn-lt"/>
+        <a:ea typeface="+mn-ea"/>
+        <a:cs typeface="+mn-cs"/>
+      </a:defRPr>
+    </a:lvl4pPr>
+    <a:lvl5pPr marL="1828800" algn="l" defTabSz="914400" rtl="0" eaLnBrk="1" latinLnBrk="0" hangingPunct="1">
+      <a:defRPr sz="1200" kern="1200">
+        <a:solidFill>
+          <a:schemeClr val="tx1"/>
+        </a:solidFill>
+        <a:latin typeface="+mn-lt"/>
+        <a:ea typeface="+mn-ea"/>
+        <a:cs typeface="+mn-cs"/>
+      </a:defRPr>
+    </a:lvl5pPr>
+    <a:lvl6pPr marL="2286000" algn="l" defTabSz="914400" rtl="0" eaLnBrk="1" latinLnBrk="0" hangingPunct="1">
+      <a:defRPr sz="1200" kern="1200">
+        <a:solidFill>
+          <a:schemeClr val="tx1"/>
+        </a:solidFill>
+        <a:latin typeface="+mn-lt"/>
+        <a:ea typeface="+mn-ea"/>
+        <a:cs typeface="+mn-cs"/>
+      </a:defRPr>
+    </a:lvl6pPr>
+    <a:lvl7pPr marL="2743200" algn="l" defTabSz="914400" rtl="0" eaLnBrk="1" latinLnBrk="0" hangingPunct="1">
+      <a:defRPr sz="1200" kern="1200">
+        <a:solidFill>
+          <a:schemeClr val="tx1"/>
+        </a:solidFill>
+        <a:latin typeface="+mn-lt"/>
+        <a:ea typeface="+mn-ea"/>
+        <a:cs typeface="+mn-cs"/>
+      </a:defRPr>
+    </a:lvl7pPr>
+    <a:lvl8pPr marL="3200400" algn="l" defTabSz="914400" rtl="0" eaLnBrk="1" latinLnBrk="0" hangingPunct="1">
+      <a:defRPr sz="1200" kern="1200">
+        <a:solidFill>
+          <a:schemeClr val="tx1"/>
+        </a:solidFill>
+        <a:latin typeface="+mn-lt"/>
+        <a:ea typeface="+mn-ea"/>
+        <a:cs typeface="+mn-cs"/>
+      </a:defRPr>
+    </a:lvl8pPr>
+    <a:lvl9pPr marL="3657600" algn="l" defTabSz="914400" rtl="0" eaLnBrk="1" latinLnBrk="0" hangingPunct="1">
+      <a:defRPr sz="1200" kern="1200">
+        <a:solidFill>
+          <a:schemeClr val="tx1"/>
+        </a:solidFill>
+        <a:latin typeface="+mn-lt"/>
+        <a:ea typeface="+mn-ea"/>
+        <a:cs typeface="+mn-cs"/>
+      </a:defRPr>
+    </a:lvl9pPr>
+  </p:notesStyle>
+</p:notesMaster>
+</file>
+
+<file path=ppt/notesSlides/notesSlide1.xml><?xml version="1.0" encoding="utf-8"?>
+<p:notes xmlns:a="http://schemas.openxmlformats.org/drawingml/2006/main" xmlns:r="http://schemas.openxmlformats.org/officeDocument/2006/relationships" xmlns:p="http://schemas.openxmlformats.org/presentationml/2006/main">
+  <p:cSld>
+    <p:spTree>
+      <p:nvGrpSpPr>
+        <p:cNvPr id="1" name=""/>
+        <p:cNvGrpSpPr/>
+        <p:nvPr/>
+      </p:nvGrpSpPr>
+      <p:grpSpPr>
+        <a:xfrm>
+          <a:off x="0" y="0"/>
+          <a:ext cx="0" cy="0"/>
+          <a:chOff x="0" y="0"/>
+          <a:chExt cx="0" cy="0"/>
+        </a:xfrm>
+      </p:grpSpPr>
+      <p:sp>
+        <p:nvSpPr>
+          <p:cNvPr id="2" name="Slide Image Placeholder 1"/>
+          <p:cNvSpPr>
+            <a:spLocks noGrp="1" noRot="1" noChangeAspect="1"/>
+          </p:cNvSpPr>
+          <p:nvPr>
+            <p:ph type="sldImg"/>
+          </p:nvPr>
+        </p:nvSpPr>
+        <p:spPr/>
+      </p:sp>
+      <p:sp>
+        <p:nvSpPr>
+          <p:cNvPr id="3" name="Notes Placeholder 2"/>
+          <p:cNvSpPr>
+            <a:spLocks noGrp="1"/>
+          </p:cNvSpPr>
+          <p:nvPr>
+            <p:ph type="body" idx="1"/>
+          </p:nvPr>
+        </p:nvSpPr>
+        <p:spPr/>
+        <p:txBody>
+          <a:bodyPr/>
+          <a:lstStyle/>
+          <a:p>
+            <a:endParaRPr lang="fr-FR" dirty="0"/>
+          </a:p>
+        </p:txBody>
+      </p:sp>
+      <p:sp>
+        <p:nvSpPr>
+          <p:cNvPr id="4" name="Slide Number Placeholder 3"/>
+          <p:cNvSpPr>
+            <a:spLocks noGrp="1"/>
+          </p:cNvSpPr>
+          <p:nvPr>
+            <p:ph type="sldNum" sz="quarter" idx="5"/>
+          </p:nvPr>
+        </p:nvSpPr>
+        <p:spPr/>
+        <p:txBody>
+          <a:bodyPr/>
+          <a:lstStyle/>
+          <a:p>
+            <a:fld id="{D2D8A848-D79D-4ADD-BE30-297156116115}" type="slidenum">
+              <a:rPr lang="fr-FR" smtClean="0"/>
+              <a:t>1</a:t>
+            </a:fld>
+            <a:endParaRPr lang="fr-FR"/>
+          </a:p>
+        </p:txBody>
+      </p:sp>
+    </p:spTree>
+    <p:extLst>
+      <p:ext uri="{BB962C8B-B14F-4D97-AF65-F5344CB8AC3E}">
+        <p14:creationId xmlns:p14="http://schemas.microsoft.com/office/powerpoint/2010/main" val="3569015789"/>
+      </p:ext>
+    </p:extLst>
+  </p:cSld>
+  <p:clrMapOvr>
+    <a:masterClrMapping/>
+  </p:clrMapOvr>
+</p:notes>
 </file>
 
 <file path=ppt/slideLayouts/slideLayout1.xml><?xml version="1.0" encoding="utf-8"?>
@@ -3110,6 +3549,53 @@
           <a:chExt cx="0" cy="0"/>
         </a:xfrm>
       </p:grpSpPr>
+      <p:pic>
+        <p:nvPicPr>
+          <p:cNvPr id="16386" name="Picture 2" descr="Iris Flowers, Nature Beauty, Floral Art PNG">
+            <a:extLst>
+              <a:ext uri="{FF2B5EF4-FFF2-40B4-BE49-F238E27FC236}">
+                <a16:creationId xmlns:a16="http://schemas.microsoft.com/office/drawing/2014/main" id="{EF8EDDAC-B7F0-F351-FC29-5605B12AE30F}"/>
+              </a:ext>
+            </a:extLst>
+          </p:cNvPr>
+          <p:cNvPicPr>
+            <a:picLocks noChangeAspect="1" noChangeArrowheads="1"/>
+          </p:cNvPicPr>
+          <p:nvPr/>
+        </p:nvPicPr>
+        <p:blipFill>
+          <a:blip r:embed="rId3">
+            <a:extLst>
+              <a:ext uri="{28A0092B-C50C-407E-A947-70E740481C1C}">
+                <a14:useLocalDpi xmlns:a14="http://schemas.microsoft.com/office/drawing/2010/main" val="0"/>
+              </a:ext>
+            </a:extLst>
+          </a:blip>
+          <a:srcRect/>
+          <a:stretch>
+            <a:fillRect/>
+          </a:stretch>
+        </p:blipFill>
+        <p:spPr bwMode="auto">
+          <a:xfrm>
+            <a:off x="7591425" y="3914775"/>
+            <a:ext cx="1552575" cy="2943225"/>
+          </a:xfrm>
+          <a:prstGeom prst="rect">
+            <a:avLst/>
+          </a:prstGeom>
+          <a:noFill/>
+          <a:extLst>
+            <a:ext uri="{909E8E84-426E-40DD-AFC4-6F175D3DCCD1}">
+              <a14:hiddenFill xmlns:a14="http://schemas.microsoft.com/office/drawing/2010/main">
+                <a:solidFill>
+                  <a:srgbClr val="FFFFFF"/>
+                </a:solidFill>
+              </a14:hiddenFill>
+            </a:ext>
+          </a:extLst>
+        </p:spPr>
+      </p:pic>
       <p:sp>
         <p:nvSpPr>
           <p:cNvPr id="2" name="TextBox 1">
@@ -3172,7 +3658,7 @@
         </p:nvSpPr>
         <p:spPr>
           <a:xfrm>
-            <a:off x="6316218" y="4759666"/>
+            <a:off x="5264658" y="4927901"/>
             <a:ext cx="2688336" cy="415498"/>
           </a:xfrm>
           <a:prstGeom prst="rect">
@@ -3257,7 +3743,7 @@
           <p:nvPr/>
         </p:nvPicPr>
         <p:blipFill>
-          <a:blip r:embed="rId2"/>
+          <a:blip r:embed="rId4"/>
           <a:stretch>
             <a:fillRect/>
           </a:stretch>
@@ -3321,6 +3807,1720 @@
 </file>
 
 <file path=ppt/slides/slide10.xml><?xml version="1.0" encoding="utf-8"?>
+<p:sld xmlns:a="http://schemas.openxmlformats.org/drawingml/2006/main" xmlns:r="http://schemas.openxmlformats.org/officeDocument/2006/relationships" xmlns:p="http://schemas.openxmlformats.org/presentationml/2006/main">
+  <p:cSld>
+    <p:spTree>
+      <p:nvGrpSpPr>
+        <p:cNvPr id="1" name="">
+          <a:extLst>
+            <a:ext uri="{FF2B5EF4-FFF2-40B4-BE49-F238E27FC236}">
+              <a16:creationId xmlns:a16="http://schemas.microsoft.com/office/drawing/2014/main" id="{CABC6440-A362-F816-919F-2E3F39142CDE}"/>
+            </a:ext>
+          </a:extLst>
+        </p:cNvPr>
+        <p:cNvGrpSpPr/>
+        <p:nvPr/>
+      </p:nvGrpSpPr>
+      <p:grpSpPr>
+        <a:xfrm>
+          <a:off x="0" y="0"/>
+          <a:ext cx="0" cy="0"/>
+          <a:chOff x="0" y="0"/>
+          <a:chExt cx="0" cy="0"/>
+        </a:xfrm>
+      </p:grpSpPr>
+      <p:sp>
+        <p:nvSpPr>
+          <p:cNvPr id="2" name="TextBox 1">
+            <a:extLst>
+              <a:ext uri="{FF2B5EF4-FFF2-40B4-BE49-F238E27FC236}">
+                <a16:creationId xmlns:a16="http://schemas.microsoft.com/office/drawing/2014/main" id="{2A1EBCA5-A58D-36F0-03EB-820382F61100}"/>
+              </a:ext>
+            </a:extLst>
+          </p:cNvPr>
+          <p:cNvSpPr txBox="1"/>
+          <p:nvPr/>
+        </p:nvSpPr>
+        <p:spPr>
+          <a:xfrm>
+            <a:off x="0" y="6484966"/>
+            <a:ext cx="2667762" cy="230832"/>
+          </a:xfrm>
+          <a:prstGeom prst="rect">
+            <a:avLst/>
+          </a:prstGeom>
+          <a:noFill/>
+        </p:spPr>
+        <p:txBody>
+          <a:bodyPr wrap="square" rtlCol="0">
+            <a:spAutoFit/>
+          </a:bodyPr>
+          <a:lstStyle/>
+          <a:p>
+            <a:r>
+              <a:rPr lang="en-US" sz="900" dirty="0">
+                <a:solidFill>
+                  <a:schemeClr val="bg1">
+                    <a:lumMod val="65000"/>
+                  </a:schemeClr>
+                </a:solidFill>
+              </a:rPr>
+              <a:t>Presented by: Redha &amp; Rooney</a:t>
+            </a:r>
+            <a:endParaRPr lang="fr-FR" sz="900" dirty="0">
+              <a:solidFill>
+                <a:schemeClr val="bg1">
+                  <a:lumMod val="65000"/>
+                </a:schemeClr>
+              </a:solidFill>
+            </a:endParaRPr>
+          </a:p>
+        </p:txBody>
+      </p:sp>
+      <p:sp>
+        <p:nvSpPr>
+          <p:cNvPr id="5" name="Title 1">
+            <a:extLst>
+              <a:ext uri="{FF2B5EF4-FFF2-40B4-BE49-F238E27FC236}">
+                <a16:creationId xmlns:a16="http://schemas.microsoft.com/office/drawing/2014/main" id="{A7078416-41A2-F672-24F4-801CEF45A08A}"/>
+              </a:ext>
+            </a:extLst>
+          </p:cNvPr>
+          <p:cNvSpPr txBox="1">
+            <a:spLocks/>
+          </p:cNvSpPr>
+          <p:nvPr/>
+        </p:nvSpPr>
+        <p:spPr>
+          <a:xfrm>
+            <a:off x="301752" y="1259605"/>
+            <a:ext cx="8229600" cy="1143000"/>
+          </a:xfrm>
+          <a:prstGeom prst="rect">
+            <a:avLst/>
+          </a:prstGeom>
+        </p:spPr>
+        <p:txBody>
+          <a:bodyPr vert="horz" lIns="91440" tIns="45720" rIns="91440" bIns="45720" rtlCol="0" anchor="ctr">
+            <a:normAutofit/>
+          </a:bodyPr>
+          <a:lstStyle>
+            <a:lvl1pPr algn="ctr" defTabSz="457200" rtl="0" eaLnBrk="1" latinLnBrk="0" hangingPunct="1">
+              <a:spcBef>
+                <a:spcPct val="0"/>
+              </a:spcBef>
+              <a:buNone/>
+              <a:defRPr sz="4400" kern="1200">
+                <a:solidFill>
+                  <a:schemeClr val="tx1"/>
+                </a:solidFill>
+                <a:latin typeface="+mj-lt"/>
+                <a:ea typeface="+mj-ea"/>
+                <a:cs typeface="+mj-cs"/>
+              </a:defRPr>
+            </a:lvl1pPr>
+          </a:lstStyle>
+          <a:p>
+            <a:pPr>
+              <a:lnSpc>
+                <a:spcPct val="150000"/>
+              </a:lnSpc>
+            </a:pPr>
+            <a:r>
+              <a:rPr lang="fr-FR" sz="4400" dirty="0"/>
+              <a:t>5. </a:t>
+            </a:r>
+            <a:r>
+              <a:rPr lang="fr-FR" sz="4400" b="1" dirty="0" err="1"/>
+              <a:t>Correlation</a:t>
+            </a:r>
+            <a:r>
+              <a:rPr lang="fr-FR" sz="4400" dirty="0"/>
+              <a:t> &amp; </a:t>
+            </a:r>
+            <a:r>
+              <a:rPr lang="fr-FR" sz="4400" dirty="0" err="1"/>
+              <a:t>Visualization</a:t>
+            </a:r>
+            <a:endParaRPr lang="fr-FR" sz="4400" dirty="0"/>
+          </a:p>
+        </p:txBody>
+      </p:sp>
+      <p:sp>
+        <p:nvSpPr>
+          <p:cNvPr id="6" name="Content Placeholder 2">
+            <a:extLst>
+              <a:ext uri="{FF2B5EF4-FFF2-40B4-BE49-F238E27FC236}">
+                <a16:creationId xmlns:a16="http://schemas.microsoft.com/office/drawing/2014/main" id="{93781824-5A96-4EB3-988A-493043741687}"/>
+              </a:ext>
+            </a:extLst>
+          </p:cNvPr>
+          <p:cNvSpPr txBox="1">
+            <a:spLocks/>
+          </p:cNvSpPr>
+          <p:nvPr/>
+        </p:nvSpPr>
+        <p:spPr>
+          <a:xfrm>
+            <a:off x="448979" y="2221993"/>
+            <a:ext cx="8229600" cy="3145536"/>
+          </a:xfrm>
+          <a:prstGeom prst="rect">
+            <a:avLst/>
+          </a:prstGeom>
+        </p:spPr>
+        <p:txBody>
+          <a:bodyPr vert="horz" lIns="91440" tIns="45720" rIns="91440" bIns="45720" rtlCol="0">
+            <a:normAutofit/>
+          </a:bodyPr>
+          <a:lstStyle>
+            <a:lvl1pPr marL="0" indent="0" algn="ctr" defTabSz="457200" rtl="0" eaLnBrk="1" latinLnBrk="0" hangingPunct="1">
+              <a:spcBef>
+                <a:spcPct val="20000"/>
+              </a:spcBef>
+              <a:buFont typeface="Arial"/>
+              <a:buNone/>
+              <a:defRPr sz="3200" kern="1200">
+                <a:solidFill>
+                  <a:schemeClr val="tx1">
+                    <a:tint val="75000"/>
+                  </a:schemeClr>
+                </a:solidFill>
+                <a:latin typeface="+mn-lt"/>
+                <a:ea typeface="+mn-ea"/>
+                <a:cs typeface="+mn-cs"/>
+              </a:defRPr>
+            </a:lvl1pPr>
+            <a:lvl2pPr marL="457200" indent="0" algn="ctr" defTabSz="457200" rtl="0" eaLnBrk="1" latinLnBrk="0" hangingPunct="1">
+              <a:spcBef>
+                <a:spcPct val="20000"/>
+              </a:spcBef>
+              <a:buFont typeface="Arial"/>
+              <a:buNone/>
+              <a:defRPr sz="2800" kern="1200">
+                <a:solidFill>
+                  <a:schemeClr val="tx1">
+                    <a:tint val="75000"/>
+                  </a:schemeClr>
+                </a:solidFill>
+                <a:latin typeface="+mn-lt"/>
+                <a:ea typeface="+mn-ea"/>
+                <a:cs typeface="+mn-cs"/>
+              </a:defRPr>
+            </a:lvl2pPr>
+            <a:lvl3pPr marL="914400" indent="0" algn="ctr" defTabSz="457200" rtl="0" eaLnBrk="1" latinLnBrk="0" hangingPunct="1">
+              <a:spcBef>
+                <a:spcPct val="20000"/>
+              </a:spcBef>
+              <a:buFont typeface="Arial"/>
+              <a:buNone/>
+              <a:defRPr sz="2400" kern="1200">
+                <a:solidFill>
+                  <a:schemeClr val="tx1">
+                    <a:tint val="75000"/>
+                  </a:schemeClr>
+                </a:solidFill>
+                <a:latin typeface="+mn-lt"/>
+                <a:ea typeface="+mn-ea"/>
+                <a:cs typeface="+mn-cs"/>
+              </a:defRPr>
+            </a:lvl3pPr>
+            <a:lvl4pPr marL="1371600" indent="0" algn="ctr" defTabSz="457200" rtl="0" eaLnBrk="1" latinLnBrk="0" hangingPunct="1">
+              <a:spcBef>
+                <a:spcPct val="20000"/>
+              </a:spcBef>
+              <a:buFont typeface="Arial"/>
+              <a:buNone/>
+              <a:defRPr sz="2000" kern="1200">
+                <a:solidFill>
+                  <a:schemeClr val="tx1">
+                    <a:tint val="75000"/>
+                  </a:schemeClr>
+                </a:solidFill>
+                <a:latin typeface="+mn-lt"/>
+                <a:ea typeface="+mn-ea"/>
+                <a:cs typeface="+mn-cs"/>
+              </a:defRPr>
+            </a:lvl4pPr>
+            <a:lvl5pPr marL="1828800" indent="0" algn="ctr" defTabSz="457200" rtl="0" eaLnBrk="1" latinLnBrk="0" hangingPunct="1">
+              <a:spcBef>
+                <a:spcPct val="20000"/>
+              </a:spcBef>
+              <a:buFont typeface="Arial"/>
+              <a:buNone/>
+              <a:defRPr sz="2000" kern="1200">
+                <a:solidFill>
+                  <a:schemeClr val="tx1">
+                    <a:tint val="75000"/>
+                  </a:schemeClr>
+                </a:solidFill>
+                <a:latin typeface="+mn-lt"/>
+                <a:ea typeface="+mn-ea"/>
+                <a:cs typeface="+mn-cs"/>
+              </a:defRPr>
+            </a:lvl5pPr>
+            <a:lvl6pPr marL="2286000" indent="0" algn="ctr" defTabSz="457200" rtl="0" eaLnBrk="1" latinLnBrk="0" hangingPunct="1">
+              <a:spcBef>
+                <a:spcPct val="20000"/>
+              </a:spcBef>
+              <a:buFont typeface="Arial"/>
+              <a:buNone/>
+              <a:defRPr sz="2000" kern="1200">
+                <a:solidFill>
+                  <a:schemeClr val="tx1">
+                    <a:tint val="75000"/>
+                  </a:schemeClr>
+                </a:solidFill>
+                <a:latin typeface="+mn-lt"/>
+                <a:ea typeface="+mn-ea"/>
+                <a:cs typeface="+mn-cs"/>
+              </a:defRPr>
+            </a:lvl6pPr>
+            <a:lvl7pPr marL="2743200" indent="0" algn="ctr" defTabSz="457200" rtl="0" eaLnBrk="1" latinLnBrk="0" hangingPunct="1">
+              <a:spcBef>
+                <a:spcPct val="20000"/>
+              </a:spcBef>
+              <a:buFont typeface="Arial"/>
+              <a:buNone/>
+              <a:defRPr sz="2000" kern="1200">
+                <a:solidFill>
+                  <a:schemeClr val="tx1">
+                    <a:tint val="75000"/>
+                  </a:schemeClr>
+                </a:solidFill>
+                <a:latin typeface="+mn-lt"/>
+                <a:ea typeface="+mn-ea"/>
+                <a:cs typeface="+mn-cs"/>
+              </a:defRPr>
+            </a:lvl7pPr>
+            <a:lvl8pPr marL="3200400" indent="0" algn="ctr" defTabSz="457200" rtl="0" eaLnBrk="1" latinLnBrk="0" hangingPunct="1">
+              <a:spcBef>
+                <a:spcPct val="20000"/>
+              </a:spcBef>
+              <a:buFont typeface="Arial"/>
+              <a:buNone/>
+              <a:defRPr sz="2000" kern="1200">
+                <a:solidFill>
+                  <a:schemeClr val="tx1">
+                    <a:tint val="75000"/>
+                  </a:schemeClr>
+                </a:solidFill>
+                <a:latin typeface="+mn-lt"/>
+                <a:ea typeface="+mn-ea"/>
+                <a:cs typeface="+mn-cs"/>
+              </a:defRPr>
+            </a:lvl8pPr>
+            <a:lvl9pPr marL="3657600" indent="0" algn="ctr" defTabSz="457200" rtl="0" eaLnBrk="1" latinLnBrk="0" hangingPunct="1">
+              <a:spcBef>
+                <a:spcPct val="20000"/>
+              </a:spcBef>
+              <a:buFont typeface="Arial"/>
+              <a:buNone/>
+              <a:defRPr sz="2000" kern="1200">
+                <a:solidFill>
+                  <a:schemeClr val="tx1">
+                    <a:tint val="75000"/>
+                  </a:schemeClr>
+                </a:solidFill>
+                <a:latin typeface="+mn-lt"/>
+                <a:ea typeface="+mn-ea"/>
+                <a:cs typeface="+mn-cs"/>
+              </a:defRPr>
+            </a:lvl9pPr>
+          </a:lstStyle>
+          <a:p>
+            <a:endParaRPr lang="fr-FR" dirty="0"/>
+          </a:p>
+        </p:txBody>
+      </p:sp>
+      <p:pic>
+        <p:nvPicPr>
+          <p:cNvPr id="3" name="Picture 2">
+            <a:extLst>
+              <a:ext uri="{FF2B5EF4-FFF2-40B4-BE49-F238E27FC236}">
+                <a16:creationId xmlns:a16="http://schemas.microsoft.com/office/drawing/2014/main" id="{7F329DA3-EAA6-34BA-82AD-3A0448521427}"/>
+              </a:ext>
+            </a:extLst>
+          </p:cNvPr>
+          <p:cNvPicPr>
+            <a:picLocks noChangeAspect="1"/>
+          </p:cNvPicPr>
+          <p:nvPr/>
+        </p:nvPicPr>
+        <p:blipFill>
+          <a:blip r:embed="rId2">
+            <a:extLst>
+              <a:ext uri="{BEBA8EAE-BF5A-486C-A8C5-ECC9F3942E4B}">
+                <a14:imgProps xmlns:a14="http://schemas.microsoft.com/office/drawing/2010/main">
+                  <a14:imgLayer r:embed="rId3">
+                    <a14:imgEffect>
+                      <a14:saturation sat="0"/>
+                    </a14:imgEffect>
+                  </a14:imgLayer>
+                </a14:imgProps>
+              </a:ext>
+            </a:extLst>
+          </a:blip>
+          <a:srcRect l="65947" r="3227" b="69068"/>
+          <a:stretch/>
+        </p:blipFill>
+        <p:spPr>
+          <a:xfrm>
+            <a:off x="7334411" y="23503"/>
+            <a:ext cx="1730697" cy="543598"/>
+          </a:xfrm>
+          <a:prstGeom prst="rect">
+            <a:avLst/>
+          </a:prstGeom>
+        </p:spPr>
+      </p:pic>
+      <p:pic>
+        <p:nvPicPr>
+          <p:cNvPr id="9" name="Picture 8">
+            <a:extLst>
+              <a:ext uri="{FF2B5EF4-FFF2-40B4-BE49-F238E27FC236}">
+                <a16:creationId xmlns:a16="http://schemas.microsoft.com/office/drawing/2014/main" id="{C47F032F-0F0B-1D14-33A9-5EAEAF007684}"/>
+              </a:ext>
+            </a:extLst>
+          </p:cNvPr>
+          <p:cNvPicPr>
+            <a:picLocks noChangeAspect="1"/>
+          </p:cNvPicPr>
+          <p:nvPr/>
+        </p:nvPicPr>
+        <p:blipFill>
+          <a:blip r:embed="rId4">
+            <a:extLst>
+              <a:ext uri="{BEBA8EAE-BF5A-486C-A8C5-ECC9F3942E4B}">
+                <a14:imgProps xmlns:a14="http://schemas.microsoft.com/office/drawing/2010/main">
+                  <a14:imgLayer r:embed="rId5">
+                    <a14:imgEffect>
+                      <a14:saturation sat="0"/>
+                    </a14:imgEffect>
+                  </a14:imgLayer>
+                </a14:imgProps>
+              </a:ext>
+            </a:extLst>
+          </a:blip>
+          <a:srcRect r="42279"/>
+          <a:stretch/>
+        </p:blipFill>
+        <p:spPr>
+          <a:xfrm>
+            <a:off x="0" y="-4677"/>
+            <a:ext cx="1399032" cy="718345"/>
+          </a:xfrm>
+          <a:prstGeom prst="rect">
+            <a:avLst/>
+          </a:prstGeom>
+        </p:spPr>
+      </p:pic>
+      <p:sp>
+        <p:nvSpPr>
+          <p:cNvPr id="10" name="TextBox 9">
+            <a:extLst>
+              <a:ext uri="{FF2B5EF4-FFF2-40B4-BE49-F238E27FC236}">
+                <a16:creationId xmlns:a16="http://schemas.microsoft.com/office/drawing/2014/main" id="{49B02DD3-19A9-71F4-73AD-7F47D0EA14BF}"/>
+              </a:ext>
+            </a:extLst>
+          </p:cNvPr>
+          <p:cNvSpPr txBox="1"/>
+          <p:nvPr/>
+        </p:nvSpPr>
+        <p:spPr>
+          <a:xfrm>
+            <a:off x="8378594" y="6484966"/>
+            <a:ext cx="777770" cy="230832"/>
+          </a:xfrm>
+          <a:prstGeom prst="rect">
+            <a:avLst/>
+          </a:prstGeom>
+          <a:noFill/>
+        </p:spPr>
+        <p:txBody>
+          <a:bodyPr wrap="square" rtlCol="0">
+            <a:spAutoFit/>
+          </a:bodyPr>
+          <a:lstStyle/>
+          <a:p>
+            <a:r>
+              <a:rPr lang="en-US" sz="900" dirty="0">
+                <a:solidFill>
+                  <a:schemeClr val="bg1">
+                    <a:lumMod val="65000"/>
+                  </a:schemeClr>
+                </a:solidFill>
+              </a:rPr>
+              <a:t>10/06/2025</a:t>
+            </a:r>
+            <a:endParaRPr lang="fr-FR" sz="900" dirty="0">
+              <a:solidFill>
+                <a:schemeClr val="bg1">
+                  <a:lumMod val="65000"/>
+                </a:schemeClr>
+              </a:solidFill>
+            </a:endParaRPr>
+          </a:p>
+        </p:txBody>
+      </p:sp>
+      <p:pic>
+        <p:nvPicPr>
+          <p:cNvPr id="7" name="Picture 6">
+            <a:extLst>
+              <a:ext uri="{FF2B5EF4-FFF2-40B4-BE49-F238E27FC236}">
+                <a16:creationId xmlns:a16="http://schemas.microsoft.com/office/drawing/2014/main" id="{4EBE4DDC-8E53-01A7-477B-AE212076AD9B}"/>
+              </a:ext>
+            </a:extLst>
+          </p:cNvPr>
+          <p:cNvPicPr>
+            <a:picLocks noChangeAspect="1"/>
+          </p:cNvPicPr>
+          <p:nvPr/>
+        </p:nvPicPr>
+        <p:blipFill>
+          <a:blip r:embed="rId6"/>
+          <a:stretch>
+            <a:fillRect/>
+          </a:stretch>
+        </p:blipFill>
+        <p:spPr>
+          <a:xfrm>
+            <a:off x="1231446" y="3292367"/>
+            <a:ext cx="7581419" cy="1143000"/>
+          </a:xfrm>
+          <a:prstGeom prst="rect">
+            <a:avLst/>
+          </a:prstGeom>
+        </p:spPr>
+      </p:pic>
+      <p:sp>
+        <p:nvSpPr>
+          <p:cNvPr id="8" name="Arrow: Down 7">
+            <a:extLst>
+              <a:ext uri="{FF2B5EF4-FFF2-40B4-BE49-F238E27FC236}">
+                <a16:creationId xmlns:a16="http://schemas.microsoft.com/office/drawing/2014/main" id="{BFDC89A3-E261-3AC0-D913-DECD8F149D92}"/>
+              </a:ext>
+            </a:extLst>
+          </p:cNvPr>
+          <p:cNvSpPr/>
+          <p:nvPr/>
+        </p:nvSpPr>
+        <p:spPr>
+          <a:xfrm rot="10800000">
+            <a:off x="6637061" y="4690609"/>
+            <a:ext cx="475488" cy="421677"/>
+          </a:xfrm>
+          <a:prstGeom prst="downArrow">
+            <a:avLst/>
+          </a:prstGeom>
+        </p:spPr>
+        <p:style>
+          <a:lnRef idx="1">
+            <a:schemeClr val="accent1"/>
+          </a:lnRef>
+          <a:fillRef idx="3">
+            <a:schemeClr val="accent1"/>
+          </a:fillRef>
+          <a:effectRef idx="2">
+            <a:schemeClr val="accent1"/>
+          </a:effectRef>
+          <a:fontRef idx="minor">
+            <a:schemeClr val="lt1"/>
+          </a:fontRef>
+        </p:style>
+        <p:txBody>
+          <a:bodyPr rtlCol="0" anchor="ctr"/>
+          <a:lstStyle/>
+          <a:p>
+            <a:pPr algn="ctr"/>
+            <a:endParaRPr lang="fr-FR"/>
+          </a:p>
+        </p:txBody>
+      </p:sp>
+      <p:cxnSp>
+        <p:nvCxnSpPr>
+          <p:cNvPr id="13" name="Straight Connector 12">
+            <a:extLst>
+              <a:ext uri="{FF2B5EF4-FFF2-40B4-BE49-F238E27FC236}">
+                <a16:creationId xmlns:a16="http://schemas.microsoft.com/office/drawing/2014/main" id="{81D4A89D-D364-51A5-CB9F-0A54E73C17B9}"/>
+              </a:ext>
+            </a:extLst>
+          </p:cNvPr>
+          <p:cNvCxnSpPr/>
+          <p:nvPr/>
+        </p:nvCxnSpPr>
+        <p:spPr>
+          <a:xfrm>
+            <a:off x="6637059" y="4508519"/>
+            <a:ext cx="475489" cy="0"/>
+          </a:xfrm>
+          <a:prstGeom prst="line">
+            <a:avLst/>
+          </a:prstGeom>
+        </p:spPr>
+        <p:style>
+          <a:lnRef idx="2">
+            <a:schemeClr val="accent1"/>
+          </a:lnRef>
+          <a:fillRef idx="0">
+            <a:schemeClr val="accent1"/>
+          </a:fillRef>
+          <a:effectRef idx="1">
+            <a:schemeClr val="accent1"/>
+          </a:effectRef>
+          <a:fontRef idx="minor">
+            <a:schemeClr val="tx1"/>
+          </a:fontRef>
+        </p:style>
+      </p:cxnSp>
+    </p:spTree>
+    <p:extLst>
+      <p:ext uri="{BB962C8B-B14F-4D97-AF65-F5344CB8AC3E}">
+        <p14:creationId xmlns:p14="http://schemas.microsoft.com/office/powerpoint/2010/main" val="2697437620"/>
+      </p:ext>
+    </p:extLst>
+  </p:cSld>
+  <p:clrMapOvr>
+    <a:masterClrMapping/>
+  </p:clrMapOvr>
+</p:sld>
+</file>
+
+<file path=ppt/slides/slide11.xml><?xml version="1.0" encoding="utf-8"?>
+<p:sld xmlns:a="http://schemas.openxmlformats.org/drawingml/2006/main" xmlns:r="http://schemas.openxmlformats.org/officeDocument/2006/relationships" xmlns:p="http://schemas.openxmlformats.org/presentationml/2006/main">
+  <p:cSld>
+    <p:spTree>
+      <p:nvGrpSpPr>
+        <p:cNvPr id="1" name="">
+          <a:extLst>
+            <a:ext uri="{FF2B5EF4-FFF2-40B4-BE49-F238E27FC236}">
+              <a16:creationId xmlns:a16="http://schemas.microsoft.com/office/drawing/2014/main" id="{A536CFE0-78F6-ACEB-F263-6330B42CFC12}"/>
+            </a:ext>
+          </a:extLst>
+        </p:cNvPr>
+        <p:cNvGrpSpPr/>
+        <p:nvPr/>
+      </p:nvGrpSpPr>
+      <p:grpSpPr>
+        <a:xfrm>
+          <a:off x="0" y="0"/>
+          <a:ext cx="0" cy="0"/>
+          <a:chOff x="0" y="0"/>
+          <a:chExt cx="0" cy="0"/>
+        </a:xfrm>
+      </p:grpSpPr>
+      <p:sp>
+        <p:nvSpPr>
+          <p:cNvPr id="2" name="TextBox 1">
+            <a:extLst>
+              <a:ext uri="{FF2B5EF4-FFF2-40B4-BE49-F238E27FC236}">
+                <a16:creationId xmlns:a16="http://schemas.microsoft.com/office/drawing/2014/main" id="{6E6CD962-8701-02AA-C37F-961A9B9CA54D}"/>
+              </a:ext>
+            </a:extLst>
+          </p:cNvPr>
+          <p:cNvSpPr txBox="1"/>
+          <p:nvPr/>
+        </p:nvSpPr>
+        <p:spPr>
+          <a:xfrm>
+            <a:off x="0" y="6484966"/>
+            <a:ext cx="2667762" cy="230832"/>
+          </a:xfrm>
+          <a:prstGeom prst="rect">
+            <a:avLst/>
+          </a:prstGeom>
+          <a:noFill/>
+        </p:spPr>
+        <p:txBody>
+          <a:bodyPr wrap="square" rtlCol="0">
+            <a:spAutoFit/>
+          </a:bodyPr>
+          <a:lstStyle/>
+          <a:p>
+            <a:r>
+              <a:rPr lang="en-US" sz="900" dirty="0">
+                <a:solidFill>
+                  <a:schemeClr val="bg1">
+                    <a:lumMod val="65000"/>
+                  </a:schemeClr>
+                </a:solidFill>
+              </a:rPr>
+              <a:t>Presented by: Redha &amp; Rooney</a:t>
+            </a:r>
+            <a:endParaRPr lang="fr-FR" sz="900" dirty="0">
+              <a:solidFill>
+                <a:schemeClr val="bg1">
+                  <a:lumMod val="65000"/>
+                </a:schemeClr>
+              </a:solidFill>
+            </a:endParaRPr>
+          </a:p>
+        </p:txBody>
+      </p:sp>
+      <p:sp>
+        <p:nvSpPr>
+          <p:cNvPr id="5" name="Title 1">
+            <a:extLst>
+              <a:ext uri="{FF2B5EF4-FFF2-40B4-BE49-F238E27FC236}">
+                <a16:creationId xmlns:a16="http://schemas.microsoft.com/office/drawing/2014/main" id="{038DE911-3487-7F50-9474-492101EFA8D6}"/>
+              </a:ext>
+            </a:extLst>
+          </p:cNvPr>
+          <p:cNvSpPr txBox="1">
+            <a:spLocks/>
+          </p:cNvSpPr>
+          <p:nvPr/>
+        </p:nvSpPr>
+        <p:spPr>
+          <a:xfrm>
+            <a:off x="301752" y="-246669"/>
+            <a:ext cx="8229600" cy="1143000"/>
+          </a:xfrm>
+          <a:prstGeom prst="rect">
+            <a:avLst/>
+          </a:prstGeom>
+        </p:spPr>
+        <p:txBody>
+          <a:bodyPr vert="horz" lIns="91440" tIns="45720" rIns="91440" bIns="45720" rtlCol="0" anchor="ctr">
+            <a:normAutofit/>
+          </a:bodyPr>
+          <a:lstStyle>
+            <a:lvl1pPr algn="ctr" defTabSz="457200" rtl="0" eaLnBrk="1" latinLnBrk="0" hangingPunct="1">
+              <a:spcBef>
+                <a:spcPct val="0"/>
+              </a:spcBef>
+              <a:buNone/>
+              <a:defRPr sz="4400" kern="1200">
+                <a:solidFill>
+                  <a:schemeClr val="tx1"/>
+                </a:solidFill>
+                <a:latin typeface="+mj-lt"/>
+                <a:ea typeface="+mj-ea"/>
+                <a:cs typeface="+mj-cs"/>
+              </a:defRPr>
+            </a:lvl1pPr>
+          </a:lstStyle>
+          <a:p>
+            <a:pPr>
+              <a:lnSpc>
+                <a:spcPct val="150000"/>
+              </a:lnSpc>
+            </a:pPr>
+            <a:r>
+              <a:rPr lang="fr-FR" sz="3600" dirty="0"/>
+              <a:t>5. </a:t>
+            </a:r>
+            <a:r>
+              <a:rPr lang="fr-FR" sz="3600" b="1" dirty="0" err="1"/>
+              <a:t>Correlation</a:t>
+            </a:r>
+            <a:r>
+              <a:rPr lang="fr-FR" sz="3600" dirty="0"/>
+              <a:t> &amp; </a:t>
+            </a:r>
+            <a:r>
+              <a:rPr lang="fr-FR" sz="3600" dirty="0" err="1"/>
+              <a:t>Visualization</a:t>
+            </a:r>
+            <a:endParaRPr lang="fr-FR" sz="3600" dirty="0"/>
+          </a:p>
+        </p:txBody>
+      </p:sp>
+      <p:sp>
+        <p:nvSpPr>
+          <p:cNvPr id="6" name="Content Placeholder 2">
+            <a:extLst>
+              <a:ext uri="{FF2B5EF4-FFF2-40B4-BE49-F238E27FC236}">
+                <a16:creationId xmlns:a16="http://schemas.microsoft.com/office/drawing/2014/main" id="{0F984603-1F15-D0FA-A15B-956EC4C32DFA}"/>
+              </a:ext>
+            </a:extLst>
+          </p:cNvPr>
+          <p:cNvSpPr txBox="1">
+            <a:spLocks/>
+          </p:cNvSpPr>
+          <p:nvPr/>
+        </p:nvSpPr>
+        <p:spPr>
+          <a:xfrm>
+            <a:off x="448979" y="2221993"/>
+            <a:ext cx="8229600" cy="3145536"/>
+          </a:xfrm>
+          <a:prstGeom prst="rect">
+            <a:avLst/>
+          </a:prstGeom>
+        </p:spPr>
+        <p:txBody>
+          <a:bodyPr vert="horz" lIns="91440" tIns="45720" rIns="91440" bIns="45720" rtlCol="0">
+            <a:normAutofit/>
+          </a:bodyPr>
+          <a:lstStyle>
+            <a:lvl1pPr marL="0" indent="0" algn="ctr" defTabSz="457200" rtl="0" eaLnBrk="1" latinLnBrk="0" hangingPunct="1">
+              <a:spcBef>
+                <a:spcPct val="20000"/>
+              </a:spcBef>
+              <a:buFont typeface="Arial"/>
+              <a:buNone/>
+              <a:defRPr sz="3200" kern="1200">
+                <a:solidFill>
+                  <a:schemeClr val="tx1">
+                    <a:tint val="75000"/>
+                  </a:schemeClr>
+                </a:solidFill>
+                <a:latin typeface="+mn-lt"/>
+                <a:ea typeface="+mn-ea"/>
+                <a:cs typeface="+mn-cs"/>
+              </a:defRPr>
+            </a:lvl1pPr>
+            <a:lvl2pPr marL="457200" indent="0" algn="ctr" defTabSz="457200" rtl="0" eaLnBrk="1" latinLnBrk="0" hangingPunct="1">
+              <a:spcBef>
+                <a:spcPct val="20000"/>
+              </a:spcBef>
+              <a:buFont typeface="Arial"/>
+              <a:buNone/>
+              <a:defRPr sz="2800" kern="1200">
+                <a:solidFill>
+                  <a:schemeClr val="tx1">
+                    <a:tint val="75000"/>
+                  </a:schemeClr>
+                </a:solidFill>
+                <a:latin typeface="+mn-lt"/>
+                <a:ea typeface="+mn-ea"/>
+                <a:cs typeface="+mn-cs"/>
+              </a:defRPr>
+            </a:lvl2pPr>
+            <a:lvl3pPr marL="914400" indent="0" algn="ctr" defTabSz="457200" rtl="0" eaLnBrk="1" latinLnBrk="0" hangingPunct="1">
+              <a:spcBef>
+                <a:spcPct val="20000"/>
+              </a:spcBef>
+              <a:buFont typeface="Arial"/>
+              <a:buNone/>
+              <a:defRPr sz="2400" kern="1200">
+                <a:solidFill>
+                  <a:schemeClr val="tx1">
+                    <a:tint val="75000"/>
+                  </a:schemeClr>
+                </a:solidFill>
+                <a:latin typeface="+mn-lt"/>
+                <a:ea typeface="+mn-ea"/>
+                <a:cs typeface="+mn-cs"/>
+              </a:defRPr>
+            </a:lvl3pPr>
+            <a:lvl4pPr marL="1371600" indent="0" algn="ctr" defTabSz="457200" rtl="0" eaLnBrk="1" latinLnBrk="0" hangingPunct="1">
+              <a:spcBef>
+                <a:spcPct val="20000"/>
+              </a:spcBef>
+              <a:buFont typeface="Arial"/>
+              <a:buNone/>
+              <a:defRPr sz="2000" kern="1200">
+                <a:solidFill>
+                  <a:schemeClr val="tx1">
+                    <a:tint val="75000"/>
+                  </a:schemeClr>
+                </a:solidFill>
+                <a:latin typeface="+mn-lt"/>
+                <a:ea typeface="+mn-ea"/>
+                <a:cs typeface="+mn-cs"/>
+              </a:defRPr>
+            </a:lvl4pPr>
+            <a:lvl5pPr marL="1828800" indent="0" algn="ctr" defTabSz="457200" rtl="0" eaLnBrk="1" latinLnBrk="0" hangingPunct="1">
+              <a:spcBef>
+                <a:spcPct val="20000"/>
+              </a:spcBef>
+              <a:buFont typeface="Arial"/>
+              <a:buNone/>
+              <a:defRPr sz="2000" kern="1200">
+                <a:solidFill>
+                  <a:schemeClr val="tx1">
+                    <a:tint val="75000"/>
+                  </a:schemeClr>
+                </a:solidFill>
+                <a:latin typeface="+mn-lt"/>
+                <a:ea typeface="+mn-ea"/>
+                <a:cs typeface="+mn-cs"/>
+              </a:defRPr>
+            </a:lvl5pPr>
+            <a:lvl6pPr marL="2286000" indent="0" algn="ctr" defTabSz="457200" rtl="0" eaLnBrk="1" latinLnBrk="0" hangingPunct="1">
+              <a:spcBef>
+                <a:spcPct val="20000"/>
+              </a:spcBef>
+              <a:buFont typeface="Arial"/>
+              <a:buNone/>
+              <a:defRPr sz="2000" kern="1200">
+                <a:solidFill>
+                  <a:schemeClr val="tx1">
+                    <a:tint val="75000"/>
+                  </a:schemeClr>
+                </a:solidFill>
+                <a:latin typeface="+mn-lt"/>
+                <a:ea typeface="+mn-ea"/>
+                <a:cs typeface="+mn-cs"/>
+              </a:defRPr>
+            </a:lvl6pPr>
+            <a:lvl7pPr marL="2743200" indent="0" algn="ctr" defTabSz="457200" rtl="0" eaLnBrk="1" latinLnBrk="0" hangingPunct="1">
+              <a:spcBef>
+                <a:spcPct val="20000"/>
+              </a:spcBef>
+              <a:buFont typeface="Arial"/>
+              <a:buNone/>
+              <a:defRPr sz="2000" kern="1200">
+                <a:solidFill>
+                  <a:schemeClr val="tx1">
+                    <a:tint val="75000"/>
+                  </a:schemeClr>
+                </a:solidFill>
+                <a:latin typeface="+mn-lt"/>
+                <a:ea typeface="+mn-ea"/>
+                <a:cs typeface="+mn-cs"/>
+              </a:defRPr>
+            </a:lvl7pPr>
+            <a:lvl8pPr marL="3200400" indent="0" algn="ctr" defTabSz="457200" rtl="0" eaLnBrk="1" latinLnBrk="0" hangingPunct="1">
+              <a:spcBef>
+                <a:spcPct val="20000"/>
+              </a:spcBef>
+              <a:buFont typeface="Arial"/>
+              <a:buNone/>
+              <a:defRPr sz="2000" kern="1200">
+                <a:solidFill>
+                  <a:schemeClr val="tx1">
+                    <a:tint val="75000"/>
+                  </a:schemeClr>
+                </a:solidFill>
+                <a:latin typeface="+mn-lt"/>
+                <a:ea typeface="+mn-ea"/>
+                <a:cs typeface="+mn-cs"/>
+              </a:defRPr>
+            </a:lvl8pPr>
+            <a:lvl9pPr marL="3657600" indent="0" algn="ctr" defTabSz="457200" rtl="0" eaLnBrk="1" latinLnBrk="0" hangingPunct="1">
+              <a:spcBef>
+                <a:spcPct val="20000"/>
+              </a:spcBef>
+              <a:buFont typeface="Arial"/>
+              <a:buNone/>
+              <a:defRPr sz="2000" kern="1200">
+                <a:solidFill>
+                  <a:schemeClr val="tx1">
+                    <a:tint val="75000"/>
+                  </a:schemeClr>
+                </a:solidFill>
+                <a:latin typeface="+mn-lt"/>
+                <a:ea typeface="+mn-ea"/>
+                <a:cs typeface="+mn-cs"/>
+              </a:defRPr>
+            </a:lvl9pPr>
+          </a:lstStyle>
+          <a:p>
+            <a:endParaRPr lang="fr-FR" dirty="0"/>
+          </a:p>
+        </p:txBody>
+      </p:sp>
+      <p:pic>
+        <p:nvPicPr>
+          <p:cNvPr id="3" name="Picture 2">
+            <a:extLst>
+              <a:ext uri="{FF2B5EF4-FFF2-40B4-BE49-F238E27FC236}">
+                <a16:creationId xmlns:a16="http://schemas.microsoft.com/office/drawing/2014/main" id="{245446D0-F3C7-373A-C433-EDD65A7589D6}"/>
+              </a:ext>
+            </a:extLst>
+          </p:cNvPr>
+          <p:cNvPicPr>
+            <a:picLocks noChangeAspect="1"/>
+          </p:cNvPicPr>
+          <p:nvPr/>
+        </p:nvPicPr>
+        <p:blipFill>
+          <a:blip r:embed="rId2">
+            <a:extLst>
+              <a:ext uri="{BEBA8EAE-BF5A-486C-A8C5-ECC9F3942E4B}">
+                <a14:imgProps xmlns:a14="http://schemas.microsoft.com/office/drawing/2010/main">
+                  <a14:imgLayer r:embed="rId3">
+                    <a14:imgEffect>
+                      <a14:saturation sat="0"/>
+                    </a14:imgEffect>
+                  </a14:imgLayer>
+                </a14:imgProps>
+              </a:ext>
+            </a:extLst>
+          </a:blip>
+          <a:srcRect l="65947" r="3227" b="69068"/>
+          <a:stretch/>
+        </p:blipFill>
+        <p:spPr>
+          <a:xfrm>
+            <a:off x="7334411" y="23503"/>
+            <a:ext cx="1730697" cy="543598"/>
+          </a:xfrm>
+          <a:prstGeom prst="rect">
+            <a:avLst/>
+          </a:prstGeom>
+        </p:spPr>
+      </p:pic>
+      <p:pic>
+        <p:nvPicPr>
+          <p:cNvPr id="9" name="Picture 8">
+            <a:extLst>
+              <a:ext uri="{FF2B5EF4-FFF2-40B4-BE49-F238E27FC236}">
+                <a16:creationId xmlns:a16="http://schemas.microsoft.com/office/drawing/2014/main" id="{01CF58E6-6A2E-86DB-E489-166414D36483}"/>
+              </a:ext>
+            </a:extLst>
+          </p:cNvPr>
+          <p:cNvPicPr>
+            <a:picLocks noChangeAspect="1"/>
+          </p:cNvPicPr>
+          <p:nvPr/>
+        </p:nvPicPr>
+        <p:blipFill>
+          <a:blip r:embed="rId4">
+            <a:extLst>
+              <a:ext uri="{BEBA8EAE-BF5A-486C-A8C5-ECC9F3942E4B}">
+                <a14:imgProps xmlns:a14="http://schemas.microsoft.com/office/drawing/2010/main">
+                  <a14:imgLayer r:embed="rId5">
+                    <a14:imgEffect>
+                      <a14:saturation sat="0"/>
+                    </a14:imgEffect>
+                  </a14:imgLayer>
+                </a14:imgProps>
+              </a:ext>
+            </a:extLst>
+          </a:blip>
+          <a:srcRect r="42279"/>
+          <a:stretch/>
+        </p:blipFill>
+        <p:spPr>
+          <a:xfrm>
+            <a:off x="0" y="-4677"/>
+            <a:ext cx="1399032" cy="718345"/>
+          </a:xfrm>
+          <a:prstGeom prst="rect">
+            <a:avLst/>
+          </a:prstGeom>
+        </p:spPr>
+      </p:pic>
+      <p:sp>
+        <p:nvSpPr>
+          <p:cNvPr id="10" name="TextBox 9">
+            <a:extLst>
+              <a:ext uri="{FF2B5EF4-FFF2-40B4-BE49-F238E27FC236}">
+                <a16:creationId xmlns:a16="http://schemas.microsoft.com/office/drawing/2014/main" id="{9CA80BAA-ED79-A191-B8CF-484E9E4A0003}"/>
+              </a:ext>
+            </a:extLst>
+          </p:cNvPr>
+          <p:cNvSpPr txBox="1"/>
+          <p:nvPr/>
+        </p:nvSpPr>
+        <p:spPr>
+          <a:xfrm>
+            <a:off x="8378594" y="6484966"/>
+            <a:ext cx="777770" cy="230832"/>
+          </a:xfrm>
+          <a:prstGeom prst="rect">
+            <a:avLst/>
+          </a:prstGeom>
+          <a:noFill/>
+        </p:spPr>
+        <p:txBody>
+          <a:bodyPr wrap="square" rtlCol="0">
+            <a:spAutoFit/>
+          </a:bodyPr>
+          <a:lstStyle/>
+          <a:p>
+            <a:r>
+              <a:rPr lang="en-US" sz="900" dirty="0">
+                <a:solidFill>
+                  <a:schemeClr val="bg1">
+                    <a:lumMod val="65000"/>
+                  </a:schemeClr>
+                </a:solidFill>
+              </a:rPr>
+              <a:t>10/06/2025</a:t>
+            </a:r>
+            <a:endParaRPr lang="fr-FR" sz="900" dirty="0">
+              <a:solidFill>
+                <a:schemeClr val="bg1">
+                  <a:lumMod val="65000"/>
+                </a:schemeClr>
+              </a:solidFill>
+            </a:endParaRPr>
+          </a:p>
+        </p:txBody>
+      </p:sp>
+      <p:pic>
+        <p:nvPicPr>
+          <p:cNvPr id="11" name="Picture 10">
+            <a:extLst>
+              <a:ext uri="{FF2B5EF4-FFF2-40B4-BE49-F238E27FC236}">
+                <a16:creationId xmlns:a16="http://schemas.microsoft.com/office/drawing/2014/main" id="{4917243A-8C6F-02CD-7822-F0D680E64A84}"/>
+              </a:ext>
+            </a:extLst>
+          </p:cNvPr>
+          <p:cNvPicPr>
+            <a:picLocks noChangeAspect="1"/>
+          </p:cNvPicPr>
+          <p:nvPr/>
+        </p:nvPicPr>
+        <p:blipFill>
+          <a:blip r:embed="rId6"/>
+          <a:stretch>
+            <a:fillRect/>
+          </a:stretch>
+        </p:blipFill>
+        <p:spPr>
+          <a:xfrm>
+            <a:off x="699516" y="1059769"/>
+            <a:ext cx="6277356" cy="5425197"/>
+          </a:xfrm>
+          <a:prstGeom prst="rect">
+            <a:avLst/>
+          </a:prstGeom>
+        </p:spPr>
+      </p:pic>
+      <p:sp>
+        <p:nvSpPr>
+          <p:cNvPr id="14" name="TextBox 13">
+            <a:extLst>
+              <a:ext uri="{FF2B5EF4-FFF2-40B4-BE49-F238E27FC236}">
+                <a16:creationId xmlns:a16="http://schemas.microsoft.com/office/drawing/2014/main" id="{DABD0E6A-75BE-8AD8-2338-E989235CF8D3}"/>
+              </a:ext>
+            </a:extLst>
+          </p:cNvPr>
+          <p:cNvSpPr txBox="1"/>
+          <p:nvPr/>
+        </p:nvSpPr>
+        <p:spPr>
+          <a:xfrm>
+            <a:off x="6872834" y="1892763"/>
+            <a:ext cx="2192274" cy="1754326"/>
+          </a:xfrm>
+          <a:prstGeom prst="rect">
+            <a:avLst/>
+          </a:prstGeom>
+          <a:noFill/>
+        </p:spPr>
+        <p:txBody>
+          <a:bodyPr wrap="square">
+            <a:spAutoFit/>
+          </a:bodyPr>
+          <a:lstStyle/>
+          <a:p>
+            <a:r>
+              <a:rPr lang="en-US" sz="1800" dirty="0"/>
+              <a:t>Correlation matrix: </a:t>
+            </a:r>
+          </a:p>
+          <a:p>
+            <a:r>
+              <a:rPr lang="en-US" sz="1800" dirty="0"/>
+              <a:t>Interpretation: </a:t>
+            </a:r>
+            <a:r>
+              <a:rPr lang="en-US" sz="1800" dirty="0" err="1"/>
+              <a:t>Petal.Length</a:t>
+            </a:r>
+            <a:r>
+              <a:rPr lang="en-US" sz="1800" dirty="0"/>
+              <a:t> and </a:t>
+            </a:r>
+            <a:r>
+              <a:rPr lang="en-US" sz="1800" dirty="0" err="1"/>
+              <a:t>Petal.Width</a:t>
+            </a:r>
+            <a:r>
+              <a:rPr lang="en-US" sz="1800" dirty="0"/>
+              <a:t> are strongly correlated</a:t>
+            </a:r>
+          </a:p>
+          <a:p>
+            <a:r>
+              <a:rPr lang="en-US" sz="1800" dirty="0"/>
+              <a:t> (r ≈ 0.96).</a:t>
+            </a:r>
+          </a:p>
+        </p:txBody>
+      </p:sp>
+      <p:sp>
+        <p:nvSpPr>
+          <p:cNvPr id="15" name="TextBox 14">
+            <a:extLst>
+              <a:ext uri="{FF2B5EF4-FFF2-40B4-BE49-F238E27FC236}">
+                <a16:creationId xmlns:a16="http://schemas.microsoft.com/office/drawing/2014/main" id="{A378C029-21AB-2135-66EC-D2CF9C7E733E}"/>
+              </a:ext>
+            </a:extLst>
+          </p:cNvPr>
+          <p:cNvSpPr txBox="1"/>
+          <p:nvPr/>
+        </p:nvSpPr>
+        <p:spPr>
+          <a:xfrm>
+            <a:off x="818388" y="5403027"/>
+            <a:ext cx="3598164" cy="523220"/>
+          </a:xfrm>
+          <a:prstGeom prst="rect">
+            <a:avLst/>
+          </a:prstGeom>
+          <a:noFill/>
+        </p:spPr>
+        <p:txBody>
+          <a:bodyPr wrap="square">
+            <a:spAutoFit/>
+          </a:bodyPr>
+          <a:lstStyle/>
+          <a:p>
+            <a:r>
+              <a:rPr lang="en-US" sz="2800" dirty="0"/>
+              <a:t>Correlation heatmap:</a:t>
+            </a:r>
+            <a:endParaRPr lang="fr-FR" sz="2800" dirty="0"/>
+          </a:p>
+        </p:txBody>
+      </p:sp>
+    </p:spTree>
+    <p:extLst>
+      <p:ext uri="{BB962C8B-B14F-4D97-AF65-F5344CB8AC3E}">
+        <p14:creationId xmlns:p14="http://schemas.microsoft.com/office/powerpoint/2010/main" val="2580665648"/>
+      </p:ext>
+    </p:extLst>
+  </p:cSld>
+  <p:clrMapOvr>
+    <a:masterClrMapping/>
+  </p:clrMapOvr>
+</p:sld>
+</file>
+
+<file path=ppt/slides/slide12.xml><?xml version="1.0" encoding="utf-8"?>
+<p:sld xmlns:a="http://schemas.openxmlformats.org/drawingml/2006/main" xmlns:r="http://schemas.openxmlformats.org/officeDocument/2006/relationships" xmlns:p="http://schemas.openxmlformats.org/presentationml/2006/main">
+  <p:cSld>
+    <p:spTree>
+      <p:nvGrpSpPr>
+        <p:cNvPr id="1" name="">
+          <a:extLst>
+            <a:ext uri="{FF2B5EF4-FFF2-40B4-BE49-F238E27FC236}">
+              <a16:creationId xmlns:a16="http://schemas.microsoft.com/office/drawing/2014/main" id="{D0F38A9B-5FD1-387D-3BB7-6C4E21D0FB32}"/>
+            </a:ext>
+          </a:extLst>
+        </p:cNvPr>
+        <p:cNvGrpSpPr/>
+        <p:nvPr/>
+      </p:nvGrpSpPr>
+      <p:grpSpPr>
+        <a:xfrm>
+          <a:off x="0" y="0"/>
+          <a:ext cx="0" cy="0"/>
+          <a:chOff x="0" y="0"/>
+          <a:chExt cx="0" cy="0"/>
+        </a:xfrm>
+      </p:grpSpPr>
+      <p:sp>
+        <p:nvSpPr>
+          <p:cNvPr id="2" name="TextBox 1">
+            <a:extLst>
+              <a:ext uri="{FF2B5EF4-FFF2-40B4-BE49-F238E27FC236}">
+                <a16:creationId xmlns:a16="http://schemas.microsoft.com/office/drawing/2014/main" id="{069FDB1C-2DB9-D707-375B-E42090D62724}"/>
+              </a:ext>
+            </a:extLst>
+          </p:cNvPr>
+          <p:cNvSpPr txBox="1"/>
+          <p:nvPr/>
+        </p:nvSpPr>
+        <p:spPr>
+          <a:xfrm>
+            <a:off x="0" y="6484966"/>
+            <a:ext cx="2667762" cy="230832"/>
+          </a:xfrm>
+          <a:prstGeom prst="rect">
+            <a:avLst/>
+          </a:prstGeom>
+          <a:noFill/>
+        </p:spPr>
+        <p:txBody>
+          <a:bodyPr wrap="square" rtlCol="0">
+            <a:spAutoFit/>
+          </a:bodyPr>
+          <a:lstStyle/>
+          <a:p>
+            <a:r>
+              <a:rPr lang="en-US" sz="900" dirty="0">
+                <a:solidFill>
+                  <a:schemeClr val="bg1">
+                    <a:lumMod val="65000"/>
+                  </a:schemeClr>
+                </a:solidFill>
+              </a:rPr>
+              <a:t>Presented by: Redha &amp; Rooney</a:t>
+            </a:r>
+            <a:endParaRPr lang="fr-FR" sz="900" dirty="0">
+              <a:solidFill>
+                <a:schemeClr val="bg1">
+                  <a:lumMod val="65000"/>
+                </a:schemeClr>
+              </a:solidFill>
+            </a:endParaRPr>
+          </a:p>
+        </p:txBody>
+      </p:sp>
+      <p:sp>
+        <p:nvSpPr>
+          <p:cNvPr id="6" name="Content Placeholder 2">
+            <a:extLst>
+              <a:ext uri="{FF2B5EF4-FFF2-40B4-BE49-F238E27FC236}">
+                <a16:creationId xmlns:a16="http://schemas.microsoft.com/office/drawing/2014/main" id="{51FDD156-9B02-6F05-A7D5-CC3F46B2356F}"/>
+              </a:ext>
+            </a:extLst>
+          </p:cNvPr>
+          <p:cNvSpPr txBox="1">
+            <a:spLocks/>
+          </p:cNvSpPr>
+          <p:nvPr/>
+        </p:nvSpPr>
+        <p:spPr>
+          <a:xfrm>
+            <a:off x="448979" y="2221993"/>
+            <a:ext cx="8229600" cy="3145536"/>
+          </a:xfrm>
+          <a:prstGeom prst="rect">
+            <a:avLst/>
+          </a:prstGeom>
+        </p:spPr>
+        <p:txBody>
+          <a:bodyPr vert="horz" lIns="91440" tIns="45720" rIns="91440" bIns="45720" rtlCol="0">
+            <a:normAutofit/>
+          </a:bodyPr>
+          <a:lstStyle>
+            <a:lvl1pPr marL="0" indent="0" algn="ctr" defTabSz="457200" rtl="0" eaLnBrk="1" latinLnBrk="0" hangingPunct="1">
+              <a:spcBef>
+                <a:spcPct val="20000"/>
+              </a:spcBef>
+              <a:buFont typeface="Arial"/>
+              <a:buNone/>
+              <a:defRPr sz="3200" kern="1200">
+                <a:solidFill>
+                  <a:schemeClr val="tx1">
+                    <a:tint val="75000"/>
+                  </a:schemeClr>
+                </a:solidFill>
+                <a:latin typeface="+mn-lt"/>
+                <a:ea typeface="+mn-ea"/>
+                <a:cs typeface="+mn-cs"/>
+              </a:defRPr>
+            </a:lvl1pPr>
+            <a:lvl2pPr marL="457200" indent="0" algn="ctr" defTabSz="457200" rtl="0" eaLnBrk="1" latinLnBrk="0" hangingPunct="1">
+              <a:spcBef>
+                <a:spcPct val="20000"/>
+              </a:spcBef>
+              <a:buFont typeface="Arial"/>
+              <a:buNone/>
+              <a:defRPr sz="2800" kern="1200">
+                <a:solidFill>
+                  <a:schemeClr val="tx1">
+                    <a:tint val="75000"/>
+                  </a:schemeClr>
+                </a:solidFill>
+                <a:latin typeface="+mn-lt"/>
+                <a:ea typeface="+mn-ea"/>
+                <a:cs typeface="+mn-cs"/>
+              </a:defRPr>
+            </a:lvl2pPr>
+            <a:lvl3pPr marL="914400" indent="0" algn="ctr" defTabSz="457200" rtl="0" eaLnBrk="1" latinLnBrk="0" hangingPunct="1">
+              <a:spcBef>
+                <a:spcPct val="20000"/>
+              </a:spcBef>
+              <a:buFont typeface="Arial"/>
+              <a:buNone/>
+              <a:defRPr sz="2400" kern="1200">
+                <a:solidFill>
+                  <a:schemeClr val="tx1">
+                    <a:tint val="75000"/>
+                  </a:schemeClr>
+                </a:solidFill>
+                <a:latin typeface="+mn-lt"/>
+                <a:ea typeface="+mn-ea"/>
+                <a:cs typeface="+mn-cs"/>
+              </a:defRPr>
+            </a:lvl3pPr>
+            <a:lvl4pPr marL="1371600" indent="0" algn="ctr" defTabSz="457200" rtl="0" eaLnBrk="1" latinLnBrk="0" hangingPunct="1">
+              <a:spcBef>
+                <a:spcPct val="20000"/>
+              </a:spcBef>
+              <a:buFont typeface="Arial"/>
+              <a:buNone/>
+              <a:defRPr sz="2000" kern="1200">
+                <a:solidFill>
+                  <a:schemeClr val="tx1">
+                    <a:tint val="75000"/>
+                  </a:schemeClr>
+                </a:solidFill>
+                <a:latin typeface="+mn-lt"/>
+                <a:ea typeface="+mn-ea"/>
+                <a:cs typeface="+mn-cs"/>
+              </a:defRPr>
+            </a:lvl4pPr>
+            <a:lvl5pPr marL="1828800" indent="0" algn="ctr" defTabSz="457200" rtl="0" eaLnBrk="1" latinLnBrk="0" hangingPunct="1">
+              <a:spcBef>
+                <a:spcPct val="20000"/>
+              </a:spcBef>
+              <a:buFont typeface="Arial"/>
+              <a:buNone/>
+              <a:defRPr sz="2000" kern="1200">
+                <a:solidFill>
+                  <a:schemeClr val="tx1">
+                    <a:tint val="75000"/>
+                  </a:schemeClr>
+                </a:solidFill>
+                <a:latin typeface="+mn-lt"/>
+                <a:ea typeface="+mn-ea"/>
+                <a:cs typeface="+mn-cs"/>
+              </a:defRPr>
+            </a:lvl5pPr>
+            <a:lvl6pPr marL="2286000" indent="0" algn="ctr" defTabSz="457200" rtl="0" eaLnBrk="1" latinLnBrk="0" hangingPunct="1">
+              <a:spcBef>
+                <a:spcPct val="20000"/>
+              </a:spcBef>
+              <a:buFont typeface="Arial"/>
+              <a:buNone/>
+              <a:defRPr sz="2000" kern="1200">
+                <a:solidFill>
+                  <a:schemeClr val="tx1">
+                    <a:tint val="75000"/>
+                  </a:schemeClr>
+                </a:solidFill>
+                <a:latin typeface="+mn-lt"/>
+                <a:ea typeface="+mn-ea"/>
+                <a:cs typeface="+mn-cs"/>
+              </a:defRPr>
+            </a:lvl6pPr>
+            <a:lvl7pPr marL="2743200" indent="0" algn="ctr" defTabSz="457200" rtl="0" eaLnBrk="1" latinLnBrk="0" hangingPunct="1">
+              <a:spcBef>
+                <a:spcPct val="20000"/>
+              </a:spcBef>
+              <a:buFont typeface="Arial"/>
+              <a:buNone/>
+              <a:defRPr sz="2000" kern="1200">
+                <a:solidFill>
+                  <a:schemeClr val="tx1">
+                    <a:tint val="75000"/>
+                  </a:schemeClr>
+                </a:solidFill>
+                <a:latin typeface="+mn-lt"/>
+                <a:ea typeface="+mn-ea"/>
+                <a:cs typeface="+mn-cs"/>
+              </a:defRPr>
+            </a:lvl7pPr>
+            <a:lvl8pPr marL="3200400" indent="0" algn="ctr" defTabSz="457200" rtl="0" eaLnBrk="1" latinLnBrk="0" hangingPunct="1">
+              <a:spcBef>
+                <a:spcPct val="20000"/>
+              </a:spcBef>
+              <a:buFont typeface="Arial"/>
+              <a:buNone/>
+              <a:defRPr sz="2000" kern="1200">
+                <a:solidFill>
+                  <a:schemeClr val="tx1">
+                    <a:tint val="75000"/>
+                  </a:schemeClr>
+                </a:solidFill>
+                <a:latin typeface="+mn-lt"/>
+                <a:ea typeface="+mn-ea"/>
+                <a:cs typeface="+mn-cs"/>
+              </a:defRPr>
+            </a:lvl8pPr>
+            <a:lvl9pPr marL="3657600" indent="0" algn="ctr" defTabSz="457200" rtl="0" eaLnBrk="1" latinLnBrk="0" hangingPunct="1">
+              <a:spcBef>
+                <a:spcPct val="20000"/>
+              </a:spcBef>
+              <a:buFont typeface="Arial"/>
+              <a:buNone/>
+              <a:defRPr sz="2000" kern="1200">
+                <a:solidFill>
+                  <a:schemeClr val="tx1">
+                    <a:tint val="75000"/>
+                  </a:schemeClr>
+                </a:solidFill>
+                <a:latin typeface="+mn-lt"/>
+                <a:ea typeface="+mn-ea"/>
+                <a:cs typeface="+mn-cs"/>
+              </a:defRPr>
+            </a:lvl9pPr>
+          </a:lstStyle>
+          <a:p>
+            <a:endParaRPr lang="fr-FR" dirty="0"/>
+          </a:p>
+        </p:txBody>
+      </p:sp>
+      <p:pic>
+        <p:nvPicPr>
+          <p:cNvPr id="3" name="Picture 2">
+            <a:extLst>
+              <a:ext uri="{FF2B5EF4-FFF2-40B4-BE49-F238E27FC236}">
+                <a16:creationId xmlns:a16="http://schemas.microsoft.com/office/drawing/2014/main" id="{848DA370-2283-08A4-5BFA-4D2C9B846E3F}"/>
+              </a:ext>
+            </a:extLst>
+          </p:cNvPr>
+          <p:cNvPicPr>
+            <a:picLocks noChangeAspect="1"/>
+          </p:cNvPicPr>
+          <p:nvPr/>
+        </p:nvPicPr>
+        <p:blipFill>
+          <a:blip r:embed="rId2">
+            <a:extLst>
+              <a:ext uri="{BEBA8EAE-BF5A-486C-A8C5-ECC9F3942E4B}">
+                <a14:imgProps xmlns:a14="http://schemas.microsoft.com/office/drawing/2010/main">
+                  <a14:imgLayer r:embed="rId3">
+                    <a14:imgEffect>
+                      <a14:saturation sat="0"/>
+                    </a14:imgEffect>
+                  </a14:imgLayer>
+                </a14:imgProps>
+              </a:ext>
+            </a:extLst>
+          </a:blip>
+          <a:srcRect l="65947" r="3227" b="69068"/>
+          <a:stretch/>
+        </p:blipFill>
+        <p:spPr>
+          <a:xfrm>
+            <a:off x="7334411" y="23503"/>
+            <a:ext cx="1730697" cy="543598"/>
+          </a:xfrm>
+          <a:prstGeom prst="rect">
+            <a:avLst/>
+          </a:prstGeom>
+        </p:spPr>
+      </p:pic>
+      <p:pic>
+        <p:nvPicPr>
+          <p:cNvPr id="9" name="Picture 8">
+            <a:extLst>
+              <a:ext uri="{FF2B5EF4-FFF2-40B4-BE49-F238E27FC236}">
+                <a16:creationId xmlns:a16="http://schemas.microsoft.com/office/drawing/2014/main" id="{EB7E5FAD-1259-4DAC-CA1C-6FD02E699D22}"/>
+              </a:ext>
+            </a:extLst>
+          </p:cNvPr>
+          <p:cNvPicPr>
+            <a:picLocks noChangeAspect="1"/>
+          </p:cNvPicPr>
+          <p:nvPr/>
+        </p:nvPicPr>
+        <p:blipFill>
+          <a:blip r:embed="rId4">
+            <a:extLst>
+              <a:ext uri="{BEBA8EAE-BF5A-486C-A8C5-ECC9F3942E4B}">
+                <a14:imgProps xmlns:a14="http://schemas.microsoft.com/office/drawing/2010/main">
+                  <a14:imgLayer r:embed="rId5">
+                    <a14:imgEffect>
+                      <a14:saturation sat="0"/>
+                    </a14:imgEffect>
+                  </a14:imgLayer>
+                </a14:imgProps>
+              </a:ext>
+            </a:extLst>
+          </a:blip>
+          <a:srcRect r="42279"/>
+          <a:stretch/>
+        </p:blipFill>
+        <p:spPr>
+          <a:xfrm>
+            <a:off x="0" y="-4677"/>
+            <a:ext cx="1399032" cy="718345"/>
+          </a:xfrm>
+          <a:prstGeom prst="rect">
+            <a:avLst/>
+          </a:prstGeom>
+        </p:spPr>
+      </p:pic>
+      <p:sp>
+        <p:nvSpPr>
+          <p:cNvPr id="10" name="TextBox 9">
+            <a:extLst>
+              <a:ext uri="{FF2B5EF4-FFF2-40B4-BE49-F238E27FC236}">
+                <a16:creationId xmlns:a16="http://schemas.microsoft.com/office/drawing/2014/main" id="{7B6C6C7E-3298-7161-DDF2-F8CE0FDE6295}"/>
+              </a:ext>
+            </a:extLst>
+          </p:cNvPr>
+          <p:cNvSpPr txBox="1"/>
+          <p:nvPr/>
+        </p:nvSpPr>
+        <p:spPr>
+          <a:xfrm>
+            <a:off x="8378594" y="6484966"/>
+            <a:ext cx="777770" cy="230832"/>
+          </a:xfrm>
+          <a:prstGeom prst="rect">
+            <a:avLst/>
+          </a:prstGeom>
+          <a:noFill/>
+        </p:spPr>
+        <p:txBody>
+          <a:bodyPr wrap="square" rtlCol="0">
+            <a:spAutoFit/>
+          </a:bodyPr>
+          <a:lstStyle/>
+          <a:p>
+            <a:r>
+              <a:rPr lang="en-US" sz="900" dirty="0">
+                <a:solidFill>
+                  <a:schemeClr val="bg1">
+                    <a:lumMod val="65000"/>
+                  </a:schemeClr>
+                </a:solidFill>
+              </a:rPr>
+              <a:t>10/06/2025</a:t>
+            </a:r>
+            <a:endParaRPr lang="fr-FR" sz="900" dirty="0">
+              <a:solidFill>
+                <a:schemeClr val="bg1">
+                  <a:lumMod val="65000"/>
+                </a:schemeClr>
+              </a:solidFill>
+            </a:endParaRPr>
+          </a:p>
+        </p:txBody>
+      </p:sp>
+      <p:sp>
+        <p:nvSpPr>
+          <p:cNvPr id="7" name="TextBox 6">
+            <a:extLst>
+              <a:ext uri="{FF2B5EF4-FFF2-40B4-BE49-F238E27FC236}">
+                <a16:creationId xmlns:a16="http://schemas.microsoft.com/office/drawing/2014/main" id="{F9D39575-5D10-A99B-31F6-55867903DED6}"/>
+              </a:ext>
+            </a:extLst>
+          </p:cNvPr>
+          <p:cNvSpPr txBox="1"/>
+          <p:nvPr/>
+        </p:nvSpPr>
+        <p:spPr>
+          <a:xfrm>
+            <a:off x="2498598" y="6354921"/>
+            <a:ext cx="4576572" cy="369332"/>
+          </a:xfrm>
+          <a:prstGeom prst="rect">
+            <a:avLst/>
+          </a:prstGeom>
+          <a:noFill/>
+        </p:spPr>
+        <p:txBody>
+          <a:bodyPr wrap="square">
+            <a:spAutoFit/>
+          </a:bodyPr>
+          <a:lstStyle/>
+          <a:p>
+            <a:r>
+              <a:rPr lang="en-US" b="1" dirty="0"/>
+              <a:t>a. Histograms (All Variables, by Species)</a:t>
+            </a:r>
+          </a:p>
+        </p:txBody>
+      </p:sp>
+      <p:sp>
+        <p:nvSpPr>
+          <p:cNvPr id="8" name="Title 1">
+            <a:extLst>
+              <a:ext uri="{FF2B5EF4-FFF2-40B4-BE49-F238E27FC236}">
+                <a16:creationId xmlns:a16="http://schemas.microsoft.com/office/drawing/2014/main" id="{BC38C1F6-66FB-5769-E739-4B4D0419D9BB}"/>
+              </a:ext>
+            </a:extLst>
+          </p:cNvPr>
+          <p:cNvSpPr txBox="1">
+            <a:spLocks/>
+          </p:cNvSpPr>
+          <p:nvPr/>
+        </p:nvSpPr>
+        <p:spPr>
+          <a:xfrm>
+            <a:off x="301752" y="-246669"/>
+            <a:ext cx="8229600" cy="1143000"/>
+          </a:xfrm>
+          <a:prstGeom prst="rect">
+            <a:avLst/>
+          </a:prstGeom>
+        </p:spPr>
+        <p:txBody>
+          <a:bodyPr vert="horz" lIns="91440" tIns="45720" rIns="91440" bIns="45720" rtlCol="0" anchor="ctr">
+            <a:normAutofit/>
+          </a:bodyPr>
+          <a:lstStyle>
+            <a:lvl1pPr algn="ctr" defTabSz="457200" rtl="0" eaLnBrk="1" latinLnBrk="0" hangingPunct="1">
+              <a:spcBef>
+                <a:spcPct val="0"/>
+              </a:spcBef>
+              <a:buNone/>
+              <a:defRPr sz="4400" kern="1200">
+                <a:solidFill>
+                  <a:schemeClr val="tx1"/>
+                </a:solidFill>
+                <a:latin typeface="+mj-lt"/>
+                <a:ea typeface="+mj-ea"/>
+                <a:cs typeface="+mj-cs"/>
+              </a:defRPr>
+            </a:lvl1pPr>
+          </a:lstStyle>
+          <a:p>
+            <a:pPr>
+              <a:lnSpc>
+                <a:spcPct val="150000"/>
+              </a:lnSpc>
+            </a:pPr>
+            <a:r>
+              <a:rPr lang="fr-FR" sz="3600" dirty="0"/>
+              <a:t>5. </a:t>
+            </a:r>
+            <a:r>
+              <a:rPr lang="fr-FR" sz="3600" dirty="0" err="1"/>
+              <a:t>Correlation</a:t>
+            </a:r>
+            <a:r>
+              <a:rPr lang="fr-FR" sz="3600" dirty="0"/>
+              <a:t> &amp; </a:t>
+            </a:r>
+            <a:r>
+              <a:rPr lang="fr-FR" sz="3600" b="1" dirty="0" err="1"/>
+              <a:t>Visualization</a:t>
+            </a:r>
+            <a:endParaRPr lang="fr-FR" sz="3600" b="1" dirty="0"/>
+          </a:p>
+        </p:txBody>
+      </p:sp>
+      <p:pic>
+        <p:nvPicPr>
+          <p:cNvPr id="13" name="Picture 12">
+            <a:extLst>
+              <a:ext uri="{FF2B5EF4-FFF2-40B4-BE49-F238E27FC236}">
+                <a16:creationId xmlns:a16="http://schemas.microsoft.com/office/drawing/2014/main" id="{E0E54511-C02E-FB38-A0F6-9D7770910D58}"/>
+              </a:ext>
+            </a:extLst>
+          </p:cNvPr>
+          <p:cNvPicPr>
+            <a:picLocks noChangeAspect="1"/>
+          </p:cNvPicPr>
+          <p:nvPr/>
+        </p:nvPicPr>
+        <p:blipFill>
+          <a:blip r:embed="rId6"/>
+          <a:stretch>
+            <a:fillRect/>
+          </a:stretch>
+        </p:blipFill>
+        <p:spPr>
+          <a:xfrm>
+            <a:off x="563338" y="713668"/>
+            <a:ext cx="8237246" cy="5588635"/>
+          </a:xfrm>
+          <a:prstGeom prst="rect">
+            <a:avLst/>
+          </a:prstGeom>
+        </p:spPr>
+      </p:pic>
+    </p:spTree>
+    <p:extLst>
+      <p:ext uri="{BB962C8B-B14F-4D97-AF65-F5344CB8AC3E}">
+        <p14:creationId xmlns:p14="http://schemas.microsoft.com/office/powerpoint/2010/main" val="1966753684"/>
+      </p:ext>
+    </p:extLst>
+  </p:cSld>
+  <p:clrMapOvr>
+    <a:masterClrMapping/>
+  </p:clrMapOvr>
+</p:sld>
+</file>
+
+<file path=ppt/slides/slide13.xml><?xml version="1.0" encoding="utf-8"?>
 <p:sld xmlns:a="http://schemas.openxmlformats.org/drawingml/2006/main" xmlns:r="http://schemas.openxmlformats.org/officeDocument/2006/relationships" xmlns:p="http://schemas.openxmlformats.org/presentationml/2006/main">
   <p:cSld>
     <p:spTree>
@@ -3743,75 +5943,6 @@
           </a:p>
         </p:txBody>
       </p:sp>
-      <p:sp>
-        <p:nvSpPr>
-          <p:cNvPr id="8" name="Title 1">
-            <a:extLst>
-              <a:ext uri="{FF2B5EF4-FFF2-40B4-BE49-F238E27FC236}">
-                <a16:creationId xmlns:a16="http://schemas.microsoft.com/office/drawing/2014/main" id="{8B3D4BCC-9E69-8214-FF70-816EB3DDA09E}"/>
-              </a:ext>
-            </a:extLst>
-          </p:cNvPr>
-          <p:cNvSpPr txBox="1">
-            <a:spLocks/>
-          </p:cNvSpPr>
-          <p:nvPr/>
-        </p:nvSpPr>
-        <p:spPr>
-          <a:xfrm>
-            <a:off x="301752" y="-246669"/>
-            <a:ext cx="8229600" cy="1143000"/>
-          </a:xfrm>
-          <a:prstGeom prst="rect">
-            <a:avLst/>
-          </a:prstGeom>
-        </p:spPr>
-        <p:txBody>
-          <a:bodyPr vert="horz" lIns="91440" tIns="45720" rIns="91440" bIns="45720" rtlCol="0" anchor="ctr">
-            <a:normAutofit/>
-          </a:bodyPr>
-          <a:lstStyle>
-            <a:lvl1pPr algn="ctr" defTabSz="457200" rtl="0" eaLnBrk="1" latinLnBrk="0" hangingPunct="1">
-              <a:spcBef>
-                <a:spcPct val="0"/>
-              </a:spcBef>
-              <a:buNone/>
-              <a:defRPr sz="4400" kern="1200">
-                <a:solidFill>
-                  <a:schemeClr val="tx1"/>
-                </a:solidFill>
-                <a:latin typeface="+mj-lt"/>
-                <a:ea typeface="+mj-ea"/>
-                <a:cs typeface="+mj-cs"/>
-              </a:defRPr>
-            </a:lvl1pPr>
-          </a:lstStyle>
-          <a:p>
-            <a:pPr>
-              <a:lnSpc>
-                <a:spcPct val="150000"/>
-              </a:lnSpc>
-            </a:pPr>
-            <a:r>
-              <a:rPr lang="fr-FR" sz="3600" dirty="0"/>
-              <a:t>4. </a:t>
-            </a:r>
-            <a:r>
-              <a:rPr lang="fr-FR" sz="3600" b="1" dirty="0" err="1"/>
-              <a:t>Correlation</a:t>
-            </a:r>
-            <a:r>
-              <a:rPr lang="fr-FR" sz="3600" dirty="0"/>
-              <a:t> &amp; </a:t>
-            </a:r>
-            <a:r>
-              <a:rPr lang="fr-FR" sz="3600" dirty="0" err="1"/>
-              <a:t>Visualization</a:t>
-            </a:r>
-            <a:endParaRPr lang="fr-FR" sz="3600" dirty="0"/>
-          </a:p>
-        </p:txBody>
-      </p:sp>
       <p:pic>
         <p:nvPicPr>
           <p:cNvPr id="12" name="Picture 11">
@@ -3842,6 +5973,75 @@
           </a:prstGeom>
         </p:spPr>
       </p:pic>
+      <p:sp>
+        <p:nvSpPr>
+          <p:cNvPr id="13" name="Title 1">
+            <a:extLst>
+              <a:ext uri="{FF2B5EF4-FFF2-40B4-BE49-F238E27FC236}">
+                <a16:creationId xmlns:a16="http://schemas.microsoft.com/office/drawing/2014/main" id="{266A2CD9-A912-F944-54B9-DCCBBBB3E954}"/>
+              </a:ext>
+            </a:extLst>
+          </p:cNvPr>
+          <p:cNvSpPr txBox="1">
+            <a:spLocks/>
+          </p:cNvSpPr>
+          <p:nvPr/>
+        </p:nvSpPr>
+        <p:spPr>
+          <a:xfrm>
+            <a:off x="301752" y="-246669"/>
+            <a:ext cx="8229600" cy="1143000"/>
+          </a:xfrm>
+          <a:prstGeom prst="rect">
+            <a:avLst/>
+          </a:prstGeom>
+        </p:spPr>
+        <p:txBody>
+          <a:bodyPr vert="horz" lIns="91440" tIns="45720" rIns="91440" bIns="45720" rtlCol="0" anchor="ctr">
+            <a:normAutofit/>
+          </a:bodyPr>
+          <a:lstStyle>
+            <a:lvl1pPr algn="ctr" defTabSz="457200" rtl="0" eaLnBrk="1" latinLnBrk="0" hangingPunct="1">
+              <a:spcBef>
+                <a:spcPct val="0"/>
+              </a:spcBef>
+              <a:buNone/>
+              <a:defRPr sz="4400" kern="1200">
+                <a:solidFill>
+                  <a:schemeClr val="tx1"/>
+                </a:solidFill>
+                <a:latin typeface="+mj-lt"/>
+                <a:ea typeface="+mj-ea"/>
+                <a:cs typeface="+mj-cs"/>
+              </a:defRPr>
+            </a:lvl1pPr>
+          </a:lstStyle>
+          <a:p>
+            <a:pPr>
+              <a:lnSpc>
+                <a:spcPct val="150000"/>
+              </a:lnSpc>
+            </a:pPr>
+            <a:r>
+              <a:rPr lang="fr-FR" sz="3600" dirty="0"/>
+              <a:t>5. </a:t>
+            </a:r>
+            <a:r>
+              <a:rPr lang="fr-FR" sz="3600" dirty="0" err="1"/>
+              <a:t>Correlation</a:t>
+            </a:r>
+            <a:r>
+              <a:rPr lang="fr-FR" sz="3600" dirty="0"/>
+              <a:t> &amp; </a:t>
+            </a:r>
+            <a:r>
+              <a:rPr lang="fr-FR" sz="3600" b="1" dirty="0" err="1"/>
+              <a:t>Visualization</a:t>
+            </a:r>
+            <a:endParaRPr lang="fr-FR" sz="3600" b="1" dirty="0"/>
+          </a:p>
+        </p:txBody>
+      </p:sp>
     </p:spTree>
     <p:extLst>
       <p:ext uri="{BB962C8B-B14F-4D97-AF65-F5344CB8AC3E}">
@@ -3855,7 +6055,7 @@
 </p:sld>
 </file>
 
-<file path=ppt/slides/slide11.xml><?xml version="1.0" encoding="utf-8"?>
+<file path=ppt/slides/slide14.xml><?xml version="1.0" encoding="utf-8"?>
 <p:sld xmlns:a="http://schemas.openxmlformats.org/drawingml/2006/main" xmlns:r="http://schemas.openxmlformats.org/officeDocument/2006/relationships" xmlns:p="http://schemas.openxmlformats.org/presentationml/2006/main">
   <p:cSld>
     <p:spTree>
@@ -4299,75 +6499,6 @@
           </a:p>
         </p:txBody>
       </p:sp>
-      <p:sp>
-        <p:nvSpPr>
-          <p:cNvPr id="8" name="Title 1">
-            <a:extLst>
-              <a:ext uri="{FF2B5EF4-FFF2-40B4-BE49-F238E27FC236}">
-                <a16:creationId xmlns:a16="http://schemas.microsoft.com/office/drawing/2014/main" id="{BE5DCCA8-57FE-C9E9-0629-52E4C528DE78}"/>
-              </a:ext>
-            </a:extLst>
-          </p:cNvPr>
-          <p:cNvSpPr txBox="1">
-            <a:spLocks/>
-          </p:cNvSpPr>
-          <p:nvPr/>
-        </p:nvSpPr>
-        <p:spPr>
-          <a:xfrm>
-            <a:off x="301752" y="-246669"/>
-            <a:ext cx="8229600" cy="1143000"/>
-          </a:xfrm>
-          <a:prstGeom prst="rect">
-            <a:avLst/>
-          </a:prstGeom>
-        </p:spPr>
-        <p:txBody>
-          <a:bodyPr vert="horz" lIns="91440" tIns="45720" rIns="91440" bIns="45720" rtlCol="0" anchor="ctr">
-            <a:normAutofit/>
-          </a:bodyPr>
-          <a:lstStyle>
-            <a:lvl1pPr algn="ctr" defTabSz="457200" rtl="0" eaLnBrk="1" latinLnBrk="0" hangingPunct="1">
-              <a:spcBef>
-                <a:spcPct val="0"/>
-              </a:spcBef>
-              <a:buNone/>
-              <a:defRPr sz="4400" kern="1200">
-                <a:solidFill>
-                  <a:schemeClr val="tx1"/>
-                </a:solidFill>
-                <a:latin typeface="+mj-lt"/>
-                <a:ea typeface="+mj-ea"/>
-                <a:cs typeface="+mj-cs"/>
-              </a:defRPr>
-            </a:lvl1pPr>
-          </a:lstStyle>
-          <a:p>
-            <a:pPr>
-              <a:lnSpc>
-                <a:spcPct val="150000"/>
-              </a:lnSpc>
-            </a:pPr>
-            <a:r>
-              <a:rPr lang="fr-FR" sz="3600" dirty="0"/>
-              <a:t>4. </a:t>
-            </a:r>
-            <a:r>
-              <a:rPr lang="fr-FR" sz="3600" b="1" dirty="0" err="1"/>
-              <a:t>Correlation</a:t>
-            </a:r>
-            <a:r>
-              <a:rPr lang="fr-FR" sz="3600" dirty="0"/>
-              <a:t> &amp; </a:t>
-            </a:r>
-            <a:r>
-              <a:rPr lang="fr-FR" sz="3600" dirty="0" err="1"/>
-              <a:t>Visualization</a:t>
-            </a:r>
-            <a:endParaRPr lang="fr-FR" sz="3600" dirty="0"/>
-          </a:p>
-        </p:txBody>
-      </p:sp>
       <p:pic>
         <p:nvPicPr>
           <p:cNvPr id="14" name="Picture 13">
@@ -4398,6 +6529,75 @@
           </a:prstGeom>
         </p:spPr>
       </p:pic>
+      <p:sp>
+        <p:nvSpPr>
+          <p:cNvPr id="15" name="Title 1">
+            <a:extLst>
+              <a:ext uri="{FF2B5EF4-FFF2-40B4-BE49-F238E27FC236}">
+                <a16:creationId xmlns:a16="http://schemas.microsoft.com/office/drawing/2014/main" id="{2186B6DE-FBE9-F25D-DBFC-C673B6A9DA41}"/>
+              </a:ext>
+            </a:extLst>
+          </p:cNvPr>
+          <p:cNvSpPr txBox="1">
+            <a:spLocks/>
+          </p:cNvSpPr>
+          <p:nvPr/>
+        </p:nvSpPr>
+        <p:spPr>
+          <a:xfrm>
+            <a:off x="301752" y="-246669"/>
+            <a:ext cx="8229600" cy="1143000"/>
+          </a:xfrm>
+          <a:prstGeom prst="rect">
+            <a:avLst/>
+          </a:prstGeom>
+        </p:spPr>
+        <p:txBody>
+          <a:bodyPr vert="horz" lIns="91440" tIns="45720" rIns="91440" bIns="45720" rtlCol="0" anchor="ctr">
+            <a:normAutofit/>
+          </a:bodyPr>
+          <a:lstStyle>
+            <a:lvl1pPr algn="ctr" defTabSz="457200" rtl="0" eaLnBrk="1" latinLnBrk="0" hangingPunct="1">
+              <a:spcBef>
+                <a:spcPct val="0"/>
+              </a:spcBef>
+              <a:buNone/>
+              <a:defRPr sz="4400" kern="1200">
+                <a:solidFill>
+                  <a:schemeClr val="tx1"/>
+                </a:solidFill>
+                <a:latin typeface="+mj-lt"/>
+                <a:ea typeface="+mj-ea"/>
+                <a:cs typeface="+mj-cs"/>
+              </a:defRPr>
+            </a:lvl1pPr>
+          </a:lstStyle>
+          <a:p>
+            <a:pPr>
+              <a:lnSpc>
+                <a:spcPct val="150000"/>
+              </a:lnSpc>
+            </a:pPr>
+            <a:r>
+              <a:rPr lang="fr-FR" sz="3600" dirty="0"/>
+              <a:t>5. </a:t>
+            </a:r>
+            <a:r>
+              <a:rPr lang="fr-FR" sz="3600" dirty="0" err="1"/>
+              <a:t>Correlation</a:t>
+            </a:r>
+            <a:r>
+              <a:rPr lang="fr-FR" sz="3600" dirty="0"/>
+              <a:t> &amp; </a:t>
+            </a:r>
+            <a:r>
+              <a:rPr lang="fr-FR" sz="3600" b="1" dirty="0" err="1"/>
+              <a:t>Visualization</a:t>
+            </a:r>
+            <a:endParaRPr lang="fr-FR" sz="3600" b="1" dirty="0"/>
+          </a:p>
+        </p:txBody>
+      </p:sp>
     </p:spTree>
     <p:extLst>
       <p:ext uri="{BB962C8B-B14F-4D97-AF65-F5344CB8AC3E}">
@@ -4411,7 +6611,7 @@
 </p:sld>
 </file>
 
-<file path=ppt/slides/slide12.xml><?xml version="1.0" encoding="utf-8"?>
+<file path=ppt/slides/slide15.xml><?xml version="1.0" encoding="utf-8"?>
 <p:sld xmlns:a="http://schemas.openxmlformats.org/drawingml/2006/main" xmlns:r="http://schemas.openxmlformats.org/officeDocument/2006/relationships" xmlns:p="http://schemas.openxmlformats.org/presentationml/2006/main">
   <p:cSld>
     <p:spTree>
@@ -4850,75 +7050,6 @@
           </a:p>
         </p:txBody>
       </p:sp>
-      <p:sp>
-        <p:nvSpPr>
-          <p:cNvPr id="8" name="Title 1">
-            <a:extLst>
-              <a:ext uri="{FF2B5EF4-FFF2-40B4-BE49-F238E27FC236}">
-                <a16:creationId xmlns:a16="http://schemas.microsoft.com/office/drawing/2014/main" id="{2EAF5866-757C-BE2B-7EB9-700C4200F165}"/>
-              </a:ext>
-            </a:extLst>
-          </p:cNvPr>
-          <p:cNvSpPr txBox="1">
-            <a:spLocks/>
-          </p:cNvSpPr>
-          <p:nvPr/>
-        </p:nvSpPr>
-        <p:spPr>
-          <a:xfrm>
-            <a:off x="301752" y="-246669"/>
-            <a:ext cx="8229600" cy="1143000"/>
-          </a:xfrm>
-          <a:prstGeom prst="rect">
-            <a:avLst/>
-          </a:prstGeom>
-        </p:spPr>
-        <p:txBody>
-          <a:bodyPr vert="horz" lIns="91440" tIns="45720" rIns="91440" bIns="45720" rtlCol="0" anchor="ctr">
-            <a:normAutofit/>
-          </a:bodyPr>
-          <a:lstStyle>
-            <a:lvl1pPr algn="ctr" defTabSz="457200" rtl="0" eaLnBrk="1" latinLnBrk="0" hangingPunct="1">
-              <a:spcBef>
-                <a:spcPct val="0"/>
-              </a:spcBef>
-              <a:buNone/>
-              <a:defRPr sz="4400" kern="1200">
-                <a:solidFill>
-                  <a:schemeClr val="tx1"/>
-                </a:solidFill>
-                <a:latin typeface="+mj-lt"/>
-                <a:ea typeface="+mj-ea"/>
-                <a:cs typeface="+mj-cs"/>
-              </a:defRPr>
-            </a:lvl1pPr>
-          </a:lstStyle>
-          <a:p>
-            <a:pPr>
-              <a:lnSpc>
-                <a:spcPct val="150000"/>
-              </a:lnSpc>
-            </a:pPr>
-            <a:r>
-              <a:rPr lang="fr-FR" sz="3600" dirty="0"/>
-              <a:t>4. </a:t>
-            </a:r>
-            <a:r>
-              <a:rPr lang="fr-FR" sz="3600" b="1" dirty="0" err="1"/>
-              <a:t>Correlation</a:t>
-            </a:r>
-            <a:r>
-              <a:rPr lang="fr-FR" sz="3600" dirty="0"/>
-              <a:t> &amp; </a:t>
-            </a:r>
-            <a:r>
-              <a:rPr lang="fr-FR" sz="3600" dirty="0" err="1"/>
-              <a:t>Visualization</a:t>
-            </a:r>
-            <a:endParaRPr lang="fr-FR" sz="3600" dirty="0"/>
-          </a:p>
-        </p:txBody>
-      </p:sp>
       <p:pic>
         <p:nvPicPr>
           <p:cNvPr id="12" name="Picture 11">
@@ -4949,6 +7080,75 @@
           </a:prstGeom>
         </p:spPr>
       </p:pic>
+      <p:sp>
+        <p:nvSpPr>
+          <p:cNvPr id="13" name="Title 1">
+            <a:extLst>
+              <a:ext uri="{FF2B5EF4-FFF2-40B4-BE49-F238E27FC236}">
+                <a16:creationId xmlns:a16="http://schemas.microsoft.com/office/drawing/2014/main" id="{7A7BA6B5-B919-BA3B-F8F1-6FC646AA89A2}"/>
+              </a:ext>
+            </a:extLst>
+          </p:cNvPr>
+          <p:cNvSpPr txBox="1">
+            <a:spLocks/>
+          </p:cNvSpPr>
+          <p:nvPr/>
+        </p:nvSpPr>
+        <p:spPr>
+          <a:xfrm>
+            <a:off x="301752" y="-246669"/>
+            <a:ext cx="8229600" cy="1143000"/>
+          </a:xfrm>
+          <a:prstGeom prst="rect">
+            <a:avLst/>
+          </a:prstGeom>
+        </p:spPr>
+        <p:txBody>
+          <a:bodyPr vert="horz" lIns="91440" tIns="45720" rIns="91440" bIns="45720" rtlCol="0" anchor="ctr">
+            <a:normAutofit/>
+          </a:bodyPr>
+          <a:lstStyle>
+            <a:lvl1pPr algn="ctr" defTabSz="457200" rtl="0" eaLnBrk="1" latinLnBrk="0" hangingPunct="1">
+              <a:spcBef>
+                <a:spcPct val="0"/>
+              </a:spcBef>
+              <a:buNone/>
+              <a:defRPr sz="4400" kern="1200">
+                <a:solidFill>
+                  <a:schemeClr val="tx1"/>
+                </a:solidFill>
+                <a:latin typeface="+mj-lt"/>
+                <a:ea typeface="+mj-ea"/>
+                <a:cs typeface="+mj-cs"/>
+              </a:defRPr>
+            </a:lvl1pPr>
+          </a:lstStyle>
+          <a:p>
+            <a:pPr>
+              <a:lnSpc>
+                <a:spcPct val="150000"/>
+              </a:lnSpc>
+            </a:pPr>
+            <a:r>
+              <a:rPr lang="fr-FR" sz="3600" dirty="0"/>
+              <a:t>5. </a:t>
+            </a:r>
+            <a:r>
+              <a:rPr lang="fr-FR" sz="3600" dirty="0" err="1"/>
+              <a:t>Correlation</a:t>
+            </a:r>
+            <a:r>
+              <a:rPr lang="fr-FR" sz="3600" dirty="0"/>
+              <a:t> &amp; </a:t>
+            </a:r>
+            <a:r>
+              <a:rPr lang="fr-FR" sz="3600" b="1" dirty="0" err="1"/>
+              <a:t>Visualization</a:t>
+            </a:r>
+            <a:endParaRPr lang="fr-FR" sz="3600" b="1" dirty="0"/>
+          </a:p>
+        </p:txBody>
+      </p:sp>
     </p:spTree>
     <p:extLst>
       <p:ext uri="{BB962C8B-B14F-4D97-AF65-F5344CB8AC3E}">
@@ -4962,541 +7162,7 @@
 </p:sld>
 </file>
 
-<file path=ppt/slides/slide13.xml><?xml version="1.0" encoding="utf-8"?>
-<p:sld xmlns:a="http://schemas.openxmlformats.org/drawingml/2006/main" xmlns:r="http://schemas.openxmlformats.org/officeDocument/2006/relationships" xmlns:p="http://schemas.openxmlformats.org/presentationml/2006/main">
-  <p:cSld>
-    <p:spTree>
-      <p:nvGrpSpPr>
-        <p:cNvPr id="1" name="">
-          <a:extLst>
-            <a:ext uri="{FF2B5EF4-FFF2-40B4-BE49-F238E27FC236}">
-              <a16:creationId xmlns:a16="http://schemas.microsoft.com/office/drawing/2014/main" id="{F994C77E-ABDF-19BB-1385-65881A94B98D}"/>
-            </a:ext>
-          </a:extLst>
-        </p:cNvPr>
-        <p:cNvGrpSpPr/>
-        <p:nvPr/>
-      </p:nvGrpSpPr>
-      <p:grpSpPr>
-        <a:xfrm>
-          <a:off x="0" y="0"/>
-          <a:ext cx="0" cy="0"/>
-          <a:chOff x="0" y="0"/>
-          <a:chExt cx="0" cy="0"/>
-        </a:xfrm>
-      </p:grpSpPr>
-      <p:sp>
-        <p:nvSpPr>
-          <p:cNvPr id="2" name="TextBox 1">
-            <a:extLst>
-              <a:ext uri="{FF2B5EF4-FFF2-40B4-BE49-F238E27FC236}">
-                <a16:creationId xmlns:a16="http://schemas.microsoft.com/office/drawing/2014/main" id="{8560E663-AD44-D055-460F-FBB67F9CF299}"/>
-              </a:ext>
-            </a:extLst>
-          </p:cNvPr>
-          <p:cNvSpPr txBox="1"/>
-          <p:nvPr/>
-        </p:nvSpPr>
-        <p:spPr>
-          <a:xfrm>
-            <a:off x="0" y="6484966"/>
-            <a:ext cx="2667762" cy="230832"/>
-          </a:xfrm>
-          <a:prstGeom prst="rect">
-            <a:avLst/>
-          </a:prstGeom>
-          <a:noFill/>
-        </p:spPr>
-        <p:txBody>
-          <a:bodyPr wrap="square" rtlCol="0">
-            <a:spAutoFit/>
-          </a:bodyPr>
-          <a:lstStyle/>
-          <a:p>
-            <a:r>
-              <a:rPr lang="en-US" sz="900" dirty="0">
-                <a:solidFill>
-                  <a:schemeClr val="bg1">
-                    <a:lumMod val="65000"/>
-                  </a:schemeClr>
-                </a:solidFill>
-              </a:rPr>
-              <a:t>Presented by: Redha &amp; Rooney</a:t>
-            </a:r>
-            <a:endParaRPr lang="fr-FR" sz="900" dirty="0">
-              <a:solidFill>
-                <a:schemeClr val="bg1">
-                  <a:lumMod val="65000"/>
-                </a:schemeClr>
-              </a:solidFill>
-            </a:endParaRPr>
-          </a:p>
-        </p:txBody>
-      </p:sp>
-      <p:sp>
-        <p:nvSpPr>
-          <p:cNvPr id="5" name="Title 1">
-            <a:extLst>
-              <a:ext uri="{FF2B5EF4-FFF2-40B4-BE49-F238E27FC236}">
-                <a16:creationId xmlns:a16="http://schemas.microsoft.com/office/drawing/2014/main" id="{E6AF4CD1-BA29-91C4-BF9F-8637BC988766}"/>
-              </a:ext>
-            </a:extLst>
-          </p:cNvPr>
-          <p:cNvSpPr txBox="1">
-            <a:spLocks/>
-          </p:cNvSpPr>
-          <p:nvPr/>
-        </p:nvSpPr>
-        <p:spPr>
-          <a:xfrm>
-            <a:off x="301752" y="1259605"/>
-            <a:ext cx="8229600" cy="1143000"/>
-          </a:xfrm>
-          <a:prstGeom prst="rect">
-            <a:avLst/>
-          </a:prstGeom>
-        </p:spPr>
-        <p:txBody>
-          <a:bodyPr vert="horz" lIns="91440" tIns="45720" rIns="91440" bIns="45720" rtlCol="0" anchor="ctr">
-            <a:normAutofit/>
-          </a:bodyPr>
-          <a:lstStyle>
-            <a:lvl1pPr algn="ctr" defTabSz="457200" rtl="0" eaLnBrk="1" latinLnBrk="0" hangingPunct="1">
-              <a:spcBef>
-                <a:spcPct val="0"/>
-              </a:spcBef>
-              <a:buNone/>
-              <a:defRPr sz="4400" kern="1200">
-                <a:solidFill>
-                  <a:schemeClr val="tx1"/>
-                </a:solidFill>
-                <a:latin typeface="+mj-lt"/>
-                <a:ea typeface="+mj-ea"/>
-                <a:cs typeface="+mj-cs"/>
-              </a:defRPr>
-            </a:lvl1pPr>
-          </a:lstStyle>
-          <a:p>
-            <a:r>
-              <a:rPr lang="fr-FR" b="1" dirty="0"/>
-              <a:t>6. </a:t>
-            </a:r>
-            <a:r>
-              <a:rPr lang="fr-FR" b="1" dirty="0" err="1"/>
-              <a:t>Outlier</a:t>
-            </a:r>
-            <a:r>
-              <a:rPr lang="fr-FR" b="1" dirty="0"/>
-              <a:t> </a:t>
-            </a:r>
-            <a:r>
-              <a:rPr lang="fr-FR" b="1" dirty="0" err="1"/>
-              <a:t>Detection</a:t>
-            </a:r>
-            <a:endParaRPr lang="fr-FR" b="1" dirty="0"/>
-          </a:p>
-          <a:p>
-            <a:endParaRPr lang="fr-FR" b="1" dirty="0"/>
-          </a:p>
-        </p:txBody>
-      </p:sp>
-      <p:sp>
-        <p:nvSpPr>
-          <p:cNvPr id="6" name="Content Placeholder 2">
-            <a:extLst>
-              <a:ext uri="{FF2B5EF4-FFF2-40B4-BE49-F238E27FC236}">
-                <a16:creationId xmlns:a16="http://schemas.microsoft.com/office/drawing/2014/main" id="{C0B12361-86A7-59D2-BF38-435AFC7D0090}"/>
-              </a:ext>
-            </a:extLst>
-          </p:cNvPr>
-          <p:cNvSpPr txBox="1">
-            <a:spLocks/>
-          </p:cNvSpPr>
-          <p:nvPr/>
-        </p:nvSpPr>
-        <p:spPr>
-          <a:xfrm>
-            <a:off x="448979" y="2221993"/>
-            <a:ext cx="8229600" cy="3145536"/>
-          </a:xfrm>
-          <a:prstGeom prst="rect">
-            <a:avLst/>
-          </a:prstGeom>
-        </p:spPr>
-        <p:txBody>
-          <a:bodyPr vert="horz" lIns="91440" tIns="45720" rIns="91440" bIns="45720" rtlCol="0">
-            <a:normAutofit/>
-          </a:bodyPr>
-          <a:lstStyle>
-            <a:lvl1pPr marL="0" indent="0" algn="ctr" defTabSz="457200" rtl="0" eaLnBrk="1" latinLnBrk="0" hangingPunct="1">
-              <a:spcBef>
-                <a:spcPct val="20000"/>
-              </a:spcBef>
-              <a:buFont typeface="Arial"/>
-              <a:buNone/>
-              <a:defRPr sz="3200" kern="1200">
-                <a:solidFill>
-                  <a:schemeClr val="tx1">
-                    <a:tint val="75000"/>
-                  </a:schemeClr>
-                </a:solidFill>
-                <a:latin typeface="+mn-lt"/>
-                <a:ea typeface="+mn-ea"/>
-                <a:cs typeface="+mn-cs"/>
-              </a:defRPr>
-            </a:lvl1pPr>
-            <a:lvl2pPr marL="457200" indent="0" algn="ctr" defTabSz="457200" rtl="0" eaLnBrk="1" latinLnBrk="0" hangingPunct="1">
-              <a:spcBef>
-                <a:spcPct val="20000"/>
-              </a:spcBef>
-              <a:buFont typeface="Arial"/>
-              <a:buNone/>
-              <a:defRPr sz="2800" kern="1200">
-                <a:solidFill>
-                  <a:schemeClr val="tx1">
-                    <a:tint val="75000"/>
-                  </a:schemeClr>
-                </a:solidFill>
-                <a:latin typeface="+mn-lt"/>
-                <a:ea typeface="+mn-ea"/>
-                <a:cs typeface="+mn-cs"/>
-              </a:defRPr>
-            </a:lvl2pPr>
-            <a:lvl3pPr marL="914400" indent="0" algn="ctr" defTabSz="457200" rtl="0" eaLnBrk="1" latinLnBrk="0" hangingPunct="1">
-              <a:spcBef>
-                <a:spcPct val="20000"/>
-              </a:spcBef>
-              <a:buFont typeface="Arial"/>
-              <a:buNone/>
-              <a:defRPr sz="2400" kern="1200">
-                <a:solidFill>
-                  <a:schemeClr val="tx1">
-                    <a:tint val="75000"/>
-                  </a:schemeClr>
-                </a:solidFill>
-                <a:latin typeface="+mn-lt"/>
-                <a:ea typeface="+mn-ea"/>
-                <a:cs typeface="+mn-cs"/>
-              </a:defRPr>
-            </a:lvl3pPr>
-            <a:lvl4pPr marL="1371600" indent="0" algn="ctr" defTabSz="457200" rtl="0" eaLnBrk="1" latinLnBrk="0" hangingPunct="1">
-              <a:spcBef>
-                <a:spcPct val="20000"/>
-              </a:spcBef>
-              <a:buFont typeface="Arial"/>
-              <a:buNone/>
-              <a:defRPr sz="2000" kern="1200">
-                <a:solidFill>
-                  <a:schemeClr val="tx1">
-                    <a:tint val="75000"/>
-                  </a:schemeClr>
-                </a:solidFill>
-                <a:latin typeface="+mn-lt"/>
-                <a:ea typeface="+mn-ea"/>
-                <a:cs typeface="+mn-cs"/>
-              </a:defRPr>
-            </a:lvl4pPr>
-            <a:lvl5pPr marL="1828800" indent="0" algn="ctr" defTabSz="457200" rtl="0" eaLnBrk="1" latinLnBrk="0" hangingPunct="1">
-              <a:spcBef>
-                <a:spcPct val="20000"/>
-              </a:spcBef>
-              <a:buFont typeface="Arial"/>
-              <a:buNone/>
-              <a:defRPr sz="2000" kern="1200">
-                <a:solidFill>
-                  <a:schemeClr val="tx1">
-                    <a:tint val="75000"/>
-                  </a:schemeClr>
-                </a:solidFill>
-                <a:latin typeface="+mn-lt"/>
-                <a:ea typeface="+mn-ea"/>
-                <a:cs typeface="+mn-cs"/>
-              </a:defRPr>
-            </a:lvl5pPr>
-            <a:lvl6pPr marL="2286000" indent="0" algn="ctr" defTabSz="457200" rtl="0" eaLnBrk="1" latinLnBrk="0" hangingPunct="1">
-              <a:spcBef>
-                <a:spcPct val="20000"/>
-              </a:spcBef>
-              <a:buFont typeface="Arial"/>
-              <a:buNone/>
-              <a:defRPr sz="2000" kern="1200">
-                <a:solidFill>
-                  <a:schemeClr val="tx1">
-                    <a:tint val="75000"/>
-                  </a:schemeClr>
-                </a:solidFill>
-                <a:latin typeface="+mn-lt"/>
-                <a:ea typeface="+mn-ea"/>
-                <a:cs typeface="+mn-cs"/>
-              </a:defRPr>
-            </a:lvl6pPr>
-            <a:lvl7pPr marL="2743200" indent="0" algn="ctr" defTabSz="457200" rtl="0" eaLnBrk="1" latinLnBrk="0" hangingPunct="1">
-              <a:spcBef>
-                <a:spcPct val="20000"/>
-              </a:spcBef>
-              <a:buFont typeface="Arial"/>
-              <a:buNone/>
-              <a:defRPr sz="2000" kern="1200">
-                <a:solidFill>
-                  <a:schemeClr val="tx1">
-                    <a:tint val="75000"/>
-                  </a:schemeClr>
-                </a:solidFill>
-                <a:latin typeface="+mn-lt"/>
-                <a:ea typeface="+mn-ea"/>
-                <a:cs typeface="+mn-cs"/>
-              </a:defRPr>
-            </a:lvl7pPr>
-            <a:lvl8pPr marL="3200400" indent="0" algn="ctr" defTabSz="457200" rtl="0" eaLnBrk="1" latinLnBrk="0" hangingPunct="1">
-              <a:spcBef>
-                <a:spcPct val="20000"/>
-              </a:spcBef>
-              <a:buFont typeface="Arial"/>
-              <a:buNone/>
-              <a:defRPr sz="2000" kern="1200">
-                <a:solidFill>
-                  <a:schemeClr val="tx1">
-                    <a:tint val="75000"/>
-                  </a:schemeClr>
-                </a:solidFill>
-                <a:latin typeface="+mn-lt"/>
-                <a:ea typeface="+mn-ea"/>
-                <a:cs typeface="+mn-cs"/>
-              </a:defRPr>
-            </a:lvl8pPr>
-            <a:lvl9pPr marL="3657600" indent="0" algn="ctr" defTabSz="457200" rtl="0" eaLnBrk="1" latinLnBrk="0" hangingPunct="1">
-              <a:spcBef>
-                <a:spcPct val="20000"/>
-              </a:spcBef>
-              <a:buFont typeface="Arial"/>
-              <a:buNone/>
-              <a:defRPr sz="2000" kern="1200">
-                <a:solidFill>
-                  <a:schemeClr val="tx1">
-                    <a:tint val="75000"/>
-                  </a:schemeClr>
-                </a:solidFill>
-                <a:latin typeface="+mn-lt"/>
-                <a:ea typeface="+mn-ea"/>
-                <a:cs typeface="+mn-cs"/>
-              </a:defRPr>
-            </a:lvl9pPr>
-          </a:lstStyle>
-          <a:p>
-            <a:endParaRPr lang="fr-FR" dirty="0"/>
-          </a:p>
-        </p:txBody>
-      </p:sp>
-      <p:pic>
-        <p:nvPicPr>
-          <p:cNvPr id="3" name="Picture 2">
-            <a:extLst>
-              <a:ext uri="{FF2B5EF4-FFF2-40B4-BE49-F238E27FC236}">
-                <a16:creationId xmlns:a16="http://schemas.microsoft.com/office/drawing/2014/main" id="{D240DAAA-8FCC-FE8A-BFB8-C13AA689D876}"/>
-              </a:ext>
-            </a:extLst>
-          </p:cNvPr>
-          <p:cNvPicPr>
-            <a:picLocks noChangeAspect="1"/>
-          </p:cNvPicPr>
-          <p:nvPr/>
-        </p:nvPicPr>
-        <p:blipFill>
-          <a:blip r:embed="rId2">
-            <a:extLst>
-              <a:ext uri="{BEBA8EAE-BF5A-486C-A8C5-ECC9F3942E4B}">
-                <a14:imgProps xmlns:a14="http://schemas.microsoft.com/office/drawing/2010/main">
-                  <a14:imgLayer r:embed="rId3">
-                    <a14:imgEffect>
-                      <a14:saturation sat="0"/>
-                    </a14:imgEffect>
-                  </a14:imgLayer>
-                </a14:imgProps>
-              </a:ext>
-            </a:extLst>
-          </a:blip>
-          <a:srcRect l="65947" r="3227" b="69068"/>
-          <a:stretch/>
-        </p:blipFill>
-        <p:spPr>
-          <a:xfrm>
-            <a:off x="7334411" y="23503"/>
-            <a:ext cx="1730697" cy="543598"/>
-          </a:xfrm>
-          <a:prstGeom prst="rect">
-            <a:avLst/>
-          </a:prstGeom>
-        </p:spPr>
-      </p:pic>
-      <p:pic>
-        <p:nvPicPr>
-          <p:cNvPr id="9" name="Picture 8">
-            <a:extLst>
-              <a:ext uri="{FF2B5EF4-FFF2-40B4-BE49-F238E27FC236}">
-                <a16:creationId xmlns:a16="http://schemas.microsoft.com/office/drawing/2014/main" id="{DBF02F2C-6511-4E5D-0E8F-660C11643DAE}"/>
-              </a:ext>
-            </a:extLst>
-          </p:cNvPr>
-          <p:cNvPicPr>
-            <a:picLocks noChangeAspect="1"/>
-          </p:cNvPicPr>
-          <p:nvPr/>
-        </p:nvPicPr>
-        <p:blipFill>
-          <a:blip r:embed="rId4">
-            <a:extLst>
-              <a:ext uri="{BEBA8EAE-BF5A-486C-A8C5-ECC9F3942E4B}">
-                <a14:imgProps xmlns:a14="http://schemas.microsoft.com/office/drawing/2010/main">
-                  <a14:imgLayer r:embed="rId5">
-                    <a14:imgEffect>
-                      <a14:saturation sat="0"/>
-                    </a14:imgEffect>
-                  </a14:imgLayer>
-                </a14:imgProps>
-              </a:ext>
-            </a:extLst>
-          </a:blip>
-          <a:srcRect r="42279"/>
-          <a:stretch/>
-        </p:blipFill>
-        <p:spPr>
-          <a:xfrm>
-            <a:off x="0" y="-4677"/>
-            <a:ext cx="1399032" cy="718345"/>
-          </a:xfrm>
-          <a:prstGeom prst="rect">
-            <a:avLst/>
-          </a:prstGeom>
-        </p:spPr>
-      </p:pic>
-      <p:sp>
-        <p:nvSpPr>
-          <p:cNvPr id="10" name="TextBox 9">
-            <a:extLst>
-              <a:ext uri="{FF2B5EF4-FFF2-40B4-BE49-F238E27FC236}">
-                <a16:creationId xmlns:a16="http://schemas.microsoft.com/office/drawing/2014/main" id="{F306A255-6A6E-D7EE-CBED-306D1B8C0E0E}"/>
-              </a:ext>
-            </a:extLst>
-          </p:cNvPr>
-          <p:cNvSpPr txBox="1"/>
-          <p:nvPr/>
-        </p:nvSpPr>
-        <p:spPr>
-          <a:xfrm>
-            <a:off x="8378594" y="6484966"/>
-            <a:ext cx="777770" cy="230832"/>
-          </a:xfrm>
-          <a:prstGeom prst="rect">
-            <a:avLst/>
-          </a:prstGeom>
-          <a:noFill/>
-        </p:spPr>
-        <p:txBody>
-          <a:bodyPr wrap="square" rtlCol="0">
-            <a:spAutoFit/>
-          </a:bodyPr>
-          <a:lstStyle/>
-          <a:p>
-            <a:r>
-              <a:rPr lang="en-US" sz="900" dirty="0">
-                <a:solidFill>
-                  <a:schemeClr val="bg1">
-                    <a:lumMod val="65000"/>
-                  </a:schemeClr>
-                </a:solidFill>
-              </a:rPr>
-              <a:t>10/06/2025</a:t>
-            </a:r>
-            <a:endParaRPr lang="fr-FR" sz="900" dirty="0">
-              <a:solidFill>
-                <a:schemeClr val="bg1">
-                  <a:lumMod val="65000"/>
-                </a:schemeClr>
-              </a:solidFill>
-            </a:endParaRPr>
-          </a:p>
-        </p:txBody>
-      </p:sp>
-      <p:sp>
-        <p:nvSpPr>
-          <p:cNvPr id="11" name="TextBox 10">
-            <a:extLst>
-              <a:ext uri="{FF2B5EF4-FFF2-40B4-BE49-F238E27FC236}">
-                <a16:creationId xmlns:a16="http://schemas.microsoft.com/office/drawing/2014/main" id="{F7F12370-BDAF-1561-EA1B-AD39CB617770}"/>
-              </a:ext>
-            </a:extLst>
-          </p:cNvPr>
-          <p:cNvSpPr txBox="1"/>
-          <p:nvPr/>
-        </p:nvSpPr>
-        <p:spPr>
-          <a:xfrm>
-            <a:off x="1610267" y="5413729"/>
-            <a:ext cx="6656832" cy="369332"/>
-          </a:xfrm>
-          <a:prstGeom prst="rect">
-            <a:avLst/>
-          </a:prstGeom>
-          <a:noFill/>
-        </p:spPr>
-        <p:txBody>
-          <a:bodyPr wrap="square" rtlCol="0">
-            <a:spAutoFit/>
-          </a:bodyPr>
-          <a:lstStyle/>
-          <a:p>
-            <a:r>
-              <a:rPr lang="en-US" dirty="0"/>
-              <a:t>Outlier rule: Points outside 1.5*IQR from the first/third quartile.</a:t>
-            </a:r>
-            <a:endParaRPr lang="fr-FR" dirty="0"/>
-          </a:p>
-        </p:txBody>
-      </p:sp>
-      <p:pic>
-        <p:nvPicPr>
-          <p:cNvPr id="14" name="Picture 13">
-            <a:extLst>
-              <a:ext uri="{FF2B5EF4-FFF2-40B4-BE49-F238E27FC236}">
-                <a16:creationId xmlns:a16="http://schemas.microsoft.com/office/drawing/2014/main" id="{F1BBA56A-716F-67DF-0320-4997299D056E}"/>
-              </a:ext>
-            </a:extLst>
-          </p:cNvPr>
-          <p:cNvPicPr>
-            <a:picLocks noChangeAspect="1"/>
-          </p:cNvPicPr>
-          <p:nvPr/>
-        </p:nvPicPr>
-        <p:blipFill>
-          <a:blip r:embed="rId6"/>
-          <a:stretch>
-            <a:fillRect/>
-          </a:stretch>
-        </p:blipFill>
-        <p:spPr>
-          <a:xfrm>
-            <a:off x="1028163" y="2277191"/>
-            <a:ext cx="7350431" cy="2175603"/>
-          </a:xfrm>
-          <a:prstGeom prst="rect">
-            <a:avLst/>
-          </a:prstGeom>
-        </p:spPr>
-      </p:pic>
-    </p:spTree>
-    <p:extLst>
-      <p:ext uri="{BB962C8B-B14F-4D97-AF65-F5344CB8AC3E}">
-        <p14:creationId xmlns:p14="http://schemas.microsoft.com/office/powerpoint/2010/main" val="2817311900"/>
-      </p:ext>
-    </p:extLst>
-  </p:cSld>
-  <p:clrMapOvr>
-    <a:masterClrMapping/>
-  </p:clrMapOvr>
-</p:sld>
-</file>
-
-<file path=ppt/slides/slide14.xml><?xml version="1.0" encoding="utf-8"?>
+<file path=ppt/slides/slide16.xml><?xml version="1.0" encoding="utf-8"?>
 <p:sld xmlns:a="http://schemas.openxmlformats.org/drawingml/2006/main" xmlns:r="http://schemas.openxmlformats.org/officeDocument/2006/relationships" xmlns:p="http://schemas.openxmlformats.org/presentationml/2006/main">
   <p:cSld>
     <p:spTree>
@@ -5583,7 +7249,7 @@
         </p:nvSpPr>
         <p:spPr>
           <a:xfrm>
-            <a:off x="251922" y="-76876"/>
+            <a:off x="251922" y="-78279"/>
             <a:ext cx="8229600" cy="1143000"/>
           </a:xfrm>
           <a:prstGeom prst="rect">
@@ -5613,7 +7279,7 @@
           <a:p>
             <a:r>
               <a:rPr lang="en-US" sz="3600" b="1" dirty="0"/>
-              <a:t>7. Can We Predict Species?</a:t>
+              <a:t>6. Can We Predict Species?</a:t>
             </a:r>
             <a:endParaRPr lang="fr-FR" sz="3600" b="1" dirty="0"/>
           </a:p>
@@ -5993,6 +7659,53 @@
           <a:prstGeom prst="rect">
             <a:avLst/>
           </a:prstGeom>
+        </p:spPr>
+      </p:pic>
+      <p:pic>
+        <p:nvPicPr>
+          <p:cNvPr id="6146" name="Picture 2" descr="Download Single Iris Flower Illustration PNG Image with No Background -  PNGkey.com">
+            <a:extLst>
+              <a:ext uri="{FF2B5EF4-FFF2-40B4-BE49-F238E27FC236}">
+                <a16:creationId xmlns:a16="http://schemas.microsoft.com/office/drawing/2014/main" id="{203837D5-D2A9-D6A3-900B-F07908396F21}"/>
+              </a:ext>
+            </a:extLst>
+          </p:cNvPr>
+          <p:cNvPicPr>
+            <a:picLocks noChangeAspect="1" noChangeArrowheads="1"/>
+          </p:cNvPicPr>
+          <p:nvPr/>
+        </p:nvPicPr>
+        <p:blipFill>
+          <a:blip r:embed="rId8">
+            <a:extLst>
+              <a:ext uri="{28A0092B-C50C-407E-A947-70E740481C1C}">
+                <a14:useLocalDpi xmlns:a14="http://schemas.microsoft.com/office/drawing/2010/main" val="0"/>
+              </a:ext>
+            </a:extLst>
+          </a:blip>
+          <a:srcRect/>
+          <a:stretch>
+            <a:fillRect/>
+          </a:stretch>
+        </p:blipFill>
+        <p:spPr bwMode="auto">
+          <a:xfrm>
+            <a:off x="837249" y="1845851"/>
+            <a:ext cx="1830513" cy="2916936"/>
+          </a:xfrm>
+          <a:prstGeom prst="rect">
+            <a:avLst/>
+          </a:prstGeom>
+          <a:noFill/>
+          <a:extLst>
+            <a:ext uri="{909E8E84-426E-40DD-AFC4-6F175D3DCCD1}">
+              <a14:hiddenFill xmlns:a14="http://schemas.microsoft.com/office/drawing/2010/main">
+                <a:solidFill>
+                  <a:srgbClr val="FFFFFF"/>
+                </a:solidFill>
+              </a14:hiddenFill>
+            </a:ext>
+          </a:extLst>
         </p:spPr>
       </p:pic>
     </p:spTree>
@@ -6008,7 +7721,7 @@
 </p:sld>
 </file>
 
-<file path=ppt/slides/slide15.xml><?xml version="1.0" encoding="utf-8"?>
+<file path=ppt/slides/slide17.xml><?xml version="1.0" encoding="utf-8"?>
 <p:sld xmlns:a="http://schemas.openxmlformats.org/drawingml/2006/main" xmlns:r="http://schemas.openxmlformats.org/officeDocument/2006/relationships" xmlns:p="http://schemas.openxmlformats.org/presentationml/2006/main">
   <p:cSld>
     <p:spTree>
@@ -6031,6 +7744,53 @@
           <a:chExt cx="0" cy="0"/>
         </a:xfrm>
       </p:grpSpPr>
+      <p:pic>
+        <p:nvPicPr>
+          <p:cNvPr id="5122" name="Picture 2" descr="Iris Flower PNG Clipart​ | Gallery Yopriceville - High-Quality Free Images  and Transparent PNG Clipart">
+            <a:extLst>
+              <a:ext uri="{FF2B5EF4-FFF2-40B4-BE49-F238E27FC236}">
+                <a16:creationId xmlns:a16="http://schemas.microsoft.com/office/drawing/2014/main" id="{CBB6EED2-99C5-AB63-BAC5-526453DF12F5}"/>
+              </a:ext>
+            </a:extLst>
+          </p:cNvPr>
+          <p:cNvPicPr>
+            <a:picLocks noChangeAspect="1" noChangeArrowheads="1"/>
+          </p:cNvPicPr>
+          <p:nvPr/>
+        </p:nvPicPr>
+        <p:blipFill>
+          <a:blip r:embed="rId2">
+            <a:extLst>
+              <a:ext uri="{28A0092B-C50C-407E-A947-70E740481C1C}">
+                <a14:useLocalDpi xmlns:a14="http://schemas.microsoft.com/office/drawing/2010/main" val="0"/>
+              </a:ext>
+            </a:extLst>
+          </a:blip>
+          <a:srcRect/>
+          <a:stretch>
+            <a:fillRect/>
+          </a:stretch>
+        </p:blipFill>
+        <p:spPr bwMode="auto">
+          <a:xfrm>
+            <a:off x="6522627" y="1335385"/>
+            <a:ext cx="2400300" cy="1905000"/>
+          </a:xfrm>
+          <a:prstGeom prst="rect">
+            <a:avLst/>
+          </a:prstGeom>
+          <a:noFill/>
+          <a:extLst>
+            <a:ext uri="{909E8E84-426E-40DD-AFC4-6F175D3DCCD1}">
+              <a14:hiddenFill xmlns:a14="http://schemas.microsoft.com/office/drawing/2010/main">
+                <a:solidFill>
+                  <a:srgbClr val="FFFFFF"/>
+                </a:solidFill>
+              </a14:hiddenFill>
+            </a:ext>
+          </a:extLst>
+        </p:spPr>
+      </p:pic>
       <p:sp>
         <p:nvSpPr>
           <p:cNvPr id="2" name="TextBox 1">
@@ -6125,7 +7885,7 @@
           <a:p>
             <a:r>
               <a:rPr lang="fr-FR" b="1" dirty="0"/>
-              <a:t>8. Conclusions</a:t>
+              <a:t>7. Conclusions</a:t>
             </a:r>
           </a:p>
         </p:txBody>
@@ -6332,11 +8092,11 @@
           <p:nvPr/>
         </p:nvPicPr>
         <p:blipFill>
-          <a:blip r:embed="rId2">
+          <a:blip r:embed="rId3">
             <a:extLst>
               <a:ext uri="{BEBA8EAE-BF5A-486C-A8C5-ECC9F3942E4B}">
                 <a14:imgProps xmlns:a14="http://schemas.microsoft.com/office/drawing/2010/main">
-                  <a14:imgLayer r:embed="rId3">
+                  <a14:imgLayer r:embed="rId4">
                     <a14:imgEffect>
                       <a14:saturation sat="0"/>
                     </a14:imgEffect>
@@ -6373,11 +8133,11 @@
           <p:nvPr/>
         </p:nvPicPr>
         <p:blipFill>
-          <a:blip r:embed="rId4">
+          <a:blip r:embed="rId5">
             <a:extLst>
               <a:ext uri="{BEBA8EAE-BF5A-486C-A8C5-ECC9F3942E4B}">
                 <a14:imgProps xmlns:a14="http://schemas.microsoft.com/office/drawing/2010/main">
-                  <a14:imgLayer r:embed="rId5">
+                  <a14:imgLayer r:embed="rId6">
                     <a14:imgEffect>
                       <a14:saturation sat="0"/>
                     </a14:imgEffect>
@@ -6461,8 +8221,8 @@
         </p:nvSpPr>
         <p:spPr>
           <a:xfrm>
-            <a:off x="566026" y="1471998"/>
-            <a:ext cx="7995505" cy="4401205"/>
+            <a:off x="300793" y="1268506"/>
+            <a:ext cx="7995505" cy="5262979"/>
           </a:xfrm>
           <a:prstGeom prst="rect">
             <a:avLst/>
@@ -6485,6 +8245,9 @@
             </a:r>
           </a:p>
           <a:p>
+            <a:endParaRPr lang="fr-FR" sz="2800" dirty="0"/>
+          </a:p>
+          <a:p>
             <a:r>
               <a:rPr lang="fr-FR" sz="2800" dirty="0"/>
               <a:t>Data </a:t>
@@ -6669,6 +8432,9 @@
               <a:rPr lang="fr-FR" sz="2800" dirty="0" err="1"/>
               <a:t>predictible</a:t>
             </a:r>
+            <a:endParaRPr lang="fr-FR" sz="2800" dirty="0"/>
+          </a:p>
+          <a:p>
             <a:endParaRPr lang="fr-FR" sz="2800" dirty="0"/>
           </a:p>
           <a:p>
@@ -6904,8 +8670,8 @@
         </p:nvSpPr>
         <p:spPr>
           <a:xfrm>
-            <a:off x="644651" y="438662"/>
-            <a:ext cx="7854697" cy="5802229"/>
+            <a:off x="699516" y="284873"/>
+            <a:ext cx="7854697" cy="5925340"/>
           </a:xfrm>
           <a:prstGeom prst="rect">
             <a:avLst/>
@@ -6929,11 +8695,6 @@
               <a:rPr lang="fr-FR" sz="4000" b="1" dirty="0"/>
               <a:t> </a:t>
             </a:r>
-          </a:p>
-          <a:p>
-            <a:pPr algn="ctr">
-              <a:buNone/>
-            </a:pPr>
             <a:endParaRPr lang="fr-FR" sz="4000" dirty="0"/>
           </a:p>
           <a:p>
@@ -6996,17 +8757,20 @@
             </a:r>
             <a:r>
               <a:rPr lang="fr-FR" sz="3200" dirty="0" err="1"/>
-              <a:t>Correlation</a:t>
+              <a:t>Outlier</a:t>
             </a:r>
             <a:r>
               <a:rPr lang="fr-FR" sz="3200" dirty="0"/>
-              <a:t> &amp; </a:t>
+              <a:t> </a:t>
             </a:r>
             <a:r>
               <a:rPr lang="fr-FR" sz="3200" dirty="0" err="1"/>
-              <a:t>Visualization</a:t>
-            </a:r>
-            <a:endParaRPr lang="fr-FR" sz="3200" dirty="0"/>
+              <a:t>Detection</a:t>
+            </a:r>
+            <a:r>
+              <a:rPr lang="fr-FR" sz="3200" dirty="0"/>
+              <a:t> </a:t>
+            </a:r>
           </a:p>
           <a:p>
             <a:pPr>
@@ -7020,15 +8784,15 @@
             </a:r>
             <a:r>
               <a:rPr lang="fr-FR" sz="3200" dirty="0" err="1"/>
-              <a:t>Outlier</a:t>
+              <a:t>Correlation</a:t>
             </a:r>
             <a:r>
               <a:rPr lang="fr-FR" sz="3200" dirty="0"/>
-              <a:t> </a:t>
+              <a:t> &amp; </a:t>
             </a:r>
             <a:r>
               <a:rPr lang="fr-FR" sz="3200" dirty="0" err="1"/>
-              <a:t>Detection</a:t>
+              <a:t>Visualization</a:t>
             </a:r>
             <a:endParaRPr lang="fr-FR" sz="3200" dirty="0"/>
           </a:p>
@@ -7039,8 +8803,20 @@
               </a:lnSpc>
             </a:pPr>
             <a:r>
+              <a:rPr lang="en-US" sz="3200" dirty="0"/>
+              <a:t>6. Can We Predict Species?</a:t>
+            </a:r>
+            <a:endParaRPr lang="fr-FR" sz="3200" dirty="0"/>
+          </a:p>
+          <a:p>
+            <a:pPr>
+              <a:lnSpc>
+                <a:spcPct val="150000"/>
+              </a:lnSpc>
+            </a:pPr>
+            <a:r>
               <a:rPr lang="fr-FR" sz="3200" dirty="0"/>
-              <a:t>6. Conclusion &amp; Insights</a:t>
+              <a:t>7. Conclusion &amp; Insights</a:t>
             </a:r>
           </a:p>
         </p:txBody>
@@ -7084,6 +8860,53 @@
           <a:prstGeom prst="rect">
             <a:avLst/>
           </a:prstGeom>
+        </p:spPr>
+      </p:pic>
+      <p:pic>
+        <p:nvPicPr>
+          <p:cNvPr id="2051" name="Picture 3" descr="Iris Flower PNGs for Free Download">
+            <a:extLst>
+              <a:ext uri="{FF2B5EF4-FFF2-40B4-BE49-F238E27FC236}">
+                <a16:creationId xmlns:a16="http://schemas.microsoft.com/office/drawing/2014/main" id="{C0628368-5870-DAB4-276E-FF3E1497B868}"/>
+              </a:ext>
+            </a:extLst>
+          </p:cNvPr>
+          <p:cNvPicPr>
+            <a:picLocks noChangeAspect="1" noChangeArrowheads="1"/>
+          </p:cNvPicPr>
+          <p:nvPr/>
+        </p:nvPicPr>
+        <p:blipFill>
+          <a:blip r:embed="rId6">
+            <a:extLst>
+              <a:ext uri="{28A0092B-C50C-407E-A947-70E740481C1C}">
+                <a14:useLocalDpi xmlns:a14="http://schemas.microsoft.com/office/drawing/2010/main" val="0"/>
+              </a:ext>
+            </a:extLst>
+          </a:blip>
+          <a:srcRect/>
+          <a:stretch>
+            <a:fillRect/>
+          </a:stretch>
+        </p:blipFill>
+        <p:spPr bwMode="auto">
+          <a:xfrm>
+            <a:off x="5611368" y="2763127"/>
+            <a:ext cx="3810000" cy="3810000"/>
+          </a:xfrm>
+          <a:prstGeom prst="rect">
+            <a:avLst/>
+          </a:prstGeom>
+          <a:noFill/>
+          <a:extLst>
+            <a:ext uri="{909E8E84-426E-40DD-AFC4-6F175D3DCCD1}">
+              <a14:hiddenFill xmlns:a14="http://schemas.microsoft.com/office/drawing/2010/main">
+                <a:solidFill>
+                  <a:srgbClr val="FFFFFF"/>
+                </a:solidFill>
+              </a14:hiddenFill>
+            </a:ext>
+          </a:extLst>
         </p:spPr>
       </p:pic>
     </p:spTree>
@@ -8158,14 +9981,87 @@
               <a:t>Distribution of species:50 </a:t>
             </a:r>
             <a:r>
-              <a:rPr lang="en-US" sz="2400" dirty="0" err="1"/>
+              <a:rPr lang="en-US" sz="2400" dirty="0" err="1">
+                <a:solidFill>
+                  <a:srgbClr val="FFC000"/>
+                </a:solidFill>
+              </a:rPr>
               <a:t>Setosa</a:t>
             </a:r>
             <a:r>
               <a:rPr lang="en-US" sz="2400" dirty="0"/>
-              <a:t>, 50 Versicolor, 50 Virginica</a:t>
-            </a:r>
-            <a:endParaRPr lang="fr-FR" sz="2400" dirty="0"/>
+              <a:t>, 50 </a:t>
+            </a:r>
+            <a:r>
+              <a:rPr lang="en-US" sz="2400" dirty="0">
+                <a:solidFill>
+                  <a:srgbClr val="00B050"/>
+                </a:solidFill>
+              </a:rPr>
+              <a:t>Versicolor</a:t>
+            </a:r>
+            <a:r>
+              <a:rPr lang="en-US" sz="2400" dirty="0"/>
+              <a:t>, 50 </a:t>
+            </a:r>
+            <a:r>
+              <a:rPr lang="en-US" sz="2400" dirty="0">
+                <a:solidFill>
+                  <a:srgbClr val="0070C0"/>
+                </a:solidFill>
+              </a:rPr>
+              <a:t>Virginica</a:t>
+            </a:r>
+            <a:endParaRPr lang="fr-FR" sz="2400" dirty="0">
+              <a:solidFill>
+                <a:srgbClr val="0070C0"/>
+              </a:solidFill>
+            </a:endParaRPr>
+          </a:p>
+        </p:txBody>
+      </p:sp>
+      <p:sp>
+        <p:nvSpPr>
+          <p:cNvPr id="4" name="AutoShape 2" descr="IRIS EDA">
+            <a:extLst>
+              <a:ext uri="{FF2B5EF4-FFF2-40B4-BE49-F238E27FC236}">
+                <a16:creationId xmlns:a16="http://schemas.microsoft.com/office/drawing/2014/main" id="{6709D62E-DD21-5151-7410-C9FA0251FBA4}"/>
+              </a:ext>
+            </a:extLst>
+          </p:cNvPr>
+          <p:cNvSpPr>
+            <a:spLocks noChangeAspect="1" noChangeArrowheads="1"/>
+          </p:cNvSpPr>
+          <p:nvPr/>
+        </p:nvSpPr>
+        <p:spPr bwMode="auto">
+          <a:xfrm>
+            <a:off x="4419600" y="3276600"/>
+            <a:ext cx="304800" cy="304800"/>
+          </a:xfrm>
+          <a:prstGeom prst="rect">
+            <a:avLst/>
+          </a:prstGeom>
+          <a:noFill/>
+          <a:extLst>
+            <a:ext uri="{909E8E84-426E-40DD-AFC4-6F175D3DCCD1}">
+              <a14:hiddenFill xmlns:a14="http://schemas.microsoft.com/office/drawing/2010/main">
+                <a:solidFill>
+                  <a:srgbClr val="FFFFFF"/>
+                </a:solidFill>
+              </a14:hiddenFill>
+            </a:ext>
+          </a:extLst>
+        </p:spPr>
+        <p:txBody>
+          <a:bodyPr vert="horz" wrap="square" lIns="91440" tIns="45720" rIns="91440" bIns="45720" numCol="1" anchor="t" anchorCtr="0" compatLnSpc="1">
+            <a:prstTxWarp prst="textNoShape">
+              <a:avLst/>
+            </a:prstTxWarp>
+          </a:bodyPr>
+          <a:lstStyle/>
+          <a:p>
+            <a:endParaRPr lang="fr-FR"/>
           </a:p>
         </p:txBody>
       </p:sp>
@@ -8183,6 +10079,1044 @@
 </file>
 
 <file path=ppt/slides/slide5.xml><?xml version="1.0" encoding="utf-8"?>
+<p:sld xmlns:a="http://schemas.openxmlformats.org/drawingml/2006/main" xmlns:r="http://schemas.openxmlformats.org/officeDocument/2006/relationships" xmlns:p="http://schemas.openxmlformats.org/presentationml/2006/main">
+  <p:cSld>
+    <p:spTree>
+      <p:nvGrpSpPr>
+        <p:cNvPr id="1" name="">
+          <a:extLst>
+            <a:ext uri="{FF2B5EF4-FFF2-40B4-BE49-F238E27FC236}">
+              <a16:creationId xmlns:a16="http://schemas.microsoft.com/office/drawing/2014/main" id="{821F913C-EF66-BDEE-1340-7B7BDDD818C7}"/>
+            </a:ext>
+          </a:extLst>
+        </p:cNvPr>
+        <p:cNvGrpSpPr/>
+        <p:nvPr/>
+      </p:nvGrpSpPr>
+      <p:grpSpPr>
+        <a:xfrm>
+          <a:off x="0" y="0"/>
+          <a:ext cx="0" cy="0"/>
+          <a:chOff x="0" y="0"/>
+          <a:chExt cx="0" cy="0"/>
+        </a:xfrm>
+      </p:grpSpPr>
+      <p:sp>
+        <p:nvSpPr>
+          <p:cNvPr id="2" name="TextBox 1">
+            <a:extLst>
+              <a:ext uri="{FF2B5EF4-FFF2-40B4-BE49-F238E27FC236}">
+                <a16:creationId xmlns:a16="http://schemas.microsoft.com/office/drawing/2014/main" id="{D8CE5A4F-5E88-36F3-6826-A21266971273}"/>
+              </a:ext>
+            </a:extLst>
+          </p:cNvPr>
+          <p:cNvSpPr txBox="1"/>
+          <p:nvPr/>
+        </p:nvSpPr>
+        <p:spPr>
+          <a:xfrm>
+            <a:off x="0" y="6484966"/>
+            <a:ext cx="2667762" cy="230832"/>
+          </a:xfrm>
+          <a:prstGeom prst="rect">
+            <a:avLst/>
+          </a:prstGeom>
+          <a:noFill/>
+        </p:spPr>
+        <p:txBody>
+          <a:bodyPr wrap="square" rtlCol="0">
+            <a:spAutoFit/>
+          </a:bodyPr>
+          <a:lstStyle/>
+          <a:p>
+            <a:r>
+              <a:rPr lang="en-US" sz="900" dirty="0">
+                <a:solidFill>
+                  <a:schemeClr val="bg1">
+                    <a:lumMod val="65000"/>
+                  </a:schemeClr>
+                </a:solidFill>
+              </a:rPr>
+              <a:t>Presented by: Redha &amp; Rooney</a:t>
+            </a:r>
+            <a:endParaRPr lang="fr-FR" sz="900" dirty="0">
+              <a:solidFill>
+                <a:schemeClr val="bg1">
+                  <a:lumMod val="65000"/>
+                </a:schemeClr>
+              </a:solidFill>
+            </a:endParaRPr>
+          </a:p>
+        </p:txBody>
+      </p:sp>
+      <p:sp>
+        <p:nvSpPr>
+          <p:cNvPr id="5" name="Title 1">
+            <a:extLst>
+              <a:ext uri="{FF2B5EF4-FFF2-40B4-BE49-F238E27FC236}">
+                <a16:creationId xmlns:a16="http://schemas.microsoft.com/office/drawing/2014/main" id="{BE517841-0C4E-EDAD-4D0C-2686AD9D17DC}"/>
+              </a:ext>
+            </a:extLst>
+          </p:cNvPr>
+          <p:cNvSpPr txBox="1">
+            <a:spLocks/>
+          </p:cNvSpPr>
+          <p:nvPr/>
+        </p:nvSpPr>
+        <p:spPr>
+          <a:xfrm>
+            <a:off x="301752" y="860235"/>
+            <a:ext cx="8229600" cy="1143000"/>
+          </a:xfrm>
+          <a:prstGeom prst="rect">
+            <a:avLst/>
+          </a:prstGeom>
+        </p:spPr>
+        <p:txBody>
+          <a:bodyPr vert="horz" lIns="91440" tIns="45720" rIns="91440" bIns="45720" rtlCol="0" anchor="ctr">
+            <a:normAutofit/>
+          </a:bodyPr>
+          <a:lstStyle>
+            <a:lvl1pPr algn="ctr" defTabSz="457200" rtl="0" eaLnBrk="1" latinLnBrk="0" hangingPunct="1">
+              <a:spcBef>
+                <a:spcPct val="0"/>
+              </a:spcBef>
+              <a:buNone/>
+              <a:defRPr sz="4400" kern="1200">
+                <a:solidFill>
+                  <a:schemeClr val="tx1"/>
+                </a:solidFill>
+                <a:latin typeface="+mj-lt"/>
+                <a:ea typeface="+mj-ea"/>
+                <a:cs typeface="+mj-cs"/>
+              </a:defRPr>
+            </a:lvl1pPr>
+          </a:lstStyle>
+          <a:p>
+            <a:r>
+              <a:rPr lang="fr-FR" dirty="0"/>
+              <a:t>2. Data Structure &amp; </a:t>
+            </a:r>
+            <a:r>
+              <a:rPr lang="fr-FR" dirty="0" err="1"/>
+              <a:t>Preparation</a:t>
+            </a:r>
+            <a:endParaRPr lang="fr-FR" dirty="0"/>
+          </a:p>
+        </p:txBody>
+      </p:sp>
+      <p:sp>
+        <p:nvSpPr>
+          <p:cNvPr id="6" name="Content Placeholder 2">
+            <a:extLst>
+              <a:ext uri="{FF2B5EF4-FFF2-40B4-BE49-F238E27FC236}">
+                <a16:creationId xmlns:a16="http://schemas.microsoft.com/office/drawing/2014/main" id="{8B1FFA14-4FC8-F6F0-34DE-F6796E8A2FAC}"/>
+              </a:ext>
+            </a:extLst>
+          </p:cNvPr>
+          <p:cNvSpPr txBox="1">
+            <a:spLocks/>
+          </p:cNvSpPr>
+          <p:nvPr/>
+        </p:nvSpPr>
+        <p:spPr>
+          <a:xfrm>
+            <a:off x="448979" y="2221993"/>
+            <a:ext cx="8229600" cy="3145536"/>
+          </a:xfrm>
+          <a:prstGeom prst="rect">
+            <a:avLst/>
+          </a:prstGeom>
+        </p:spPr>
+        <p:txBody>
+          <a:bodyPr vert="horz" lIns="91440" tIns="45720" rIns="91440" bIns="45720" rtlCol="0">
+            <a:normAutofit/>
+          </a:bodyPr>
+          <a:lstStyle>
+            <a:lvl1pPr marL="0" indent="0" algn="ctr" defTabSz="457200" rtl="0" eaLnBrk="1" latinLnBrk="0" hangingPunct="1">
+              <a:spcBef>
+                <a:spcPct val="20000"/>
+              </a:spcBef>
+              <a:buFont typeface="Arial"/>
+              <a:buNone/>
+              <a:defRPr sz="3200" kern="1200">
+                <a:solidFill>
+                  <a:schemeClr val="tx1">
+                    <a:tint val="75000"/>
+                  </a:schemeClr>
+                </a:solidFill>
+                <a:latin typeface="+mn-lt"/>
+                <a:ea typeface="+mn-ea"/>
+                <a:cs typeface="+mn-cs"/>
+              </a:defRPr>
+            </a:lvl1pPr>
+            <a:lvl2pPr marL="457200" indent="0" algn="ctr" defTabSz="457200" rtl="0" eaLnBrk="1" latinLnBrk="0" hangingPunct="1">
+              <a:spcBef>
+                <a:spcPct val="20000"/>
+              </a:spcBef>
+              <a:buFont typeface="Arial"/>
+              <a:buNone/>
+              <a:defRPr sz="2800" kern="1200">
+                <a:solidFill>
+                  <a:schemeClr val="tx1">
+                    <a:tint val="75000"/>
+                  </a:schemeClr>
+                </a:solidFill>
+                <a:latin typeface="+mn-lt"/>
+                <a:ea typeface="+mn-ea"/>
+                <a:cs typeface="+mn-cs"/>
+              </a:defRPr>
+            </a:lvl2pPr>
+            <a:lvl3pPr marL="914400" indent="0" algn="ctr" defTabSz="457200" rtl="0" eaLnBrk="1" latinLnBrk="0" hangingPunct="1">
+              <a:spcBef>
+                <a:spcPct val="20000"/>
+              </a:spcBef>
+              <a:buFont typeface="Arial"/>
+              <a:buNone/>
+              <a:defRPr sz="2400" kern="1200">
+                <a:solidFill>
+                  <a:schemeClr val="tx1">
+                    <a:tint val="75000"/>
+                  </a:schemeClr>
+                </a:solidFill>
+                <a:latin typeface="+mn-lt"/>
+                <a:ea typeface="+mn-ea"/>
+                <a:cs typeface="+mn-cs"/>
+              </a:defRPr>
+            </a:lvl3pPr>
+            <a:lvl4pPr marL="1371600" indent="0" algn="ctr" defTabSz="457200" rtl="0" eaLnBrk="1" latinLnBrk="0" hangingPunct="1">
+              <a:spcBef>
+                <a:spcPct val="20000"/>
+              </a:spcBef>
+              <a:buFont typeface="Arial"/>
+              <a:buNone/>
+              <a:defRPr sz="2000" kern="1200">
+                <a:solidFill>
+                  <a:schemeClr val="tx1">
+                    <a:tint val="75000"/>
+                  </a:schemeClr>
+                </a:solidFill>
+                <a:latin typeface="+mn-lt"/>
+                <a:ea typeface="+mn-ea"/>
+                <a:cs typeface="+mn-cs"/>
+              </a:defRPr>
+            </a:lvl4pPr>
+            <a:lvl5pPr marL="1828800" indent="0" algn="ctr" defTabSz="457200" rtl="0" eaLnBrk="1" latinLnBrk="0" hangingPunct="1">
+              <a:spcBef>
+                <a:spcPct val="20000"/>
+              </a:spcBef>
+              <a:buFont typeface="Arial"/>
+              <a:buNone/>
+              <a:defRPr sz="2000" kern="1200">
+                <a:solidFill>
+                  <a:schemeClr val="tx1">
+                    <a:tint val="75000"/>
+                  </a:schemeClr>
+                </a:solidFill>
+                <a:latin typeface="+mn-lt"/>
+                <a:ea typeface="+mn-ea"/>
+                <a:cs typeface="+mn-cs"/>
+              </a:defRPr>
+            </a:lvl5pPr>
+            <a:lvl6pPr marL="2286000" indent="0" algn="ctr" defTabSz="457200" rtl="0" eaLnBrk="1" latinLnBrk="0" hangingPunct="1">
+              <a:spcBef>
+                <a:spcPct val="20000"/>
+              </a:spcBef>
+              <a:buFont typeface="Arial"/>
+              <a:buNone/>
+              <a:defRPr sz="2000" kern="1200">
+                <a:solidFill>
+                  <a:schemeClr val="tx1">
+                    <a:tint val="75000"/>
+                  </a:schemeClr>
+                </a:solidFill>
+                <a:latin typeface="+mn-lt"/>
+                <a:ea typeface="+mn-ea"/>
+                <a:cs typeface="+mn-cs"/>
+              </a:defRPr>
+            </a:lvl6pPr>
+            <a:lvl7pPr marL="2743200" indent="0" algn="ctr" defTabSz="457200" rtl="0" eaLnBrk="1" latinLnBrk="0" hangingPunct="1">
+              <a:spcBef>
+                <a:spcPct val="20000"/>
+              </a:spcBef>
+              <a:buFont typeface="Arial"/>
+              <a:buNone/>
+              <a:defRPr sz="2000" kern="1200">
+                <a:solidFill>
+                  <a:schemeClr val="tx1">
+                    <a:tint val="75000"/>
+                  </a:schemeClr>
+                </a:solidFill>
+                <a:latin typeface="+mn-lt"/>
+                <a:ea typeface="+mn-ea"/>
+                <a:cs typeface="+mn-cs"/>
+              </a:defRPr>
+            </a:lvl7pPr>
+            <a:lvl8pPr marL="3200400" indent="0" algn="ctr" defTabSz="457200" rtl="0" eaLnBrk="1" latinLnBrk="0" hangingPunct="1">
+              <a:spcBef>
+                <a:spcPct val="20000"/>
+              </a:spcBef>
+              <a:buFont typeface="Arial"/>
+              <a:buNone/>
+              <a:defRPr sz="2000" kern="1200">
+                <a:solidFill>
+                  <a:schemeClr val="tx1">
+                    <a:tint val="75000"/>
+                  </a:schemeClr>
+                </a:solidFill>
+                <a:latin typeface="+mn-lt"/>
+                <a:ea typeface="+mn-ea"/>
+                <a:cs typeface="+mn-cs"/>
+              </a:defRPr>
+            </a:lvl8pPr>
+            <a:lvl9pPr marL="3657600" indent="0" algn="ctr" defTabSz="457200" rtl="0" eaLnBrk="1" latinLnBrk="0" hangingPunct="1">
+              <a:spcBef>
+                <a:spcPct val="20000"/>
+              </a:spcBef>
+              <a:buFont typeface="Arial"/>
+              <a:buNone/>
+              <a:defRPr sz="2000" kern="1200">
+                <a:solidFill>
+                  <a:schemeClr val="tx1">
+                    <a:tint val="75000"/>
+                  </a:schemeClr>
+                </a:solidFill>
+                <a:latin typeface="+mn-lt"/>
+                <a:ea typeface="+mn-ea"/>
+                <a:cs typeface="+mn-cs"/>
+              </a:defRPr>
+            </a:lvl9pPr>
+          </a:lstStyle>
+          <a:p>
+            <a:endParaRPr lang="fr-FR" dirty="0"/>
+          </a:p>
+        </p:txBody>
+      </p:sp>
+      <p:pic>
+        <p:nvPicPr>
+          <p:cNvPr id="3" name="Picture 2">
+            <a:extLst>
+              <a:ext uri="{FF2B5EF4-FFF2-40B4-BE49-F238E27FC236}">
+                <a16:creationId xmlns:a16="http://schemas.microsoft.com/office/drawing/2014/main" id="{F237D7F9-BC95-4838-A0D4-45F0BD1632E8}"/>
+              </a:ext>
+            </a:extLst>
+          </p:cNvPr>
+          <p:cNvPicPr>
+            <a:picLocks noChangeAspect="1"/>
+          </p:cNvPicPr>
+          <p:nvPr/>
+        </p:nvPicPr>
+        <p:blipFill>
+          <a:blip r:embed="rId2">
+            <a:extLst>
+              <a:ext uri="{BEBA8EAE-BF5A-486C-A8C5-ECC9F3942E4B}">
+                <a14:imgProps xmlns:a14="http://schemas.microsoft.com/office/drawing/2010/main">
+                  <a14:imgLayer r:embed="rId3">
+                    <a14:imgEffect>
+                      <a14:saturation sat="0"/>
+                    </a14:imgEffect>
+                  </a14:imgLayer>
+                </a14:imgProps>
+              </a:ext>
+            </a:extLst>
+          </a:blip>
+          <a:srcRect l="65947" r="3227" b="69068"/>
+          <a:stretch/>
+        </p:blipFill>
+        <p:spPr>
+          <a:xfrm>
+            <a:off x="7334411" y="23503"/>
+            <a:ext cx="1730697" cy="543598"/>
+          </a:xfrm>
+          <a:prstGeom prst="rect">
+            <a:avLst/>
+          </a:prstGeom>
+        </p:spPr>
+      </p:pic>
+      <p:pic>
+        <p:nvPicPr>
+          <p:cNvPr id="9" name="Picture 8">
+            <a:extLst>
+              <a:ext uri="{FF2B5EF4-FFF2-40B4-BE49-F238E27FC236}">
+                <a16:creationId xmlns:a16="http://schemas.microsoft.com/office/drawing/2014/main" id="{15763582-0D0A-D193-12C6-39B5449C47DB}"/>
+              </a:ext>
+            </a:extLst>
+          </p:cNvPr>
+          <p:cNvPicPr>
+            <a:picLocks noChangeAspect="1"/>
+          </p:cNvPicPr>
+          <p:nvPr/>
+        </p:nvPicPr>
+        <p:blipFill>
+          <a:blip r:embed="rId4">
+            <a:extLst>
+              <a:ext uri="{BEBA8EAE-BF5A-486C-A8C5-ECC9F3942E4B}">
+                <a14:imgProps xmlns:a14="http://schemas.microsoft.com/office/drawing/2010/main">
+                  <a14:imgLayer r:embed="rId5">
+                    <a14:imgEffect>
+                      <a14:saturation sat="0"/>
+                    </a14:imgEffect>
+                  </a14:imgLayer>
+                </a14:imgProps>
+              </a:ext>
+            </a:extLst>
+          </a:blip>
+          <a:srcRect r="42279"/>
+          <a:stretch/>
+        </p:blipFill>
+        <p:spPr>
+          <a:xfrm>
+            <a:off x="0" y="-4677"/>
+            <a:ext cx="1399032" cy="718345"/>
+          </a:xfrm>
+          <a:prstGeom prst="rect">
+            <a:avLst/>
+          </a:prstGeom>
+        </p:spPr>
+      </p:pic>
+      <p:sp>
+        <p:nvSpPr>
+          <p:cNvPr id="10" name="TextBox 9">
+            <a:extLst>
+              <a:ext uri="{FF2B5EF4-FFF2-40B4-BE49-F238E27FC236}">
+                <a16:creationId xmlns:a16="http://schemas.microsoft.com/office/drawing/2014/main" id="{481937BB-F3C9-7AAE-D917-1596BDD346F9}"/>
+              </a:ext>
+            </a:extLst>
+          </p:cNvPr>
+          <p:cNvSpPr txBox="1"/>
+          <p:nvPr/>
+        </p:nvSpPr>
+        <p:spPr>
+          <a:xfrm>
+            <a:off x="8378594" y="6484966"/>
+            <a:ext cx="777770" cy="230832"/>
+          </a:xfrm>
+          <a:prstGeom prst="rect">
+            <a:avLst/>
+          </a:prstGeom>
+          <a:noFill/>
+        </p:spPr>
+        <p:txBody>
+          <a:bodyPr wrap="square" rtlCol="0">
+            <a:spAutoFit/>
+          </a:bodyPr>
+          <a:lstStyle/>
+          <a:p>
+            <a:r>
+              <a:rPr lang="en-US" sz="900" dirty="0">
+                <a:solidFill>
+                  <a:schemeClr val="bg1">
+                    <a:lumMod val="65000"/>
+                  </a:schemeClr>
+                </a:solidFill>
+              </a:rPr>
+              <a:t>10/06/2025</a:t>
+            </a:r>
+            <a:endParaRPr lang="fr-FR" sz="900" dirty="0">
+              <a:solidFill>
+                <a:schemeClr val="bg1">
+                  <a:lumMod val="65000"/>
+                </a:schemeClr>
+              </a:solidFill>
+            </a:endParaRPr>
+          </a:p>
+        </p:txBody>
+      </p:sp>
+      <p:pic>
+        <p:nvPicPr>
+          <p:cNvPr id="8" name="Picture 7">
+            <a:extLst>
+              <a:ext uri="{FF2B5EF4-FFF2-40B4-BE49-F238E27FC236}">
+                <a16:creationId xmlns:a16="http://schemas.microsoft.com/office/drawing/2014/main" id="{C5C61D2F-24A6-6B65-246C-AB063265D591}"/>
+              </a:ext>
+            </a:extLst>
+          </p:cNvPr>
+          <p:cNvPicPr>
+            <a:picLocks noChangeAspect="1"/>
+          </p:cNvPicPr>
+          <p:nvPr/>
+        </p:nvPicPr>
+        <p:blipFill>
+          <a:blip r:embed="rId6"/>
+          <a:stretch>
+            <a:fillRect/>
+          </a:stretch>
+        </p:blipFill>
+        <p:spPr>
+          <a:xfrm>
+            <a:off x="1426838" y="2021808"/>
+            <a:ext cx="5979428" cy="4316591"/>
+          </a:xfrm>
+          <a:prstGeom prst="rect">
+            <a:avLst/>
+          </a:prstGeom>
+        </p:spPr>
+      </p:pic>
+    </p:spTree>
+    <p:extLst>
+      <p:ext uri="{BB962C8B-B14F-4D97-AF65-F5344CB8AC3E}">
+        <p14:creationId xmlns:p14="http://schemas.microsoft.com/office/powerpoint/2010/main" val="288964213"/>
+      </p:ext>
+    </p:extLst>
+  </p:cSld>
+  <p:clrMapOvr>
+    <a:masterClrMapping/>
+  </p:clrMapOvr>
+</p:sld>
+</file>
+
+<file path=ppt/slides/slide6.xml><?xml version="1.0" encoding="utf-8"?>
+<p:sld xmlns:a="http://schemas.openxmlformats.org/drawingml/2006/main" xmlns:r="http://schemas.openxmlformats.org/officeDocument/2006/relationships" xmlns:p="http://schemas.openxmlformats.org/presentationml/2006/main">
+  <p:cSld>
+    <p:spTree>
+      <p:nvGrpSpPr>
+        <p:cNvPr id="1" name="">
+          <a:extLst>
+            <a:ext uri="{FF2B5EF4-FFF2-40B4-BE49-F238E27FC236}">
+              <a16:creationId xmlns:a16="http://schemas.microsoft.com/office/drawing/2014/main" id="{778FE93B-CAE4-DA63-1BA9-1BCC467065ED}"/>
+            </a:ext>
+          </a:extLst>
+        </p:cNvPr>
+        <p:cNvGrpSpPr/>
+        <p:nvPr/>
+      </p:nvGrpSpPr>
+      <p:grpSpPr>
+        <a:xfrm>
+          <a:off x="0" y="0"/>
+          <a:ext cx="0" cy="0"/>
+          <a:chOff x="0" y="0"/>
+          <a:chExt cx="0" cy="0"/>
+        </a:xfrm>
+      </p:grpSpPr>
+      <p:sp>
+        <p:nvSpPr>
+          <p:cNvPr id="2" name="TextBox 1">
+            <a:extLst>
+              <a:ext uri="{FF2B5EF4-FFF2-40B4-BE49-F238E27FC236}">
+                <a16:creationId xmlns:a16="http://schemas.microsoft.com/office/drawing/2014/main" id="{8EEFC728-384C-2C0F-969F-14619745E291}"/>
+              </a:ext>
+            </a:extLst>
+          </p:cNvPr>
+          <p:cNvSpPr txBox="1"/>
+          <p:nvPr/>
+        </p:nvSpPr>
+        <p:spPr>
+          <a:xfrm>
+            <a:off x="0" y="6484966"/>
+            <a:ext cx="2667762" cy="230832"/>
+          </a:xfrm>
+          <a:prstGeom prst="rect">
+            <a:avLst/>
+          </a:prstGeom>
+          <a:noFill/>
+        </p:spPr>
+        <p:txBody>
+          <a:bodyPr wrap="square" rtlCol="0">
+            <a:spAutoFit/>
+          </a:bodyPr>
+          <a:lstStyle/>
+          <a:p>
+            <a:r>
+              <a:rPr lang="en-US" sz="900" dirty="0">
+                <a:solidFill>
+                  <a:schemeClr val="bg1">
+                    <a:lumMod val="65000"/>
+                  </a:schemeClr>
+                </a:solidFill>
+              </a:rPr>
+              <a:t>Presented by: Redha &amp; Rooney</a:t>
+            </a:r>
+            <a:endParaRPr lang="fr-FR" sz="900" dirty="0">
+              <a:solidFill>
+                <a:schemeClr val="bg1">
+                  <a:lumMod val="65000"/>
+                </a:schemeClr>
+              </a:solidFill>
+            </a:endParaRPr>
+          </a:p>
+        </p:txBody>
+      </p:sp>
+      <p:sp>
+        <p:nvSpPr>
+          <p:cNvPr id="5" name="Title 1">
+            <a:extLst>
+              <a:ext uri="{FF2B5EF4-FFF2-40B4-BE49-F238E27FC236}">
+                <a16:creationId xmlns:a16="http://schemas.microsoft.com/office/drawing/2014/main" id="{94205CD6-6833-36EB-357E-CE996606196F}"/>
+              </a:ext>
+            </a:extLst>
+          </p:cNvPr>
+          <p:cNvSpPr txBox="1">
+            <a:spLocks/>
+          </p:cNvSpPr>
+          <p:nvPr/>
+        </p:nvSpPr>
+        <p:spPr>
+          <a:xfrm>
+            <a:off x="301752" y="1021998"/>
+            <a:ext cx="8229600" cy="1143000"/>
+          </a:xfrm>
+          <a:prstGeom prst="rect">
+            <a:avLst/>
+          </a:prstGeom>
+        </p:spPr>
+        <p:txBody>
+          <a:bodyPr vert="horz" lIns="91440" tIns="45720" rIns="91440" bIns="45720" rtlCol="0" anchor="ctr">
+            <a:normAutofit/>
+          </a:bodyPr>
+          <a:lstStyle>
+            <a:lvl1pPr algn="ctr" defTabSz="457200" rtl="0" eaLnBrk="1" latinLnBrk="0" hangingPunct="1">
+              <a:spcBef>
+                <a:spcPct val="0"/>
+              </a:spcBef>
+              <a:buNone/>
+              <a:defRPr sz="4400" kern="1200">
+                <a:solidFill>
+                  <a:schemeClr val="tx1"/>
+                </a:solidFill>
+                <a:latin typeface="+mj-lt"/>
+                <a:ea typeface="+mj-ea"/>
+                <a:cs typeface="+mj-cs"/>
+              </a:defRPr>
+            </a:lvl1pPr>
+          </a:lstStyle>
+          <a:p>
+            <a:r>
+              <a:rPr lang="fr-FR" dirty="0"/>
+              <a:t>2. Data Structure &amp; </a:t>
+            </a:r>
+            <a:r>
+              <a:rPr lang="fr-FR" dirty="0" err="1"/>
+              <a:t>Preparation</a:t>
+            </a:r>
+            <a:endParaRPr lang="fr-FR" dirty="0"/>
+          </a:p>
+        </p:txBody>
+      </p:sp>
+      <p:sp>
+        <p:nvSpPr>
+          <p:cNvPr id="6" name="Content Placeholder 2">
+            <a:extLst>
+              <a:ext uri="{FF2B5EF4-FFF2-40B4-BE49-F238E27FC236}">
+                <a16:creationId xmlns:a16="http://schemas.microsoft.com/office/drawing/2014/main" id="{5CE03A7A-F4C6-B799-B129-812DCBAE370C}"/>
+              </a:ext>
+            </a:extLst>
+          </p:cNvPr>
+          <p:cNvSpPr txBox="1">
+            <a:spLocks/>
+          </p:cNvSpPr>
+          <p:nvPr/>
+        </p:nvSpPr>
+        <p:spPr>
+          <a:xfrm>
+            <a:off x="448979" y="2221993"/>
+            <a:ext cx="8229600" cy="3145536"/>
+          </a:xfrm>
+          <a:prstGeom prst="rect">
+            <a:avLst/>
+          </a:prstGeom>
+        </p:spPr>
+        <p:txBody>
+          <a:bodyPr vert="horz" lIns="91440" tIns="45720" rIns="91440" bIns="45720" rtlCol="0">
+            <a:normAutofit/>
+          </a:bodyPr>
+          <a:lstStyle>
+            <a:lvl1pPr marL="0" indent="0" algn="ctr" defTabSz="457200" rtl="0" eaLnBrk="1" latinLnBrk="0" hangingPunct="1">
+              <a:spcBef>
+                <a:spcPct val="20000"/>
+              </a:spcBef>
+              <a:buFont typeface="Arial"/>
+              <a:buNone/>
+              <a:defRPr sz="3200" kern="1200">
+                <a:solidFill>
+                  <a:schemeClr val="tx1">
+                    <a:tint val="75000"/>
+                  </a:schemeClr>
+                </a:solidFill>
+                <a:latin typeface="+mn-lt"/>
+                <a:ea typeface="+mn-ea"/>
+                <a:cs typeface="+mn-cs"/>
+              </a:defRPr>
+            </a:lvl1pPr>
+            <a:lvl2pPr marL="457200" indent="0" algn="ctr" defTabSz="457200" rtl="0" eaLnBrk="1" latinLnBrk="0" hangingPunct="1">
+              <a:spcBef>
+                <a:spcPct val="20000"/>
+              </a:spcBef>
+              <a:buFont typeface="Arial"/>
+              <a:buNone/>
+              <a:defRPr sz="2800" kern="1200">
+                <a:solidFill>
+                  <a:schemeClr val="tx1">
+                    <a:tint val="75000"/>
+                  </a:schemeClr>
+                </a:solidFill>
+                <a:latin typeface="+mn-lt"/>
+                <a:ea typeface="+mn-ea"/>
+                <a:cs typeface="+mn-cs"/>
+              </a:defRPr>
+            </a:lvl2pPr>
+            <a:lvl3pPr marL="914400" indent="0" algn="ctr" defTabSz="457200" rtl="0" eaLnBrk="1" latinLnBrk="0" hangingPunct="1">
+              <a:spcBef>
+                <a:spcPct val="20000"/>
+              </a:spcBef>
+              <a:buFont typeface="Arial"/>
+              <a:buNone/>
+              <a:defRPr sz="2400" kern="1200">
+                <a:solidFill>
+                  <a:schemeClr val="tx1">
+                    <a:tint val="75000"/>
+                  </a:schemeClr>
+                </a:solidFill>
+                <a:latin typeface="+mn-lt"/>
+                <a:ea typeface="+mn-ea"/>
+                <a:cs typeface="+mn-cs"/>
+              </a:defRPr>
+            </a:lvl3pPr>
+            <a:lvl4pPr marL="1371600" indent="0" algn="ctr" defTabSz="457200" rtl="0" eaLnBrk="1" latinLnBrk="0" hangingPunct="1">
+              <a:spcBef>
+                <a:spcPct val="20000"/>
+              </a:spcBef>
+              <a:buFont typeface="Arial"/>
+              <a:buNone/>
+              <a:defRPr sz="2000" kern="1200">
+                <a:solidFill>
+                  <a:schemeClr val="tx1">
+                    <a:tint val="75000"/>
+                  </a:schemeClr>
+                </a:solidFill>
+                <a:latin typeface="+mn-lt"/>
+                <a:ea typeface="+mn-ea"/>
+                <a:cs typeface="+mn-cs"/>
+              </a:defRPr>
+            </a:lvl4pPr>
+            <a:lvl5pPr marL="1828800" indent="0" algn="ctr" defTabSz="457200" rtl="0" eaLnBrk="1" latinLnBrk="0" hangingPunct="1">
+              <a:spcBef>
+                <a:spcPct val="20000"/>
+              </a:spcBef>
+              <a:buFont typeface="Arial"/>
+              <a:buNone/>
+              <a:defRPr sz="2000" kern="1200">
+                <a:solidFill>
+                  <a:schemeClr val="tx1">
+                    <a:tint val="75000"/>
+                  </a:schemeClr>
+                </a:solidFill>
+                <a:latin typeface="+mn-lt"/>
+                <a:ea typeface="+mn-ea"/>
+                <a:cs typeface="+mn-cs"/>
+              </a:defRPr>
+            </a:lvl5pPr>
+            <a:lvl6pPr marL="2286000" indent="0" algn="ctr" defTabSz="457200" rtl="0" eaLnBrk="1" latinLnBrk="0" hangingPunct="1">
+              <a:spcBef>
+                <a:spcPct val="20000"/>
+              </a:spcBef>
+              <a:buFont typeface="Arial"/>
+              <a:buNone/>
+              <a:defRPr sz="2000" kern="1200">
+                <a:solidFill>
+                  <a:schemeClr val="tx1">
+                    <a:tint val="75000"/>
+                  </a:schemeClr>
+                </a:solidFill>
+                <a:latin typeface="+mn-lt"/>
+                <a:ea typeface="+mn-ea"/>
+                <a:cs typeface="+mn-cs"/>
+              </a:defRPr>
+            </a:lvl6pPr>
+            <a:lvl7pPr marL="2743200" indent="0" algn="ctr" defTabSz="457200" rtl="0" eaLnBrk="1" latinLnBrk="0" hangingPunct="1">
+              <a:spcBef>
+                <a:spcPct val="20000"/>
+              </a:spcBef>
+              <a:buFont typeface="Arial"/>
+              <a:buNone/>
+              <a:defRPr sz="2000" kern="1200">
+                <a:solidFill>
+                  <a:schemeClr val="tx1">
+                    <a:tint val="75000"/>
+                  </a:schemeClr>
+                </a:solidFill>
+                <a:latin typeface="+mn-lt"/>
+                <a:ea typeface="+mn-ea"/>
+                <a:cs typeface="+mn-cs"/>
+              </a:defRPr>
+            </a:lvl7pPr>
+            <a:lvl8pPr marL="3200400" indent="0" algn="ctr" defTabSz="457200" rtl="0" eaLnBrk="1" latinLnBrk="0" hangingPunct="1">
+              <a:spcBef>
+                <a:spcPct val="20000"/>
+              </a:spcBef>
+              <a:buFont typeface="Arial"/>
+              <a:buNone/>
+              <a:defRPr sz="2000" kern="1200">
+                <a:solidFill>
+                  <a:schemeClr val="tx1">
+                    <a:tint val="75000"/>
+                  </a:schemeClr>
+                </a:solidFill>
+                <a:latin typeface="+mn-lt"/>
+                <a:ea typeface="+mn-ea"/>
+                <a:cs typeface="+mn-cs"/>
+              </a:defRPr>
+            </a:lvl8pPr>
+            <a:lvl9pPr marL="3657600" indent="0" algn="ctr" defTabSz="457200" rtl="0" eaLnBrk="1" latinLnBrk="0" hangingPunct="1">
+              <a:spcBef>
+                <a:spcPct val="20000"/>
+              </a:spcBef>
+              <a:buFont typeface="Arial"/>
+              <a:buNone/>
+              <a:defRPr sz="2000" kern="1200">
+                <a:solidFill>
+                  <a:schemeClr val="tx1">
+                    <a:tint val="75000"/>
+                  </a:schemeClr>
+                </a:solidFill>
+                <a:latin typeface="+mn-lt"/>
+                <a:ea typeface="+mn-ea"/>
+                <a:cs typeface="+mn-cs"/>
+              </a:defRPr>
+            </a:lvl9pPr>
+          </a:lstStyle>
+          <a:p>
+            <a:endParaRPr lang="fr-FR" dirty="0"/>
+          </a:p>
+        </p:txBody>
+      </p:sp>
+      <p:pic>
+        <p:nvPicPr>
+          <p:cNvPr id="3" name="Picture 2">
+            <a:extLst>
+              <a:ext uri="{FF2B5EF4-FFF2-40B4-BE49-F238E27FC236}">
+                <a16:creationId xmlns:a16="http://schemas.microsoft.com/office/drawing/2014/main" id="{F1C39E4C-798F-EA6F-7B37-3360C347671F}"/>
+              </a:ext>
+            </a:extLst>
+          </p:cNvPr>
+          <p:cNvPicPr>
+            <a:picLocks noChangeAspect="1"/>
+          </p:cNvPicPr>
+          <p:nvPr/>
+        </p:nvPicPr>
+        <p:blipFill>
+          <a:blip r:embed="rId2">
+            <a:extLst>
+              <a:ext uri="{BEBA8EAE-BF5A-486C-A8C5-ECC9F3942E4B}">
+                <a14:imgProps xmlns:a14="http://schemas.microsoft.com/office/drawing/2010/main">
+                  <a14:imgLayer r:embed="rId3">
+                    <a14:imgEffect>
+                      <a14:saturation sat="0"/>
+                    </a14:imgEffect>
+                  </a14:imgLayer>
+                </a14:imgProps>
+              </a:ext>
+            </a:extLst>
+          </a:blip>
+          <a:srcRect l="65947" r="3227" b="69068"/>
+          <a:stretch/>
+        </p:blipFill>
+        <p:spPr>
+          <a:xfrm>
+            <a:off x="7334411" y="23503"/>
+            <a:ext cx="1730697" cy="543598"/>
+          </a:xfrm>
+          <a:prstGeom prst="rect">
+            <a:avLst/>
+          </a:prstGeom>
+        </p:spPr>
+      </p:pic>
+      <p:pic>
+        <p:nvPicPr>
+          <p:cNvPr id="9" name="Picture 8">
+            <a:extLst>
+              <a:ext uri="{FF2B5EF4-FFF2-40B4-BE49-F238E27FC236}">
+                <a16:creationId xmlns:a16="http://schemas.microsoft.com/office/drawing/2014/main" id="{D9DF0F4F-40DB-1191-9359-C3E3C4A26555}"/>
+              </a:ext>
+            </a:extLst>
+          </p:cNvPr>
+          <p:cNvPicPr>
+            <a:picLocks noChangeAspect="1"/>
+          </p:cNvPicPr>
+          <p:nvPr/>
+        </p:nvPicPr>
+        <p:blipFill>
+          <a:blip r:embed="rId4">
+            <a:extLst>
+              <a:ext uri="{BEBA8EAE-BF5A-486C-A8C5-ECC9F3942E4B}">
+                <a14:imgProps xmlns:a14="http://schemas.microsoft.com/office/drawing/2010/main">
+                  <a14:imgLayer r:embed="rId5">
+                    <a14:imgEffect>
+                      <a14:saturation sat="0"/>
+                    </a14:imgEffect>
+                  </a14:imgLayer>
+                </a14:imgProps>
+              </a:ext>
+            </a:extLst>
+          </a:blip>
+          <a:srcRect r="42279"/>
+          <a:stretch/>
+        </p:blipFill>
+        <p:spPr>
+          <a:xfrm>
+            <a:off x="0" y="-4677"/>
+            <a:ext cx="1399032" cy="718345"/>
+          </a:xfrm>
+          <a:prstGeom prst="rect">
+            <a:avLst/>
+          </a:prstGeom>
+        </p:spPr>
+      </p:pic>
+      <p:sp>
+        <p:nvSpPr>
+          <p:cNvPr id="10" name="TextBox 9">
+            <a:extLst>
+              <a:ext uri="{FF2B5EF4-FFF2-40B4-BE49-F238E27FC236}">
+                <a16:creationId xmlns:a16="http://schemas.microsoft.com/office/drawing/2014/main" id="{0B408DF7-AD96-5A0E-733F-3E1BF741B430}"/>
+              </a:ext>
+            </a:extLst>
+          </p:cNvPr>
+          <p:cNvSpPr txBox="1"/>
+          <p:nvPr/>
+        </p:nvSpPr>
+        <p:spPr>
+          <a:xfrm>
+            <a:off x="8378594" y="6484966"/>
+            <a:ext cx="777770" cy="230832"/>
+          </a:xfrm>
+          <a:prstGeom prst="rect">
+            <a:avLst/>
+          </a:prstGeom>
+          <a:noFill/>
+        </p:spPr>
+        <p:txBody>
+          <a:bodyPr wrap="square" rtlCol="0">
+            <a:spAutoFit/>
+          </a:bodyPr>
+          <a:lstStyle/>
+          <a:p>
+            <a:r>
+              <a:rPr lang="en-US" sz="900" dirty="0">
+                <a:solidFill>
+                  <a:schemeClr val="bg1">
+                    <a:lumMod val="65000"/>
+                  </a:schemeClr>
+                </a:solidFill>
+              </a:rPr>
+              <a:t>10/06/2025</a:t>
+            </a:r>
+            <a:endParaRPr lang="fr-FR" sz="900" dirty="0">
+              <a:solidFill>
+                <a:schemeClr val="bg1">
+                  <a:lumMod val="65000"/>
+                </a:schemeClr>
+              </a:solidFill>
+            </a:endParaRPr>
+          </a:p>
+        </p:txBody>
+      </p:sp>
+      <p:pic>
+        <p:nvPicPr>
+          <p:cNvPr id="8194" name="Picture 2">
+            <a:extLst>
+              <a:ext uri="{FF2B5EF4-FFF2-40B4-BE49-F238E27FC236}">
+                <a16:creationId xmlns:a16="http://schemas.microsoft.com/office/drawing/2014/main" id="{48BA7E06-235D-7777-DFCC-5CBB3BBDC0AA}"/>
+              </a:ext>
+            </a:extLst>
+          </p:cNvPr>
+          <p:cNvPicPr>
+            <a:picLocks noChangeAspect="1" noChangeArrowheads="1"/>
+          </p:cNvPicPr>
+          <p:nvPr/>
+        </p:nvPicPr>
+        <p:blipFill>
+          <a:blip r:embed="rId6">
+            <a:extLst>
+              <a:ext uri="{28A0092B-C50C-407E-A947-70E740481C1C}">
+                <a14:useLocalDpi xmlns:a14="http://schemas.microsoft.com/office/drawing/2010/main" val="0"/>
+              </a:ext>
+            </a:extLst>
+          </a:blip>
+          <a:srcRect/>
+          <a:stretch>
+            <a:fillRect/>
+          </a:stretch>
+        </p:blipFill>
+        <p:spPr bwMode="auto">
+          <a:xfrm>
+            <a:off x="699516" y="2221993"/>
+            <a:ext cx="5123468" cy="3858285"/>
+          </a:xfrm>
+          <a:prstGeom prst="rect">
+            <a:avLst/>
+          </a:prstGeom>
+          <a:noFill/>
+          <a:extLst>
+            <a:ext uri="{909E8E84-426E-40DD-AFC4-6F175D3DCCD1}">
+              <a14:hiddenFill xmlns:a14="http://schemas.microsoft.com/office/drawing/2010/main">
+                <a:solidFill>
+                  <a:srgbClr val="FFFFFF"/>
+                </a:solidFill>
+              </a14:hiddenFill>
+            </a:ext>
+          </a:extLst>
+        </p:spPr>
+      </p:pic>
+      <p:pic>
+        <p:nvPicPr>
+          <p:cNvPr id="8196" name="Picture 4">
+            <a:extLst>
+              <a:ext uri="{FF2B5EF4-FFF2-40B4-BE49-F238E27FC236}">
+                <a16:creationId xmlns:a16="http://schemas.microsoft.com/office/drawing/2014/main" id="{4F8C7DFF-C2F5-F1AA-B306-42A06563EEB4}"/>
+              </a:ext>
+            </a:extLst>
+          </p:cNvPr>
+          <p:cNvPicPr>
+            <a:picLocks noChangeAspect="1" noChangeArrowheads="1"/>
+          </p:cNvPicPr>
+          <p:nvPr/>
+        </p:nvPicPr>
+        <p:blipFill>
+          <a:blip r:embed="rId7">
+            <a:extLst>
+              <a:ext uri="{28A0092B-C50C-407E-A947-70E740481C1C}">
+                <a14:useLocalDpi xmlns:a14="http://schemas.microsoft.com/office/drawing/2010/main" val="0"/>
+              </a:ext>
+            </a:extLst>
+          </a:blip>
+          <a:srcRect/>
+          <a:stretch>
+            <a:fillRect/>
+          </a:stretch>
+        </p:blipFill>
+        <p:spPr bwMode="auto">
+          <a:xfrm>
+            <a:off x="6014754" y="2254446"/>
+            <a:ext cx="2752725" cy="2543175"/>
+          </a:xfrm>
+          <a:prstGeom prst="rect">
+            <a:avLst/>
+          </a:prstGeom>
+          <a:noFill/>
+          <a:extLst>
+            <a:ext uri="{909E8E84-426E-40DD-AFC4-6F175D3DCCD1}">
+              <a14:hiddenFill xmlns:a14="http://schemas.microsoft.com/office/drawing/2010/main">
+                <a:solidFill>
+                  <a:srgbClr val="FFFFFF"/>
+                </a:solidFill>
+              </a14:hiddenFill>
+            </a:ext>
+          </a:extLst>
+        </p:spPr>
+      </p:pic>
+    </p:spTree>
+    <p:extLst>
+      <p:ext uri="{BB962C8B-B14F-4D97-AF65-F5344CB8AC3E}">
+        <p14:creationId xmlns:p14="http://schemas.microsoft.com/office/powerpoint/2010/main" val="2786136629"/>
+      </p:ext>
+    </p:extLst>
+  </p:cSld>
+  <p:clrMapOvr>
+    <a:masterClrMapping/>
+  </p:clrMapOvr>
+</p:sld>
+</file>
+
+<file path=ppt/slides/slide7.xml><?xml version="1.0" encoding="utf-8"?>
 <p:sld xmlns:a="http://schemas.openxmlformats.org/drawingml/2006/main" xmlns:r="http://schemas.openxmlformats.org/officeDocument/2006/relationships" xmlns:p="http://schemas.openxmlformats.org/presentationml/2006/main">
   <p:cSld>
     <p:spTree>
@@ -8705,7 +11639,7 @@
 </p:sld>
 </file>
 
-<file path=ppt/slides/slide6.xml><?xml version="1.0" encoding="utf-8"?>
+<file path=ppt/slides/slide8.xml><?xml version="1.0" encoding="utf-8"?>
 <p:sld xmlns:a="http://schemas.openxmlformats.org/drawingml/2006/main" xmlns:r="http://schemas.openxmlformats.org/officeDocument/2006/relationships" xmlns:p="http://schemas.openxmlformats.org/presentationml/2006/main">
   <p:cSld>
     <p:spTree>
@@ -9215,1189 +12149,57 @@
           </a:prstGeom>
         </p:spPr>
       </p:pic>
+      <p:pic>
+        <p:nvPicPr>
+          <p:cNvPr id="15362" name="Picture 2" descr="Iris Flower PNG Clipart​ | Gallery ...">
+            <a:extLst>
+              <a:ext uri="{FF2B5EF4-FFF2-40B4-BE49-F238E27FC236}">
+                <a16:creationId xmlns:a16="http://schemas.microsoft.com/office/drawing/2014/main" id="{75E0B21C-B77A-CD04-5E72-BBB94FD266B1}"/>
+              </a:ext>
+            </a:extLst>
+          </p:cNvPr>
+          <p:cNvPicPr>
+            <a:picLocks noChangeAspect="1" noChangeArrowheads="1"/>
+          </p:cNvPicPr>
+          <p:nvPr/>
+        </p:nvPicPr>
+        <p:blipFill>
+          <a:blip r:embed="rId7">
+            <a:extLst>
+              <a:ext uri="{28A0092B-C50C-407E-A947-70E740481C1C}">
+                <a14:useLocalDpi xmlns:a14="http://schemas.microsoft.com/office/drawing/2010/main" val="0"/>
+              </a:ext>
+            </a:extLst>
+          </a:blip>
+          <a:srcRect/>
+          <a:stretch>
+            <a:fillRect/>
+          </a:stretch>
+        </p:blipFill>
+        <p:spPr bwMode="auto">
+          <a:xfrm>
+            <a:off x="7178444" y="4579966"/>
+            <a:ext cx="2400300" cy="1905000"/>
+          </a:xfrm>
+          <a:prstGeom prst="rect">
+            <a:avLst/>
+          </a:prstGeom>
+          <a:noFill/>
+          <a:extLst>
+            <a:ext uri="{909E8E84-426E-40DD-AFC4-6F175D3DCCD1}">
+              <a14:hiddenFill xmlns:a14="http://schemas.microsoft.com/office/drawing/2010/main">
+                <a:solidFill>
+                  <a:srgbClr val="FFFFFF"/>
+                </a:solidFill>
+              </a14:hiddenFill>
+            </a:ext>
+          </a:extLst>
+        </p:spPr>
+      </p:pic>
     </p:spTree>
     <p:extLst>
       <p:ext uri="{BB962C8B-B14F-4D97-AF65-F5344CB8AC3E}">
         <p14:creationId xmlns:p14="http://schemas.microsoft.com/office/powerpoint/2010/main" val="2269608045"/>
-      </p:ext>
-    </p:extLst>
-  </p:cSld>
-  <p:clrMapOvr>
-    <a:masterClrMapping/>
-  </p:clrMapOvr>
-</p:sld>
-</file>
-
-<file path=ppt/slides/slide7.xml><?xml version="1.0" encoding="utf-8"?>
-<p:sld xmlns:a="http://schemas.openxmlformats.org/drawingml/2006/main" xmlns:r="http://schemas.openxmlformats.org/officeDocument/2006/relationships" xmlns:p="http://schemas.openxmlformats.org/presentationml/2006/main">
-  <p:cSld>
-    <p:spTree>
-      <p:nvGrpSpPr>
-        <p:cNvPr id="1" name="">
-          <a:extLst>
-            <a:ext uri="{FF2B5EF4-FFF2-40B4-BE49-F238E27FC236}">
-              <a16:creationId xmlns:a16="http://schemas.microsoft.com/office/drawing/2014/main" id="{CABC6440-A362-F816-919F-2E3F39142CDE}"/>
-            </a:ext>
-          </a:extLst>
-        </p:cNvPr>
-        <p:cNvGrpSpPr/>
-        <p:nvPr/>
-      </p:nvGrpSpPr>
-      <p:grpSpPr>
-        <a:xfrm>
-          <a:off x="0" y="0"/>
-          <a:ext cx="0" cy="0"/>
-          <a:chOff x="0" y="0"/>
-          <a:chExt cx="0" cy="0"/>
-        </a:xfrm>
-      </p:grpSpPr>
-      <p:sp>
-        <p:nvSpPr>
-          <p:cNvPr id="2" name="TextBox 1">
-            <a:extLst>
-              <a:ext uri="{FF2B5EF4-FFF2-40B4-BE49-F238E27FC236}">
-                <a16:creationId xmlns:a16="http://schemas.microsoft.com/office/drawing/2014/main" id="{2A1EBCA5-A58D-36F0-03EB-820382F61100}"/>
-              </a:ext>
-            </a:extLst>
-          </p:cNvPr>
-          <p:cNvSpPr txBox="1"/>
-          <p:nvPr/>
-        </p:nvSpPr>
-        <p:spPr>
-          <a:xfrm>
-            <a:off x="0" y="6484966"/>
-            <a:ext cx="2667762" cy="230832"/>
-          </a:xfrm>
-          <a:prstGeom prst="rect">
-            <a:avLst/>
-          </a:prstGeom>
-          <a:noFill/>
-        </p:spPr>
-        <p:txBody>
-          <a:bodyPr wrap="square" rtlCol="0">
-            <a:spAutoFit/>
-          </a:bodyPr>
-          <a:lstStyle/>
-          <a:p>
-            <a:r>
-              <a:rPr lang="en-US" sz="900" dirty="0">
-                <a:solidFill>
-                  <a:schemeClr val="bg1">
-                    <a:lumMod val="65000"/>
-                  </a:schemeClr>
-                </a:solidFill>
-              </a:rPr>
-              <a:t>Presented by: Redha &amp; Rooney</a:t>
-            </a:r>
-            <a:endParaRPr lang="fr-FR" sz="900" dirty="0">
-              <a:solidFill>
-                <a:schemeClr val="bg1">
-                  <a:lumMod val="65000"/>
-                </a:schemeClr>
-              </a:solidFill>
-            </a:endParaRPr>
-          </a:p>
-        </p:txBody>
-      </p:sp>
-      <p:sp>
-        <p:nvSpPr>
-          <p:cNvPr id="5" name="Title 1">
-            <a:extLst>
-              <a:ext uri="{FF2B5EF4-FFF2-40B4-BE49-F238E27FC236}">
-                <a16:creationId xmlns:a16="http://schemas.microsoft.com/office/drawing/2014/main" id="{A7078416-41A2-F672-24F4-801CEF45A08A}"/>
-              </a:ext>
-            </a:extLst>
-          </p:cNvPr>
-          <p:cNvSpPr txBox="1">
-            <a:spLocks/>
-          </p:cNvSpPr>
-          <p:nvPr/>
-        </p:nvSpPr>
-        <p:spPr>
-          <a:xfrm>
-            <a:off x="301752" y="1259605"/>
-            <a:ext cx="8229600" cy="1143000"/>
-          </a:xfrm>
-          <a:prstGeom prst="rect">
-            <a:avLst/>
-          </a:prstGeom>
-        </p:spPr>
-        <p:txBody>
-          <a:bodyPr vert="horz" lIns="91440" tIns="45720" rIns="91440" bIns="45720" rtlCol="0" anchor="ctr">
-            <a:normAutofit/>
-          </a:bodyPr>
-          <a:lstStyle>
-            <a:lvl1pPr algn="ctr" defTabSz="457200" rtl="0" eaLnBrk="1" latinLnBrk="0" hangingPunct="1">
-              <a:spcBef>
-                <a:spcPct val="0"/>
-              </a:spcBef>
-              <a:buNone/>
-              <a:defRPr sz="4400" kern="1200">
-                <a:solidFill>
-                  <a:schemeClr val="tx1"/>
-                </a:solidFill>
-                <a:latin typeface="+mj-lt"/>
-                <a:ea typeface="+mj-ea"/>
-                <a:cs typeface="+mj-cs"/>
-              </a:defRPr>
-            </a:lvl1pPr>
-          </a:lstStyle>
-          <a:p>
-            <a:pPr>
-              <a:lnSpc>
-                <a:spcPct val="150000"/>
-              </a:lnSpc>
-            </a:pPr>
-            <a:r>
-              <a:rPr lang="fr-FR" sz="4400" dirty="0"/>
-              <a:t>4. </a:t>
-            </a:r>
-            <a:r>
-              <a:rPr lang="fr-FR" sz="4400" b="1" dirty="0" err="1"/>
-              <a:t>Correlation</a:t>
-            </a:r>
-            <a:r>
-              <a:rPr lang="fr-FR" sz="4400" dirty="0"/>
-              <a:t> &amp; </a:t>
-            </a:r>
-            <a:r>
-              <a:rPr lang="fr-FR" sz="4400" dirty="0" err="1"/>
-              <a:t>Visualization</a:t>
-            </a:r>
-            <a:endParaRPr lang="fr-FR" sz="4400" dirty="0"/>
-          </a:p>
-        </p:txBody>
-      </p:sp>
-      <p:sp>
-        <p:nvSpPr>
-          <p:cNvPr id="6" name="Content Placeholder 2">
-            <a:extLst>
-              <a:ext uri="{FF2B5EF4-FFF2-40B4-BE49-F238E27FC236}">
-                <a16:creationId xmlns:a16="http://schemas.microsoft.com/office/drawing/2014/main" id="{93781824-5A96-4EB3-988A-493043741687}"/>
-              </a:ext>
-            </a:extLst>
-          </p:cNvPr>
-          <p:cNvSpPr txBox="1">
-            <a:spLocks/>
-          </p:cNvSpPr>
-          <p:nvPr/>
-        </p:nvSpPr>
-        <p:spPr>
-          <a:xfrm>
-            <a:off x="448979" y="2221993"/>
-            <a:ext cx="8229600" cy="3145536"/>
-          </a:xfrm>
-          <a:prstGeom prst="rect">
-            <a:avLst/>
-          </a:prstGeom>
-        </p:spPr>
-        <p:txBody>
-          <a:bodyPr vert="horz" lIns="91440" tIns="45720" rIns="91440" bIns="45720" rtlCol="0">
-            <a:normAutofit/>
-          </a:bodyPr>
-          <a:lstStyle>
-            <a:lvl1pPr marL="0" indent="0" algn="ctr" defTabSz="457200" rtl="0" eaLnBrk="1" latinLnBrk="0" hangingPunct="1">
-              <a:spcBef>
-                <a:spcPct val="20000"/>
-              </a:spcBef>
-              <a:buFont typeface="Arial"/>
-              <a:buNone/>
-              <a:defRPr sz="3200" kern="1200">
-                <a:solidFill>
-                  <a:schemeClr val="tx1">
-                    <a:tint val="75000"/>
-                  </a:schemeClr>
-                </a:solidFill>
-                <a:latin typeface="+mn-lt"/>
-                <a:ea typeface="+mn-ea"/>
-                <a:cs typeface="+mn-cs"/>
-              </a:defRPr>
-            </a:lvl1pPr>
-            <a:lvl2pPr marL="457200" indent="0" algn="ctr" defTabSz="457200" rtl="0" eaLnBrk="1" latinLnBrk="0" hangingPunct="1">
-              <a:spcBef>
-                <a:spcPct val="20000"/>
-              </a:spcBef>
-              <a:buFont typeface="Arial"/>
-              <a:buNone/>
-              <a:defRPr sz="2800" kern="1200">
-                <a:solidFill>
-                  <a:schemeClr val="tx1">
-                    <a:tint val="75000"/>
-                  </a:schemeClr>
-                </a:solidFill>
-                <a:latin typeface="+mn-lt"/>
-                <a:ea typeface="+mn-ea"/>
-                <a:cs typeface="+mn-cs"/>
-              </a:defRPr>
-            </a:lvl2pPr>
-            <a:lvl3pPr marL="914400" indent="0" algn="ctr" defTabSz="457200" rtl="0" eaLnBrk="1" latinLnBrk="0" hangingPunct="1">
-              <a:spcBef>
-                <a:spcPct val="20000"/>
-              </a:spcBef>
-              <a:buFont typeface="Arial"/>
-              <a:buNone/>
-              <a:defRPr sz="2400" kern="1200">
-                <a:solidFill>
-                  <a:schemeClr val="tx1">
-                    <a:tint val="75000"/>
-                  </a:schemeClr>
-                </a:solidFill>
-                <a:latin typeface="+mn-lt"/>
-                <a:ea typeface="+mn-ea"/>
-                <a:cs typeface="+mn-cs"/>
-              </a:defRPr>
-            </a:lvl3pPr>
-            <a:lvl4pPr marL="1371600" indent="0" algn="ctr" defTabSz="457200" rtl="0" eaLnBrk="1" latinLnBrk="0" hangingPunct="1">
-              <a:spcBef>
-                <a:spcPct val="20000"/>
-              </a:spcBef>
-              <a:buFont typeface="Arial"/>
-              <a:buNone/>
-              <a:defRPr sz="2000" kern="1200">
-                <a:solidFill>
-                  <a:schemeClr val="tx1">
-                    <a:tint val="75000"/>
-                  </a:schemeClr>
-                </a:solidFill>
-                <a:latin typeface="+mn-lt"/>
-                <a:ea typeface="+mn-ea"/>
-                <a:cs typeface="+mn-cs"/>
-              </a:defRPr>
-            </a:lvl4pPr>
-            <a:lvl5pPr marL="1828800" indent="0" algn="ctr" defTabSz="457200" rtl="0" eaLnBrk="1" latinLnBrk="0" hangingPunct="1">
-              <a:spcBef>
-                <a:spcPct val="20000"/>
-              </a:spcBef>
-              <a:buFont typeface="Arial"/>
-              <a:buNone/>
-              <a:defRPr sz="2000" kern="1200">
-                <a:solidFill>
-                  <a:schemeClr val="tx1">
-                    <a:tint val="75000"/>
-                  </a:schemeClr>
-                </a:solidFill>
-                <a:latin typeface="+mn-lt"/>
-                <a:ea typeface="+mn-ea"/>
-                <a:cs typeface="+mn-cs"/>
-              </a:defRPr>
-            </a:lvl5pPr>
-            <a:lvl6pPr marL="2286000" indent="0" algn="ctr" defTabSz="457200" rtl="0" eaLnBrk="1" latinLnBrk="0" hangingPunct="1">
-              <a:spcBef>
-                <a:spcPct val="20000"/>
-              </a:spcBef>
-              <a:buFont typeface="Arial"/>
-              <a:buNone/>
-              <a:defRPr sz="2000" kern="1200">
-                <a:solidFill>
-                  <a:schemeClr val="tx1">
-                    <a:tint val="75000"/>
-                  </a:schemeClr>
-                </a:solidFill>
-                <a:latin typeface="+mn-lt"/>
-                <a:ea typeface="+mn-ea"/>
-                <a:cs typeface="+mn-cs"/>
-              </a:defRPr>
-            </a:lvl6pPr>
-            <a:lvl7pPr marL="2743200" indent="0" algn="ctr" defTabSz="457200" rtl="0" eaLnBrk="1" latinLnBrk="0" hangingPunct="1">
-              <a:spcBef>
-                <a:spcPct val="20000"/>
-              </a:spcBef>
-              <a:buFont typeface="Arial"/>
-              <a:buNone/>
-              <a:defRPr sz="2000" kern="1200">
-                <a:solidFill>
-                  <a:schemeClr val="tx1">
-                    <a:tint val="75000"/>
-                  </a:schemeClr>
-                </a:solidFill>
-                <a:latin typeface="+mn-lt"/>
-                <a:ea typeface="+mn-ea"/>
-                <a:cs typeface="+mn-cs"/>
-              </a:defRPr>
-            </a:lvl7pPr>
-            <a:lvl8pPr marL="3200400" indent="0" algn="ctr" defTabSz="457200" rtl="0" eaLnBrk="1" latinLnBrk="0" hangingPunct="1">
-              <a:spcBef>
-                <a:spcPct val="20000"/>
-              </a:spcBef>
-              <a:buFont typeface="Arial"/>
-              <a:buNone/>
-              <a:defRPr sz="2000" kern="1200">
-                <a:solidFill>
-                  <a:schemeClr val="tx1">
-                    <a:tint val="75000"/>
-                  </a:schemeClr>
-                </a:solidFill>
-                <a:latin typeface="+mn-lt"/>
-                <a:ea typeface="+mn-ea"/>
-                <a:cs typeface="+mn-cs"/>
-              </a:defRPr>
-            </a:lvl8pPr>
-            <a:lvl9pPr marL="3657600" indent="0" algn="ctr" defTabSz="457200" rtl="0" eaLnBrk="1" latinLnBrk="0" hangingPunct="1">
-              <a:spcBef>
-                <a:spcPct val="20000"/>
-              </a:spcBef>
-              <a:buFont typeface="Arial"/>
-              <a:buNone/>
-              <a:defRPr sz="2000" kern="1200">
-                <a:solidFill>
-                  <a:schemeClr val="tx1">
-                    <a:tint val="75000"/>
-                  </a:schemeClr>
-                </a:solidFill>
-                <a:latin typeface="+mn-lt"/>
-                <a:ea typeface="+mn-ea"/>
-                <a:cs typeface="+mn-cs"/>
-              </a:defRPr>
-            </a:lvl9pPr>
-          </a:lstStyle>
-          <a:p>
-            <a:endParaRPr lang="fr-FR" dirty="0"/>
-          </a:p>
-        </p:txBody>
-      </p:sp>
-      <p:pic>
-        <p:nvPicPr>
-          <p:cNvPr id="3" name="Picture 2">
-            <a:extLst>
-              <a:ext uri="{FF2B5EF4-FFF2-40B4-BE49-F238E27FC236}">
-                <a16:creationId xmlns:a16="http://schemas.microsoft.com/office/drawing/2014/main" id="{7F329DA3-EAA6-34BA-82AD-3A0448521427}"/>
-              </a:ext>
-            </a:extLst>
-          </p:cNvPr>
-          <p:cNvPicPr>
-            <a:picLocks noChangeAspect="1"/>
-          </p:cNvPicPr>
-          <p:nvPr/>
-        </p:nvPicPr>
-        <p:blipFill>
-          <a:blip r:embed="rId2">
-            <a:extLst>
-              <a:ext uri="{BEBA8EAE-BF5A-486C-A8C5-ECC9F3942E4B}">
-                <a14:imgProps xmlns:a14="http://schemas.microsoft.com/office/drawing/2010/main">
-                  <a14:imgLayer r:embed="rId3">
-                    <a14:imgEffect>
-                      <a14:saturation sat="0"/>
-                    </a14:imgEffect>
-                  </a14:imgLayer>
-                </a14:imgProps>
-              </a:ext>
-            </a:extLst>
-          </a:blip>
-          <a:srcRect l="65947" r="3227" b="69068"/>
-          <a:stretch/>
-        </p:blipFill>
-        <p:spPr>
-          <a:xfrm>
-            <a:off x="7334411" y="23503"/>
-            <a:ext cx="1730697" cy="543598"/>
-          </a:xfrm>
-          <a:prstGeom prst="rect">
-            <a:avLst/>
-          </a:prstGeom>
-        </p:spPr>
-      </p:pic>
-      <p:pic>
-        <p:nvPicPr>
-          <p:cNvPr id="9" name="Picture 8">
-            <a:extLst>
-              <a:ext uri="{FF2B5EF4-FFF2-40B4-BE49-F238E27FC236}">
-                <a16:creationId xmlns:a16="http://schemas.microsoft.com/office/drawing/2014/main" id="{C47F032F-0F0B-1D14-33A9-5EAEAF007684}"/>
-              </a:ext>
-            </a:extLst>
-          </p:cNvPr>
-          <p:cNvPicPr>
-            <a:picLocks noChangeAspect="1"/>
-          </p:cNvPicPr>
-          <p:nvPr/>
-        </p:nvPicPr>
-        <p:blipFill>
-          <a:blip r:embed="rId4">
-            <a:extLst>
-              <a:ext uri="{BEBA8EAE-BF5A-486C-A8C5-ECC9F3942E4B}">
-                <a14:imgProps xmlns:a14="http://schemas.microsoft.com/office/drawing/2010/main">
-                  <a14:imgLayer r:embed="rId5">
-                    <a14:imgEffect>
-                      <a14:saturation sat="0"/>
-                    </a14:imgEffect>
-                  </a14:imgLayer>
-                </a14:imgProps>
-              </a:ext>
-            </a:extLst>
-          </a:blip>
-          <a:srcRect r="42279"/>
-          <a:stretch/>
-        </p:blipFill>
-        <p:spPr>
-          <a:xfrm>
-            <a:off x="0" y="-4677"/>
-            <a:ext cx="1399032" cy="718345"/>
-          </a:xfrm>
-          <a:prstGeom prst="rect">
-            <a:avLst/>
-          </a:prstGeom>
-        </p:spPr>
-      </p:pic>
-      <p:sp>
-        <p:nvSpPr>
-          <p:cNvPr id="10" name="TextBox 9">
-            <a:extLst>
-              <a:ext uri="{FF2B5EF4-FFF2-40B4-BE49-F238E27FC236}">
-                <a16:creationId xmlns:a16="http://schemas.microsoft.com/office/drawing/2014/main" id="{49B02DD3-19A9-71F4-73AD-7F47D0EA14BF}"/>
-              </a:ext>
-            </a:extLst>
-          </p:cNvPr>
-          <p:cNvSpPr txBox="1"/>
-          <p:nvPr/>
-        </p:nvSpPr>
-        <p:spPr>
-          <a:xfrm>
-            <a:off x="8378594" y="6484966"/>
-            <a:ext cx="777770" cy="230832"/>
-          </a:xfrm>
-          <a:prstGeom prst="rect">
-            <a:avLst/>
-          </a:prstGeom>
-          <a:noFill/>
-        </p:spPr>
-        <p:txBody>
-          <a:bodyPr wrap="square" rtlCol="0">
-            <a:spAutoFit/>
-          </a:bodyPr>
-          <a:lstStyle/>
-          <a:p>
-            <a:r>
-              <a:rPr lang="en-US" sz="900" dirty="0">
-                <a:solidFill>
-                  <a:schemeClr val="bg1">
-                    <a:lumMod val="65000"/>
-                  </a:schemeClr>
-                </a:solidFill>
-              </a:rPr>
-              <a:t>10/06/2025</a:t>
-            </a:r>
-            <a:endParaRPr lang="fr-FR" sz="900" dirty="0">
-              <a:solidFill>
-                <a:schemeClr val="bg1">
-                  <a:lumMod val="65000"/>
-                </a:schemeClr>
-              </a:solidFill>
-            </a:endParaRPr>
-          </a:p>
-        </p:txBody>
-      </p:sp>
-      <p:pic>
-        <p:nvPicPr>
-          <p:cNvPr id="7" name="Picture 6">
-            <a:extLst>
-              <a:ext uri="{FF2B5EF4-FFF2-40B4-BE49-F238E27FC236}">
-                <a16:creationId xmlns:a16="http://schemas.microsoft.com/office/drawing/2014/main" id="{4EBE4DDC-8E53-01A7-477B-AE212076AD9B}"/>
-              </a:ext>
-            </a:extLst>
-          </p:cNvPr>
-          <p:cNvPicPr>
-            <a:picLocks noChangeAspect="1"/>
-          </p:cNvPicPr>
-          <p:nvPr/>
-        </p:nvPicPr>
-        <p:blipFill>
-          <a:blip r:embed="rId6"/>
-          <a:stretch>
-            <a:fillRect/>
-          </a:stretch>
-        </p:blipFill>
-        <p:spPr>
-          <a:xfrm>
-            <a:off x="1231446" y="3292367"/>
-            <a:ext cx="7581419" cy="1143000"/>
-          </a:xfrm>
-          <a:prstGeom prst="rect">
-            <a:avLst/>
-          </a:prstGeom>
-        </p:spPr>
-      </p:pic>
-      <p:sp>
-        <p:nvSpPr>
-          <p:cNvPr id="8" name="Arrow: Down 7">
-            <a:extLst>
-              <a:ext uri="{FF2B5EF4-FFF2-40B4-BE49-F238E27FC236}">
-                <a16:creationId xmlns:a16="http://schemas.microsoft.com/office/drawing/2014/main" id="{BFDC89A3-E261-3AC0-D913-DECD8F149D92}"/>
-              </a:ext>
-            </a:extLst>
-          </p:cNvPr>
-          <p:cNvSpPr/>
-          <p:nvPr/>
-        </p:nvSpPr>
-        <p:spPr>
-          <a:xfrm rot="10800000">
-            <a:off x="6637061" y="4690609"/>
-            <a:ext cx="475488" cy="421677"/>
-          </a:xfrm>
-          <a:prstGeom prst="downArrow">
-            <a:avLst/>
-          </a:prstGeom>
-        </p:spPr>
-        <p:style>
-          <a:lnRef idx="1">
-            <a:schemeClr val="accent1"/>
-          </a:lnRef>
-          <a:fillRef idx="3">
-            <a:schemeClr val="accent1"/>
-          </a:fillRef>
-          <a:effectRef idx="2">
-            <a:schemeClr val="accent1"/>
-          </a:effectRef>
-          <a:fontRef idx="minor">
-            <a:schemeClr val="lt1"/>
-          </a:fontRef>
-        </p:style>
-        <p:txBody>
-          <a:bodyPr rtlCol="0" anchor="ctr"/>
-          <a:lstStyle/>
-          <a:p>
-            <a:pPr algn="ctr"/>
-            <a:endParaRPr lang="fr-FR"/>
-          </a:p>
-        </p:txBody>
-      </p:sp>
-      <p:cxnSp>
-        <p:nvCxnSpPr>
-          <p:cNvPr id="13" name="Straight Connector 12">
-            <a:extLst>
-              <a:ext uri="{FF2B5EF4-FFF2-40B4-BE49-F238E27FC236}">
-                <a16:creationId xmlns:a16="http://schemas.microsoft.com/office/drawing/2014/main" id="{81D4A89D-D364-51A5-CB9F-0A54E73C17B9}"/>
-              </a:ext>
-            </a:extLst>
-          </p:cNvPr>
-          <p:cNvCxnSpPr/>
-          <p:nvPr/>
-        </p:nvCxnSpPr>
-        <p:spPr>
-          <a:xfrm>
-            <a:off x="6637059" y="4508519"/>
-            <a:ext cx="475489" cy="0"/>
-          </a:xfrm>
-          <a:prstGeom prst="line">
-            <a:avLst/>
-          </a:prstGeom>
-        </p:spPr>
-        <p:style>
-          <a:lnRef idx="2">
-            <a:schemeClr val="accent1"/>
-          </a:lnRef>
-          <a:fillRef idx="0">
-            <a:schemeClr val="accent1"/>
-          </a:fillRef>
-          <a:effectRef idx="1">
-            <a:schemeClr val="accent1"/>
-          </a:effectRef>
-          <a:fontRef idx="minor">
-            <a:schemeClr val="tx1"/>
-          </a:fontRef>
-        </p:style>
-      </p:cxnSp>
-    </p:spTree>
-    <p:extLst>
-      <p:ext uri="{BB962C8B-B14F-4D97-AF65-F5344CB8AC3E}">
-        <p14:creationId xmlns:p14="http://schemas.microsoft.com/office/powerpoint/2010/main" val="2697437620"/>
-      </p:ext>
-    </p:extLst>
-  </p:cSld>
-  <p:clrMapOvr>
-    <a:masterClrMapping/>
-  </p:clrMapOvr>
-</p:sld>
-</file>
-
-<file path=ppt/slides/slide8.xml><?xml version="1.0" encoding="utf-8"?>
-<p:sld xmlns:a="http://schemas.openxmlformats.org/drawingml/2006/main" xmlns:r="http://schemas.openxmlformats.org/officeDocument/2006/relationships" xmlns:p="http://schemas.openxmlformats.org/presentationml/2006/main">
-  <p:cSld>
-    <p:spTree>
-      <p:nvGrpSpPr>
-        <p:cNvPr id="1" name="">
-          <a:extLst>
-            <a:ext uri="{FF2B5EF4-FFF2-40B4-BE49-F238E27FC236}">
-              <a16:creationId xmlns:a16="http://schemas.microsoft.com/office/drawing/2014/main" id="{A536CFE0-78F6-ACEB-F263-6330B42CFC12}"/>
-            </a:ext>
-          </a:extLst>
-        </p:cNvPr>
-        <p:cNvGrpSpPr/>
-        <p:nvPr/>
-      </p:nvGrpSpPr>
-      <p:grpSpPr>
-        <a:xfrm>
-          <a:off x="0" y="0"/>
-          <a:ext cx="0" cy="0"/>
-          <a:chOff x="0" y="0"/>
-          <a:chExt cx="0" cy="0"/>
-        </a:xfrm>
-      </p:grpSpPr>
-      <p:sp>
-        <p:nvSpPr>
-          <p:cNvPr id="2" name="TextBox 1">
-            <a:extLst>
-              <a:ext uri="{FF2B5EF4-FFF2-40B4-BE49-F238E27FC236}">
-                <a16:creationId xmlns:a16="http://schemas.microsoft.com/office/drawing/2014/main" id="{6E6CD962-8701-02AA-C37F-961A9B9CA54D}"/>
-              </a:ext>
-            </a:extLst>
-          </p:cNvPr>
-          <p:cNvSpPr txBox="1"/>
-          <p:nvPr/>
-        </p:nvSpPr>
-        <p:spPr>
-          <a:xfrm>
-            <a:off x="0" y="6484966"/>
-            <a:ext cx="2667762" cy="230832"/>
-          </a:xfrm>
-          <a:prstGeom prst="rect">
-            <a:avLst/>
-          </a:prstGeom>
-          <a:noFill/>
-        </p:spPr>
-        <p:txBody>
-          <a:bodyPr wrap="square" rtlCol="0">
-            <a:spAutoFit/>
-          </a:bodyPr>
-          <a:lstStyle/>
-          <a:p>
-            <a:r>
-              <a:rPr lang="en-US" sz="900" dirty="0">
-                <a:solidFill>
-                  <a:schemeClr val="bg1">
-                    <a:lumMod val="65000"/>
-                  </a:schemeClr>
-                </a:solidFill>
-              </a:rPr>
-              <a:t>Presented by: Redha &amp; Rooney</a:t>
-            </a:r>
-            <a:endParaRPr lang="fr-FR" sz="900" dirty="0">
-              <a:solidFill>
-                <a:schemeClr val="bg1">
-                  <a:lumMod val="65000"/>
-                </a:schemeClr>
-              </a:solidFill>
-            </a:endParaRPr>
-          </a:p>
-        </p:txBody>
-      </p:sp>
-      <p:sp>
-        <p:nvSpPr>
-          <p:cNvPr id="5" name="Title 1">
-            <a:extLst>
-              <a:ext uri="{FF2B5EF4-FFF2-40B4-BE49-F238E27FC236}">
-                <a16:creationId xmlns:a16="http://schemas.microsoft.com/office/drawing/2014/main" id="{038DE911-3487-7F50-9474-492101EFA8D6}"/>
-              </a:ext>
-            </a:extLst>
-          </p:cNvPr>
-          <p:cNvSpPr txBox="1">
-            <a:spLocks/>
-          </p:cNvSpPr>
-          <p:nvPr/>
-        </p:nvSpPr>
-        <p:spPr>
-          <a:xfrm>
-            <a:off x="301752" y="-246669"/>
-            <a:ext cx="8229600" cy="1143000"/>
-          </a:xfrm>
-          <a:prstGeom prst="rect">
-            <a:avLst/>
-          </a:prstGeom>
-        </p:spPr>
-        <p:txBody>
-          <a:bodyPr vert="horz" lIns="91440" tIns="45720" rIns="91440" bIns="45720" rtlCol="0" anchor="ctr">
-            <a:normAutofit/>
-          </a:bodyPr>
-          <a:lstStyle>
-            <a:lvl1pPr algn="ctr" defTabSz="457200" rtl="0" eaLnBrk="1" latinLnBrk="0" hangingPunct="1">
-              <a:spcBef>
-                <a:spcPct val="0"/>
-              </a:spcBef>
-              <a:buNone/>
-              <a:defRPr sz="4400" kern="1200">
-                <a:solidFill>
-                  <a:schemeClr val="tx1"/>
-                </a:solidFill>
-                <a:latin typeface="+mj-lt"/>
-                <a:ea typeface="+mj-ea"/>
-                <a:cs typeface="+mj-cs"/>
-              </a:defRPr>
-            </a:lvl1pPr>
-          </a:lstStyle>
-          <a:p>
-            <a:pPr>
-              <a:lnSpc>
-                <a:spcPct val="150000"/>
-              </a:lnSpc>
-            </a:pPr>
-            <a:r>
-              <a:rPr lang="fr-FR" sz="3600" dirty="0"/>
-              <a:t>4. </a:t>
-            </a:r>
-            <a:r>
-              <a:rPr lang="fr-FR" sz="3600" b="1" dirty="0" err="1"/>
-              <a:t>Correlation</a:t>
-            </a:r>
-            <a:r>
-              <a:rPr lang="fr-FR" sz="3600" dirty="0"/>
-              <a:t> &amp; </a:t>
-            </a:r>
-            <a:r>
-              <a:rPr lang="fr-FR" sz="3600" dirty="0" err="1"/>
-              <a:t>Visualization</a:t>
-            </a:r>
-            <a:endParaRPr lang="fr-FR" sz="3600" dirty="0"/>
-          </a:p>
-        </p:txBody>
-      </p:sp>
-      <p:sp>
-        <p:nvSpPr>
-          <p:cNvPr id="6" name="Content Placeholder 2">
-            <a:extLst>
-              <a:ext uri="{FF2B5EF4-FFF2-40B4-BE49-F238E27FC236}">
-                <a16:creationId xmlns:a16="http://schemas.microsoft.com/office/drawing/2014/main" id="{0F984603-1F15-D0FA-A15B-956EC4C32DFA}"/>
-              </a:ext>
-            </a:extLst>
-          </p:cNvPr>
-          <p:cNvSpPr txBox="1">
-            <a:spLocks/>
-          </p:cNvSpPr>
-          <p:nvPr/>
-        </p:nvSpPr>
-        <p:spPr>
-          <a:xfrm>
-            <a:off x="448979" y="2221993"/>
-            <a:ext cx="8229600" cy="3145536"/>
-          </a:xfrm>
-          <a:prstGeom prst="rect">
-            <a:avLst/>
-          </a:prstGeom>
-        </p:spPr>
-        <p:txBody>
-          <a:bodyPr vert="horz" lIns="91440" tIns="45720" rIns="91440" bIns="45720" rtlCol="0">
-            <a:normAutofit/>
-          </a:bodyPr>
-          <a:lstStyle>
-            <a:lvl1pPr marL="0" indent="0" algn="ctr" defTabSz="457200" rtl="0" eaLnBrk="1" latinLnBrk="0" hangingPunct="1">
-              <a:spcBef>
-                <a:spcPct val="20000"/>
-              </a:spcBef>
-              <a:buFont typeface="Arial"/>
-              <a:buNone/>
-              <a:defRPr sz="3200" kern="1200">
-                <a:solidFill>
-                  <a:schemeClr val="tx1">
-                    <a:tint val="75000"/>
-                  </a:schemeClr>
-                </a:solidFill>
-                <a:latin typeface="+mn-lt"/>
-                <a:ea typeface="+mn-ea"/>
-                <a:cs typeface="+mn-cs"/>
-              </a:defRPr>
-            </a:lvl1pPr>
-            <a:lvl2pPr marL="457200" indent="0" algn="ctr" defTabSz="457200" rtl="0" eaLnBrk="1" latinLnBrk="0" hangingPunct="1">
-              <a:spcBef>
-                <a:spcPct val="20000"/>
-              </a:spcBef>
-              <a:buFont typeface="Arial"/>
-              <a:buNone/>
-              <a:defRPr sz="2800" kern="1200">
-                <a:solidFill>
-                  <a:schemeClr val="tx1">
-                    <a:tint val="75000"/>
-                  </a:schemeClr>
-                </a:solidFill>
-                <a:latin typeface="+mn-lt"/>
-                <a:ea typeface="+mn-ea"/>
-                <a:cs typeface="+mn-cs"/>
-              </a:defRPr>
-            </a:lvl2pPr>
-            <a:lvl3pPr marL="914400" indent="0" algn="ctr" defTabSz="457200" rtl="0" eaLnBrk="1" latinLnBrk="0" hangingPunct="1">
-              <a:spcBef>
-                <a:spcPct val="20000"/>
-              </a:spcBef>
-              <a:buFont typeface="Arial"/>
-              <a:buNone/>
-              <a:defRPr sz="2400" kern="1200">
-                <a:solidFill>
-                  <a:schemeClr val="tx1">
-                    <a:tint val="75000"/>
-                  </a:schemeClr>
-                </a:solidFill>
-                <a:latin typeface="+mn-lt"/>
-                <a:ea typeface="+mn-ea"/>
-                <a:cs typeface="+mn-cs"/>
-              </a:defRPr>
-            </a:lvl3pPr>
-            <a:lvl4pPr marL="1371600" indent="0" algn="ctr" defTabSz="457200" rtl="0" eaLnBrk="1" latinLnBrk="0" hangingPunct="1">
-              <a:spcBef>
-                <a:spcPct val="20000"/>
-              </a:spcBef>
-              <a:buFont typeface="Arial"/>
-              <a:buNone/>
-              <a:defRPr sz="2000" kern="1200">
-                <a:solidFill>
-                  <a:schemeClr val="tx1">
-                    <a:tint val="75000"/>
-                  </a:schemeClr>
-                </a:solidFill>
-                <a:latin typeface="+mn-lt"/>
-                <a:ea typeface="+mn-ea"/>
-                <a:cs typeface="+mn-cs"/>
-              </a:defRPr>
-            </a:lvl4pPr>
-            <a:lvl5pPr marL="1828800" indent="0" algn="ctr" defTabSz="457200" rtl="0" eaLnBrk="1" latinLnBrk="0" hangingPunct="1">
-              <a:spcBef>
-                <a:spcPct val="20000"/>
-              </a:spcBef>
-              <a:buFont typeface="Arial"/>
-              <a:buNone/>
-              <a:defRPr sz="2000" kern="1200">
-                <a:solidFill>
-                  <a:schemeClr val="tx1">
-                    <a:tint val="75000"/>
-                  </a:schemeClr>
-                </a:solidFill>
-                <a:latin typeface="+mn-lt"/>
-                <a:ea typeface="+mn-ea"/>
-                <a:cs typeface="+mn-cs"/>
-              </a:defRPr>
-            </a:lvl5pPr>
-            <a:lvl6pPr marL="2286000" indent="0" algn="ctr" defTabSz="457200" rtl="0" eaLnBrk="1" latinLnBrk="0" hangingPunct="1">
-              <a:spcBef>
-                <a:spcPct val="20000"/>
-              </a:spcBef>
-              <a:buFont typeface="Arial"/>
-              <a:buNone/>
-              <a:defRPr sz="2000" kern="1200">
-                <a:solidFill>
-                  <a:schemeClr val="tx1">
-                    <a:tint val="75000"/>
-                  </a:schemeClr>
-                </a:solidFill>
-                <a:latin typeface="+mn-lt"/>
-                <a:ea typeface="+mn-ea"/>
-                <a:cs typeface="+mn-cs"/>
-              </a:defRPr>
-            </a:lvl6pPr>
-            <a:lvl7pPr marL="2743200" indent="0" algn="ctr" defTabSz="457200" rtl="0" eaLnBrk="1" latinLnBrk="0" hangingPunct="1">
-              <a:spcBef>
-                <a:spcPct val="20000"/>
-              </a:spcBef>
-              <a:buFont typeface="Arial"/>
-              <a:buNone/>
-              <a:defRPr sz="2000" kern="1200">
-                <a:solidFill>
-                  <a:schemeClr val="tx1">
-                    <a:tint val="75000"/>
-                  </a:schemeClr>
-                </a:solidFill>
-                <a:latin typeface="+mn-lt"/>
-                <a:ea typeface="+mn-ea"/>
-                <a:cs typeface="+mn-cs"/>
-              </a:defRPr>
-            </a:lvl7pPr>
-            <a:lvl8pPr marL="3200400" indent="0" algn="ctr" defTabSz="457200" rtl="0" eaLnBrk="1" latinLnBrk="0" hangingPunct="1">
-              <a:spcBef>
-                <a:spcPct val="20000"/>
-              </a:spcBef>
-              <a:buFont typeface="Arial"/>
-              <a:buNone/>
-              <a:defRPr sz="2000" kern="1200">
-                <a:solidFill>
-                  <a:schemeClr val="tx1">
-                    <a:tint val="75000"/>
-                  </a:schemeClr>
-                </a:solidFill>
-                <a:latin typeface="+mn-lt"/>
-                <a:ea typeface="+mn-ea"/>
-                <a:cs typeface="+mn-cs"/>
-              </a:defRPr>
-            </a:lvl8pPr>
-            <a:lvl9pPr marL="3657600" indent="0" algn="ctr" defTabSz="457200" rtl="0" eaLnBrk="1" latinLnBrk="0" hangingPunct="1">
-              <a:spcBef>
-                <a:spcPct val="20000"/>
-              </a:spcBef>
-              <a:buFont typeface="Arial"/>
-              <a:buNone/>
-              <a:defRPr sz="2000" kern="1200">
-                <a:solidFill>
-                  <a:schemeClr val="tx1">
-                    <a:tint val="75000"/>
-                  </a:schemeClr>
-                </a:solidFill>
-                <a:latin typeface="+mn-lt"/>
-                <a:ea typeface="+mn-ea"/>
-                <a:cs typeface="+mn-cs"/>
-              </a:defRPr>
-            </a:lvl9pPr>
-          </a:lstStyle>
-          <a:p>
-            <a:endParaRPr lang="fr-FR" dirty="0"/>
-          </a:p>
-        </p:txBody>
-      </p:sp>
-      <p:pic>
-        <p:nvPicPr>
-          <p:cNvPr id="3" name="Picture 2">
-            <a:extLst>
-              <a:ext uri="{FF2B5EF4-FFF2-40B4-BE49-F238E27FC236}">
-                <a16:creationId xmlns:a16="http://schemas.microsoft.com/office/drawing/2014/main" id="{245446D0-F3C7-373A-C433-EDD65A7589D6}"/>
-              </a:ext>
-            </a:extLst>
-          </p:cNvPr>
-          <p:cNvPicPr>
-            <a:picLocks noChangeAspect="1"/>
-          </p:cNvPicPr>
-          <p:nvPr/>
-        </p:nvPicPr>
-        <p:blipFill>
-          <a:blip r:embed="rId2">
-            <a:extLst>
-              <a:ext uri="{BEBA8EAE-BF5A-486C-A8C5-ECC9F3942E4B}">
-                <a14:imgProps xmlns:a14="http://schemas.microsoft.com/office/drawing/2010/main">
-                  <a14:imgLayer r:embed="rId3">
-                    <a14:imgEffect>
-                      <a14:saturation sat="0"/>
-                    </a14:imgEffect>
-                  </a14:imgLayer>
-                </a14:imgProps>
-              </a:ext>
-            </a:extLst>
-          </a:blip>
-          <a:srcRect l="65947" r="3227" b="69068"/>
-          <a:stretch/>
-        </p:blipFill>
-        <p:spPr>
-          <a:xfrm>
-            <a:off x="7334411" y="23503"/>
-            <a:ext cx="1730697" cy="543598"/>
-          </a:xfrm>
-          <a:prstGeom prst="rect">
-            <a:avLst/>
-          </a:prstGeom>
-        </p:spPr>
-      </p:pic>
-      <p:pic>
-        <p:nvPicPr>
-          <p:cNvPr id="9" name="Picture 8">
-            <a:extLst>
-              <a:ext uri="{FF2B5EF4-FFF2-40B4-BE49-F238E27FC236}">
-                <a16:creationId xmlns:a16="http://schemas.microsoft.com/office/drawing/2014/main" id="{01CF58E6-6A2E-86DB-E489-166414D36483}"/>
-              </a:ext>
-            </a:extLst>
-          </p:cNvPr>
-          <p:cNvPicPr>
-            <a:picLocks noChangeAspect="1"/>
-          </p:cNvPicPr>
-          <p:nvPr/>
-        </p:nvPicPr>
-        <p:blipFill>
-          <a:blip r:embed="rId4">
-            <a:extLst>
-              <a:ext uri="{BEBA8EAE-BF5A-486C-A8C5-ECC9F3942E4B}">
-                <a14:imgProps xmlns:a14="http://schemas.microsoft.com/office/drawing/2010/main">
-                  <a14:imgLayer r:embed="rId5">
-                    <a14:imgEffect>
-                      <a14:saturation sat="0"/>
-                    </a14:imgEffect>
-                  </a14:imgLayer>
-                </a14:imgProps>
-              </a:ext>
-            </a:extLst>
-          </a:blip>
-          <a:srcRect r="42279"/>
-          <a:stretch/>
-        </p:blipFill>
-        <p:spPr>
-          <a:xfrm>
-            <a:off x="0" y="-4677"/>
-            <a:ext cx="1399032" cy="718345"/>
-          </a:xfrm>
-          <a:prstGeom prst="rect">
-            <a:avLst/>
-          </a:prstGeom>
-        </p:spPr>
-      </p:pic>
-      <p:sp>
-        <p:nvSpPr>
-          <p:cNvPr id="10" name="TextBox 9">
-            <a:extLst>
-              <a:ext uri="{FF2B5EF4-FFF2-40B4-BE49-F238E27FC236}">
-                <a16:creationId xmlns:a16="http://schemas.microsoft.com/office/drawing/2014/main" id="{9CA80BAA-ED79-A191-B8CF-484E9E4A0003}"/>
-              </a:ext>
-            </a:extLst>
-          </p:cNvPr>
-          <p:cNvSpPr txBox="1"/>
-          <p:nvPr/>
-        </p:nvSpPr>
-        <p:spPr>
-          <a:xfrm>
-            <a:off x="8378594" y="6484966"/>
-            <a:ext cx="777770" cy="230832"/>
-          </a:xfrm>
-          <a:prstGeom prst="rect">
-            <a:avLst/>
-          </a:prstGeom>
-          <a:noFill/>
-        </p:spPr>
-        <p:txBody>
-          <a:bodyPr wrap="square" rtlCol="0">
-            <a:spAutoFit/>
-          </a:bodyPr>
-          <a:lstStyle/>
-          <a:p>
-            <a:r>
-              <a:rPr lang="en-US" sz="900" dirty="0">
-                <a:solidFill>
-                  <a:schemeClr val="bg1">
-                    <a:lumMod val="65000"/>
-                  </a:schemeClr>
-                </a:solidFill>
-              </a:rPr>
-              <a:t>10/06/2025</a:t>
-            </a:r>
-            <a:endParaRPr lang="fr-FR" sz="900" dirty="0">
-              <a:solidFill>
-                <a:schemeClr val="bg1">
-                  <a:lumMod val="65000"/>
-                </a:schemeClr>
-              </a:solidFill>
-            </a:endParaRPr>
-          </a:p>
-        </p:txBody>
-      </p:sp>
-      <p:pic>
-        <p:nvPicPr>
-          <p:cNvPr id="11" name="Picture 10">
-            <a:extLst>
-              <a:ext uri="{FF2B5EF4-FFF2-40B4-BE49-F238E27FC236}">
-                <a16:creationId xmlns:a16="http://schemas.microsoft.com/office/drawing/2014/main" id="{4917243A-8C6F-02CD-7822-F0D680E64A84}"/>
-              </a:ext>
-            </a:extLst>
-          </p:cNvPr>
-          <p:cNvPicPr>
-            <a:picLocks noChangeAspect="1"/>
-          </p:cNvPicPr>
-          <p:nvPr/>
-        </p:nvPicPr>
-        <p:blipFill>
-          <a:blip r:embed="rId6"/>
-          <a:stretch>
-            <a:fillRect/>
-          </a:stretch>
-        </p:blipFill>
-        <p:spPr>
-          <a:xfrm>
-            <a:off x="699516" y="1059769"/>
-            <a:ext cx="6277356" cy="5425197"/>
-          </a:xfrm>
-          <a:prstGeom prst="rect">
-            <a:avLst/>
-          </a:prstGeom>
-        </p:spPr>
-      </p:pic>
-      <p:sp>
-        <p:nvSpPr>
-          <p:cNvPr id="14" name="TextBox 13">
-            <a:extLst>
-              <a:ext uri="{FF2B5EF4-FFF2-40B4-BE49-F238E27FC236}">
-                <a16:creationId xmlns:a16="http://schemas.microsoft.com/office/drawing/2014/main" id="{DABD0E6A-75BE-8AD8-2338-E989235CF8D3}"/>
-              </a:ext>
-            </a:extLst>
-          </p:cNvPr>
-          <p:cNvSpPr txBox="1"/>
-          <p:nvPr/>
-        </p:nvSpPr>
-        <p:spPr>
-          <a:xfrm>
-            <a:off x="6872834" y="1892763"/>
-            <a:ext cx="2192274" cy="1754326"/>
-          </a:xfrm>
-          <a:prstGeom prst="rect">
-            <a:avLst/>
-          </a:prstGeom>
-          <a:noFill/>
-        </p:spPr>
-        <p:txBody>
-          <a:bodyPr wrap="square">
-            <a:spAutoFit/>
-          </a:bodyPr>
-          <a:lstStyle/>
-          <a:p>
-            <a:r>
-              <a:rPr lang="en-US" sz="1800" dirty="0"/>
-              <a:t>Correlation matrix: </a:t>
-            </a:r>
-          </a:p>
-          <a:p>
-            <a:r>
-              <a:rPr lang="en-US" sz="1800" dirty="0"/>
-              <a:t>Interpretation: </a:t>
-            </a:r>
-            <a:r>
-              <a:rPr lang="en-US" sz="1800" dirty="0" err="1"/>
-              <a:t>Petal.Length</a:t>
-            </a:r>
-            <a:r>
-              <a:rPr lang="en-US" sz="1800" dirty="0"/>
-              <a:t> and </a:t>
-            </a:r>
-            <a:r>
-              <a:rPr lang="en-US" sz="1800" dirty="0" err="1"/>
-              <a:t>Petal.Width</a:t>
-            </a:r>
-            <a:r>
-              <a:rPr lang="en-US" sz="1800" dirty="0"/>
-              <a:t> are strongly correlated</a:t>
-            </a:r>
-          </a:p>
-          <a:p>
-            <a:r>
-              <a:rPr lang="en-US" sz="1800" dirty="0"/>
-              <a:t> (r ≈ 0.96).</a:t>
-            </a:r>
-          </a:p>
-        </p:txBody>
-      </p:sp>
-      <p:sp>
-        <p:nvSpPr>
-          <p:cNvPr id="15" name="TextBox 14">
-            <a:extLst>
-              <a:ext uri="{FF2B5EF4-FFF2-40B4-BE49-F238E27FC236}">
-                <a16:creationId xmlns:a16="http://schemas.microsoft.com/office/drawing/2014/main" id="{A378C029-21AB-2135-66EC-D2CF9C7E733E}"/>
-              </a:ext>
-            </a:extLst>
-          </p:cNvPr>
-          <p:cNvSpPr txBox="1"/>
-          <p:nvPr/>
-        </p:nvSpPr>
-        <p:spPr>
-          <a:xfrm>
-            <a:off x="818388" y="5403027"/>
-            <a:ext cx="3598164" cy="523220"/>
-          </a:xfrm>
-          <a:prstGeom prst="rect">
-            <a:avLst/>
-          </a:prstGeom>
-          <a:noFill/>
-        </p:spPr>
-        <p:txBody>
-          <a:bodyPr wrap="square">
-            <a:spAutoFit/>
-          </a:bodyPr>
-          <a:lstStyle/>
-          <a:p>
-            <a:r>
-              <a:rPr lang="en-US" sz="2800" dirty="0"/>
-              <a:t>Correlation heatmap:</a:t>
-            </a:r>
-            <a:endParaRPr lang="fr-FR" sz="2800" dirty="0"/>
-          </a:p>
-        </p:txBody>
-      </p:sp>
-    </p:spTree>
-    <p:extLst>
-      <p:ext uri="{BB962C8B-B14F-4D97-AF65-F5344CB8AC3E}">
-        <p14:creationId xmlns:p14="http://schemas.microsoft.com/office/powerpoint/2010/main" val="2580665648"/>
       </p:ext>
     </p:extLst>
   </p:cSld>
@@ -10415,7 +12217,7 @@
         <p:cNvPr id="1" name="">
           <a:extLst>
             <a:ext uri="{FF2B5EF4-FFF2-40B4-BE49-F238E27FC236}">
-              <a16:creationId xmlns:a16="http://schemas.microsoft.com/office/drawing/2014/main" id="{D0F38A9B-5FD1-387D-3BB7-6C4E21D0FB32}"/>
+              <a16:creationId xmlns:a16="http://schemas.microsoft.com/office/drawing/2014/main" id="{F994C77E-ABDF-19BB-1385-65881A94B98D}"/>
             </a:ext>
           </a:extLst>
         </p:cNvPr>
@@ -10435,7 +12237,7 @@
           <p:cNvPr id="2" name="TextBox 1">
             <a:extLst>
               <a:ext uri="{FF2B5EF4-FFF2-40B4-BE49-F238E27FC236}">
-                <a16:creationId xmlns:a16="http://schemas.microsoft.com/office/drawing/2014/main" id="{069FDB1C-2DB9-D707-375B-E42090D62724}"/>
+                <a16:creationId xmlns:a16="http://schemas.microsoft.com/office/drawing/2014/main" id="{8560E663-AD44-D055-460F-FBB67F9CF299}"/>
               </a:ext>
             </a:extLst>
           </p:cNvPr>
@@ -10480,10 +12282,10 @@
       </p:sp>
       <p:sp>
         <p:nvSpPr>
-          <p:cNvPr id="6" name="Content Placeholder 2">
+          <p:cNvPr id="5" name="Title 1">
             <a:extLst>
               <a:ext uri="{FF2B5EF4-FFF2-40B4-BE49-F238E27FC236}">
-                <a16:creationId xmlns:a16="http://schemas.microsoft.com/office/drawing/2014/main" id="{51FDD156-9B02-6F05-A7D5-CC3F46B2356F}"/>
+                <a16:creationId xmlns:a16="http://schemas.microsoft.com/office/drawing/2014/main" id="{E6AF4CD1-BA29-91C4-BF9F-8637BC988766}"/>
               </a:ext>
             </a:extLst>
           </p:cNvPr>
@@ -10494,6 +12296,73 @@
         </p:nvSpPr>
         <p:spPr>
           <a:xfrm>
+            <a:off x="301752" y="1259605"/>
+            <a:ext cx="8229600" cy="1143000"/>
+          </a:xfrm>
+          <a:prstGeom prst="rect">
+            <a:avLst/>
+          </a:prstGeom>
+        </p:spPr>
+        <p:txBody>
+          <a:bodyPr vert="horz" lIns="91440" tIns="45720" rIns="91440" bIns="45720" rtlCol="0" anchor="ctr">
+            <a:normAutofit/>
+          </a:bodyPr>
+          <a:lstStyle>
+            <a:lvl1pPr algn="ctr" defTabSz="457200" rtl="0" eaLnBrk="1" latinLnBrk="0" hangingPunct="1">
+              <a:spcBef>
+                <a:spcPct val="0"/>
+              </a:spcBef>
+              <a:buNone/>
+              <a:defRPr sz="4400" kern="1200">
+                <a:solidFill>
+                  <a:schemeClr val="tx1"/>
+                </a:solidFill>
+                <a:latin typeface="+mj-lt"/>
+                <a:ea typeface="+mj-ea"/>
+                <a:cs typeface="+mj-cs"/>
+              </a:defRPr>
+            </a:lvl1pPr>
+          </a:lstStyle>
+          <a:p>
+            <a:r>
+              <a:rPr lang="fr-FR" b="1" dirty="0"/>
+              <a:t>4. </a:t>
+            </a:r>
+            <a:r>
+              <a:rPr lang="fr-FR" b="1" dirty="0" err="1"/>
+              <a:t>Outlier</a:t>
+            </a:r>
+            <a:r>
+              <a:rPr lang="fr-FR" b="1" dirty="0"/>
+              <a:t> </a:t>
+            </a:r>
+            <a:r>
+              <a:rPr lang="fr-FR" b="1" dirty="0" err="1"/>
+              <a:t>Detection</a:t>
+            </a:r>
+            <a:endParaRPr lang="fr-FR" b="1" dirty="0"/>
+          </a:p>
+          <a:p>
+            <a:endParaRPr lang="fr-FR" b="1" dirty="0"/>
+          </a:p>
+        </p:txBody>
+      </p:sp>
+      <p:sp>
+        <p:nvSpPr>
+          <p:cNvPr id="6" name="Content Placeholder 2">
+            <a:extLst>
+              <a:ext uri="{FF2B5EF4-FFF2-40B4-BE49-F238E27FC236}">
+                <a16:creationId xmlns:a16="http://schemas.microsoft.com/office/drawing/2014/main" id="{C0B12361-86A7-59D2-BF38-435AFC7D0090}"/>
+              </a:ext>
+            </a:extLst>
+          </p:cNvPr>
+          <p:cNvSpPr txBox="1">
+            <a:spLocks/>
+          </p:cNvSpPr>
+          <p:nvPr/>
+        </p:nvSpPr>
+        <p:spPr>
+          <a:xfrm>
             <a:off x="448979" y="2221993"/>
             <a:ext cx="8229600" cy="3145536"/>
           </a:xfrm>
@@ -10670,7 +12539,7 @@
           <p:cNvPr id="3" name="Picture 2">
             <a:extLst>
               <a:ext uri="{FF2B5EF4-FFF2-40B4-BE49-F238E27FC236}">
-                <a16:creationId xmlns:a16="http://schemas.microsoft.com/office/drawing/2014/main" id="{848DA370-2283-08A4-5BFA-4D2C9B846E3F}"/>
+                <a16:creationId xmlns:a16="http://schemas.microsoft.com/office/drawing/2014/main" id="{D240DAAA-8FCC-FE8A-BFB8-C13AA689D876}"/>
               </a:ext>
             </a:extLst>
           </p:cNvPr>
@@ -10711,7 +12580,7 @@
           <p:cNvPr id="9" name="Picture 8">
             <a:extLst>
               <a:ext uri="{FF2B5EF4-FFF2-40B4-BE49-F238E27FC236}">
-                <a16:creationId xmlns:a16="http://schemas.microsoft.com/office/drawing/2014/main" id="{EB7E5FAD-1259-4DAC-CA1C-6FD02E699D22}"/>
+                <a16:creationId xmlns:a16="http://schemas.microsoft.com/office/drawing/2014/main" id="{DBF02F2C-6511-4E5D-0E8F-660C11643DAE}"/>
               </a:ext>
             </a:extLst>
           </p:cNvPr>
@@ -10752,7 +12621,7 @@
           <p:cNvPr id="10" name="TextBox 9">
             <a:extLst>
               <a:ext uri="{FF2B5EF4-FFF2-40B4-BE49-F238E27FC236}">
-                <a16:creationId xmlns:a16="http://schemas.microsoft.com/office/drawing/2014/main" id="{7B6C6C7E-3298-7161-DDF2-F8CE0FDE6295}"/>
+                <a16:creationId xmlns:a16="http://schemas.microsoft.com/office/drawing/2014/main" id="{F306A255-6A6E-D7EE-CBED-306D1B8C0E0E}"/>
               </a:ext>
             </a:extLst>
           </p:cNvPr>
@@ -10797,10 +12666,10 @@
       </p:sp>
       <p:sp>
         <p:nvSpPr>
-          <p:cNvPr id="7" name="TextBox 6">
+          <p:cNvPr id="11" name="TextBox 10">
             <a:extLst>
               <a:ext uri="{FF2B5EF4-FFF2-40B4-BE49-F238E27FC236}">
-                <a16:creationId xmlns:a16="http://schemas.microsoft.com/office/drawing/2014/main" id="{F9D39575-5D10-A99B-31F6-55867903DED6}"/>
+                <a16:creationId xmlns:a16="http://schemas.microsoft.com/office/drawing/2014/main" id="{F7F12370-BDAF-1561-EA1B-AD39CB617770}"/>
               </a:ext>
             </a:extLst>
           </p:cNvPr>
@@ -10809,8 +12678,8 @@
         </p:nvSpPr>
         <p:spPr>
           <a:xfrm>
-            <a:off x="2498598" y="6354921"/>
-            <a:ext cx="4576572" cy="369332"/>
+            <a:off x="1610267" y="5413729"/>
+            <a:ext cx="6656832" cy="369332"/>
           </a:xfrm>
           <a:prstGeom prst="rect">
             <a:avLst/>
@@ -10818,93 +12687,25 @@
           <a:noFill/>
         </p:spPr>
         <p:txBody>
-          <a:bodyPr wrap="square">
+          <a:bodyPr wrap="square" rtlCol="0">
             <a:spAutoFit/>
           </a:bodyPr>
           <a:lstStyle/>
           <a:p>
             <a:r>
-              <a:rPr lang="en-US" b="1" dirty="0"/>
-              <a:t>a. Histograms (All Variables, by Species)</a:t>
-            </a:r>
-          </a:p>
-        </p:txBody>
-      </p:sp>
-      <p:sp>
-        <p:nvSpPr>
-          <p:cNvPr id="8" name="Title 1">
-            <a:extLst>
-              <a:ext uri="{FF2B5EF4-FFF2-40B4-BE49-F238E27FC236}">
-                <a16:creationId xmlns:a16="http://schemas.microsoft.com/office/drawing/2014/main" id="{BC38C1F6-66FB-5769-E739-4B4D0419D9BB}"/>
-              </a:ext>
-            </a:extLst>
-          </p:cNvPr>
-          <p:cNvSpPr txBox="1">
-            <a:spLocks/>
-          </p:cNvSpPr>
-          <p:nvPr/>
-        </p:nvSpPr>
-        <p:spPr>
-          <a:xfrm>
-            <a:off x="301752" y="-246669"/>
-            <a:ext cx="8229600" cy="1143000"/>
-          </a:xfrm>
-          <a:prstGeom prst="rect">
-            <a:avLst/>
-          </a:prstGeom>
-        </p:spPr>
-        <p:txBody>
-          <a:bodyPr vert="horz" lIns="91440" tIns="45720" rIns="91440" bIns="45720" rtlCol="0" anchor="ctr">
-            <a:normAutofit/>
-          </a:bodyPr>
-          <a:lstStyle>
-            <a:lvl1pPr algn="ctr" defTabSz="457200" rtl="0" eaLnBrk="1" latinLnBrk="0" hangingPunct="1">
-              <a:spcBef>
-                <a:spcPct val="0"/>
-              </a:spcBef>
-              <a:buNone/>
-              <a:defRPr sz="4400" kern="1200">
-                <a:solidFill>
-                  <a:schemeClr val="tx1"/>
-                </a:solidFill>
-                <a:latin typeface="+mj-lt"/>
-                <a:ea typeface="+mj-ea"/>
-                <a:cs typeface="+mj-cs"/>
-              </a:defRPr>
-            </a:lvl1pPr>
-          </a:lstStyle>
-          <a:p>
-            <a:pPr>
-              <a:lnSpc>
-                <a:spcPct val="150000"/>
-              </a:lnSpc>
-            </a:pPr>
-            <a:r>
-              <a:rPr lang="fr-FR" sz="3600" dirty="0"/>
-              <a:t>4. </a:t>
-            </a:r>
-            <a:r>
-              <a:rPr lang="fr-FR" sz="3600" b="1" dirty="0" err="1"/>
-              <a:t>Correlation</a:t>
-            </a:r>
-            <a:r>
-              <a:rPr lang="fr-FR" sz="3600" dirty="0"/>
-              <a:t> &amp; </a:t>
-            </a:r>
-            <a:r>
-              <a:rPr lang="fr-FR" sz="3600" dirty="0" err="1"/>
-              <a:t>Visualization</a:t>
-            </a:r>
-            <a:endParaRPr lang="fr-FR" sz="3600" dirty="0"/>
+              <a:rPr lang="en-US" dirty="0"/>
+              <a:t>Outlier rule: Points outside 1.5*IQR from the first/third quartile.</a:t>
+            </a:r>
+            <a:endParaRPr lang="fr-FR" dirty="0"/>
           </a:p>
         </p:txBody>
       </p:sp>
       <p:pic>
         <p:nvPicPr>
-          <p:cNvPr id="13" name="Picture 12">
+          <p:cNvPr id="14" name="Picture 13">
             <a:extLst>
               <a:ext uri="{FF2B5EF4-FFF2-40B4-BE49-F238E27FC236}">
-                <a16:creationId xmlns:a16="http://schemas.microsoft.com/office/drawing/2014/main" id="{E0E54511-C02E-FB38-A0F6-9D7770910D58}"/>
+                <a16:creationId xmlns:a16="http://schemas.microsoft.com/office/drawing/2014/main" id="{F1BBA56A-716F-67DF-0320-4997299D056E}"/>
               </a:ext>
             </a:extLst>
           </p:cNvPr>
@@ -10921,8 +12722,8 @@
         </p:blipFill>
         <p:spPr>
           <a:xfrm>
-            <a:off x="563338" y="713668"/>
-            <a:ext cx="8237246" cy="5588635"/>
+            <a:off x="1028163" y="2277191"/>
+            <a:ext cx="7350431" cy="2175603"/>
           </a:xfrm>
           <a:prstGeom prst="rect">
             <a:avLst/>
@@ -10932,7 +12733,7 @@
     </p:spTree>
     <p:extLst>
       <p:ext uri="{BB962C8B-B14F-4D97-AF65-F5344CB8AC3E}">
-        <p14:creationId xmlns:p14="http://schemas.microsoft.com/office/powerpoint/2010/main" val="1966753684"/>
+        <p14:creationId xmlns:p14="http://schemas.microsoft.com/office/powerpoint/2010/main" val="2817311900"/>
       </p:ext>
     </p:extLst>
   </p:cSld>
@@ -11260,4 +13061,319 @@
   </a:objectDefaults>
   <a:extraClrSchemeLst/>
 </a:theme>
+</file>
+
+<file path=ppt/theme/theme2.xml><?xml version="1.0" encoding="utf-8"?>
+<a:theme xmlns:a="http://schemas.openxmlformats.org/drawingml/2006/main" name="Office Theme">
+  <a:themeElements>
+    <a:clrScheme name="Office">
+      <a:dk1>
+        <a:sysClr val="windowText" lastClr="000000"/>
+      </a:dk1>
+      <a:lt1>
+        <a:sysClr val="window" lastClr="FFFFFF"/>
+      </a:lt1>
+      <a:dk2>
+        <a:srgbClr val="0E2841"/>
+      </a:dk2>
+      <a:lt2>
+        <a:srgbClr val="E8E8E8"/>
+      </a:lt2>
+      <a:accent1>
+        <a:srgbClr val="156082"/>
+      </a:accent1>
+      <a:accent2>
+        <a:srgbClr val="E97132"/>
+      </a:accent2>
+      <a:accent3>
+        <a:srgbClr val="196B24"/>
+      </a:accent3>
+      <a:accent4>
+        <a:srgbClr val="0F9ED5"/>
+      </a:accent4>
+      <a:accent5>
+        <a:srgbClr val="A02B93"/>
+      </a:accent5>
+      <a:accent6>
+        <a:srgbClr val="4EA72E"/>
+      </a:accent6>
+      <a:hlink>
+        <a:srgbClr val="467886"/>
+      </a:hlink>
+      <a:folHlink>
+        <a:srgbClr val="96607D"/>
+      </a:folHlink>
+    </a:clrScheme>
+    <a:fontScheme name="Office">
+      <a:majorFont>
+        <a:latin typeface="Aptos Display" panose="02110004020202020204"/>
+        <a:ea typeface=""/>
+        <a:cs typeface=""/>
+        <a:font script="Jpan" typeface="游ゴシック Light"/>
+        <a:font script="Hang" typeface="맑은 고딕"/>
+        <a:font script="Hans" typeface="等线 Light"/>
+        <a:font script="Hant" typeface="新細明體"/>
+        <a:font script="Arab" typeface="Times New Roman"/>
+        <a:font script="Hebr" typeface="Times New Roman"/>
+        <a:font script="Thai" typeface="Angsana New"/>
+        <a:font script="Ethi" typeface="Nyala"/>
+        <a:font script="Beng" typeface="Vrinda"/>
+        <a:font script="Gujr" typeface="Shruti"/>
+        <a:font script="Khmr" typeface="MoolBoran"/>
+        <a:font script="Knda" typeface="Tunga"/>
+        <a:font script="Guru" typeface="Raavi"/>
+        <a:font script="Cans" typeface="Euphemia"/>
+        <a:font script="Cher" typeface="Plantagenet Cherokee"/>
+        <a:font script="Yiii" typeface="Microsoft Yi Baiti"/>
+        <a:font script="Tibt" typeface="Microsoft Himalaya"/>
+        <a:font script="Thaa" typeface="MV Boli"/>
+        <a:font script="Deva" typeface="Mangal"/>
+        <a:font script="Telu" typeface="Gautami"/>
+        <a:font script="Taml" typeface="Latha"/>
+        <a:font script="Syrc" typeface="Estrangelo Edessa"/>
+        <a:font script="Orya" typeface="Kalinga"/>
+        <a:font script="Mlym" typeface="Kartika"/>
+        <a:font script="Laoo" typeface="DokChampa"/>
+        <a:font script="Sinh" typeface="Iskoola Pota"/>
+        <a:font script="Mong" typeface="Mongolian Baiti"/>
+        <a:font script="Viet" typeface="Times New Roman"/>
+        <a:font script="Uigh" typeface="Microsoft Uighur"/>
+        <a:font script="Geor" typeface="Sylfaen"/>
+        <a:font script="Armn" typeface="Arial"/>
+        <a:font script="Bugi" typeface="Leelawadee UI"/>
+        <a:font script="Bopo" typeface="Microsoft JhengHei"/>
+        <a:font script="Java" typeface="Javanese Text"/>
+        <a:font script="Lisu" typeface="Segoe UI"/>
+        <a:font script="Mymr" typeface="Myanmar Text"/>
+        <a:font script="Nkoo" typeface="Ebrima"/>
+        <a:font script="Olck" typeface="Nirmala UI"/>
+        <a:font script="Osma" typeface="Ebrima"/>
+        <a:font script="Phag" typeface="Phagspa"/>
+        <a:font script="Syrn" typeface="Estrangelo Edessa"/>
+        <a:font script="Syrj" typeface="Estrangelo Edessa"/>
+        <a:font script="Syre" typeface="Estrangelo Edessa"/>
+        <a:font script="Sora" typeface="Nirmala UI"/>
+        <a:font script="Tale" typeface="Microsoft Tai Le"/>
+        <a:font script="Talu" typeface="Microsoft New Tai Lue"/>
+        <a:font script="Tfng" typeface="Ebrima"/>
+      </a:majorFont>
+      <a:minorFont>
+        <a:latin typeface="Aptos" panose="02110004020202020204"/>
+        <a:ea typeface=""/>
+        <a:cs typeface=""/>
+        <a:font script="Jpan" typeface="游ゴシック"/>
+        <a:font script="Hang" typeface="맑은 고딕"/>
+        <a:font script="Hans" typeface="等线"/>
+        <a:font script="Hant" typeface="新細明體"/>
+        <a:font script="Arab" typeface="Arial"/>
+        <a:font script="Hebr" typeface="Arial"/>
+        <a:font script="Thai" typeface="Cordia New"/>
+        <a:font script="Ethi" typeface="Nyala"/>
+        <a:font script="Beng" typeface="Vrinda"/>
+        <a:font script="Gujr" typeface="Shruti"/>
+        <a:font script="Khmr" typeface="DaunPenh"/>
+        <a:font script="Knda" typeface="Tunga"/>
+        <a:font script="Guru" typeface="Raavi"/>
+        <a:font script="Cans" typeface="Euphemia"/>
+        <a:font script="Cher" typeface="Plantagenet Cherokee"/>
+        <a:font script="Yiii" typeface="Microsoft Yi Baiti"/>
+        <a:font script="Tibt" typeface="Microsoft Himalaya"/>
+        <a:font script="Thaa" typeface="MV Boli"/>
+        <a:font script="Deva" typeface="Mangal"/>
+        <a:font script="Telu" typeface="Gautami"/>
+        <a:font script="Taml" typeface="Latha"/>
+        <a:font script="Syrc" typeface="Estrangelo Edessa"/>
+        <a:font script="Orya" typeface="Kalinga"/>
+        <a:font script="Mlym" typeface="Kartika"/>
+        <a:font script="Laoo" typeface="DokChampa"/>
+        <a:font script="Sinh" typeface="Iskoola Pota"/>
+        <a:font script="Mong" typeface="Mongolian Baiti"/>
+        <a:font script="Viet" typeface="Arial"/>
+        <a:font script="Uigh" typeface="Microsoft Uighur"/>
+        <a:font script="Geor" typeface="Sylfaen"/>
+        <a:font script="Armn" typeface="Arial"/>
+        <a:font script="Bugi" typeface="Leelawadee UI"/>
+        <a:font script="Bopo" typeface="Microsoft JhengHei"/>
+        <a:font script="Java" typeface="Javanese Text"/>
+        <a:font script="Lisu" typeface="Segoe UI"/>
+        <a:font script="Mymr" typeface="Myanmar Text"/>
+        <a:font script="Nkoo" typeface="Ebrima"/>
+        <a:font script="Olck" typeface="Nirmala UI"/>
+        <a:font script="Osma" typeface="Ebrima"/>
+        <a:font script="Phag" typeface="Phagspa"/>
+        <a:font script="Syrn" typeface="Estrangelo Edessa"/>
+        <a:font script="Syrj" typeface="Estrangelo Edessa"/>
+        <a:font script="Syre" typeface="Estrangelo Edessa"/>
+        <a:font script="Sora" typeface="Nirmala UI"/>
+        <a:font script="Tale" typeface="Microsoft Tai Le"/>
+        <a:font script="Talu" typeface="Microsoft New Tai Lue"/>
+        <a:font script="Tfng" typeface="Ebrima"/>
+      </a:minorFont>
+    </a:fontScheme>
+    <a:fmtScheme name="Office">
+      <a:fillStyleLst>
+        <a:solidFill>
+          <a:schemeClr val="phClr"/>
+        </a:solidFill>
+        <a:gradFill rotWithShape="1">
+          <a:gsLst>
+            <a:gs pos="0">
+              <a:schemeClr val="phClr">
+                <a:lumMod val="110000"/>
+                <a:satMod val="105000"/>
+                <a:tint val="67000"/>
+              </a:schemeClr>
+            </a:gs>
+            <a:gs pos="50000">
+              <a:schemeClr val="phClr">
+                <a:lumMod val="105000"/>
+                <a:satMod val="103000"/>
+                <a:tint val="73000"/>
+              </a:schemeClr>
+            </a:gs>
+            <a:gs pos="100000">
+              <a:schemeClr val="phClr">
+                <a:lumMod val="105000"/>
+                <a:satMod val="109000"/>
+                <a:tint val="81000"/>
+              </a:schemeClr>
+            </a:gs>
+          </a:gsLst>
+          <a:lin ang="5400000" scaled="0"/>
+        </a:gradFill>
+        <a:gradFill rotWithShape="1">
+          <a:gsLst>
+            <a:gs pos="0">
+              <a:schemeClr val="phClr">
+                <a:satMod val="103000"/>
+                <a:lumMod val="102000"/>
+                <a:tint val="94000"/>
+              </a:schemeClr>
+            </a:gs>
+            <a:gs pos="50000">
+              <a:schemeClr val="phClr">
+                <a:satMod val="110000"/>
+                <a:lumMod val="100000"/>
+                <a:shade val="100000"/>
+              </a:schemeClr>
+            </a:gs>
+            <a:gs pos="100000">
+              <a:schemeClr val="phClr">
+                <a:lumMod val="99000"/>
+                <a:satMod val="120000"/>
+                <a:shade val="78000"/>
+              </a:schemeClr>
+            </a:gs>
+          </a:gsLst>
+          <a:lin ang="5400000" scaled="0"/>
+        </a:gradFill>
+      </a:fillStyleLst>
+      <a:lnStyleLst>
+        <a:ln w="12700" cap="flat" cmpd="sng" algn="ctr">
+          <a:solidFill>
+            <a:schemeClr val="phClr"/>
+          </a:solidFill>
+          <a:prstDash val="solid"/>
+          <a:miter lim="800000"/>
+        </a:ln>
+        <a:ln w="19050" cap="flat" cmpd="sng" algn="ctr">
+          <a:solidFill>
+            <a:schemeClr val="phClr"/>
+          </a:solidFill>
+          <a:prstDash val="solid"/>
+          <a:miter lim="800000"/>
+        </a:ln>
+        <a:ln w="25400" cap="flat" cmpd="sng" algn="ctr">
+          <a:solidFill>
+            <a:schemeClr val="phClr"/>
+          </a:solidFill>
+          <a:prstDash val="solid"/>
+          <a:miter lim="800000"/>
+        </a:ln>
+      </a:lnStyleLst>
+      <a:effectStyleLst>
+        <a:effectStyle>
+          <a:effectLst/>
+        </a:effectStyle>
+        <a:effectStyle>
+          <a:effectLst/>
+        </a:effectStyle>
+        <a:effectStyle>
+          <a:effectLst>
+            <a:outerShdw blurRad="57150" dist="19050" dir="5400000" algn="ctr" rotWithShape="0">
+              <a:srgbClr val="000000">
+                <a:alpha val="63000"/>
+              </a:srgbClr>
+            </a:outerShdw>
+          </a:effectLst>
+        </a:effectStyle>
+      </a:effectStyleLst>
+      <a:bgFillStyleLst>
+        <a:solidFill>
+          <a:schemeClr val="phClr"/>
+        </a:solidFill>
+        <a:solidFill>
+          <a:schemeClr val="phClr">
+            <a:tint val="95000"/>
+            <a:satMod val="170000"/>
+          </a:schemeClr>
+        </a:solidFill>
+        <a:gradFill rotWithShape="1">
+          <a:gsLst>
+            <a:gs pos="0">
+              <a:schemeClr val="phClr">
+                <a:tint val="93000"/>
+                <a:satMod val="150000"/>
+                <a:shade val="98000"/>
+                <a:lumMod val="102000"/>
+              </a:schemeClr>
+            </a:gs>
+            <a:gs pos="50000">
+              <a:schemeClr val="phClr">
+                <a:tint val="98000"/>
+                <a:satMod val="130000"/>
+                <a:shade val="90000"/>
+                <a:lumMod val="103000"/>
+              </a:schemeClr>
+            </a:gs>
+            <a:gs pos="100000">
+              <a:schemeClr val="phClr">
+                <a:shade val="63000"/>
+                <a:satMod val="120000"/>
+              </a:schemeClr>
+            </a:gs>
+          </a:gsLst>
+          <a:lin ang="5400000" scaled="0"/>
+        </a:gradFill>
+      </a:bgFillStyleLst>
+    </a:fmtScheme>
+  </a:themeElements>
+  <a:objectDefaults>
+    <a:lnDef>
+      <a:spPr/>
+      <a:bodyPr/>
+      <a:lstStyle/>
+      <a:style>
+        <a:lnRef idx="2">
+          <a:schemeClr val="accent1"/>
+        </a:lnRef>
+        <a:fillRef idx="0">
+          <a:schemeClr val="accent1"/>
+        </a:fillRef>
+        <a:effectRef idx="1">
+          <a:schemeClr val="accent1"/>
+        </a:effectRef>
+        <a:fontRef idx="minor">
+          <a:schemeClr val="tx1"/>
+        </a:fontRef>
+      </a:style>
+    </a:lnDef>
+  </a:objectDefaults>
+  <a:extraClrSchemeLst/>
+  <a:extLst>
+    <a:ext uri="{05A4C25C-085E-4340-85A3-A5531E510DB2}">
+      <thm15:themeFamily xmlns:thm15="http://schemas.microsoft.com/office/thememl/2012/main" name="Office Theme" id="{2E142A2C-CD16-42D6-873A-C26D2A0506FA}" vid="{1BDDFF52-6CD6-40A5-AB3C-68EB2F1E4D0A}"/>
+    </a:ext>
+  </a:extLst>
+</a:theme>
 </file>
--- a/Botanica_Iris_Analysis_Presentation.pptx
+++ b/Botanica_Iris_Analysis_Presentation.pptx
@@ -5,7 +5,7 @@
     <p:sldMasterId id="2147483648" r:id="rId1"/>
   </p:sldMasterIdLst>
   <p:notesMasterIdLst>
-    <p:notesMasterId r:id="rId19"/>
+    <p:notesMasterId r:id="rId21"/>
   </p:notesMasterIdLst>
   <p:sldIdLst>
     <p:sldId id="262" r:id="rId2"/>
@@ -21,10 +21,12 @@
     <p:sldId id="341" r:id="rId12"/>
     <p:sldId id="331" r:id="rId13"/>
     <p:sldId id="332" r:id="rId14"/>
-    <p:sldId id="333" r:id="rId15"/>
-    <p:sldId id="334" r:id="rId16"/>
-    <p:sldId id="336" r:id="rId17"/>
-    <p:sldId id="337" r:id="rId18"/>
+    <p:sldId id="334" r:id="rId15"/>
+    <p:sldId id="333" r:id="rId16"/>
+    <p:sldId id="344" r:id="rId17"/>
+    <p:sldId id="336" r:id="rId18"/>
+    <p:sldId id="345" r:id="rId19"/>
+    <p:sldId id="337" r:id="rId20"/>
   </p:sldIdLst>
   <p:sldSz cx="9144000" cy="6858000" type="screen4x3"/>
   <p:notesSz cx="6858000" cy="9144000"/>
@@ -6063,7 +6065,7 @@
         <p:cNvPr id="1" name="">
           <a:extLst>
             <a:ext uri="{FF2B5EF4-FFF2-40B4-BE49-F238E27FC236}">
-              <a16:creationId xmlns:a16="http://schemas.microsoft.com/office/drawing/2014/main" id="{B2A3FE31-45C0-DE7B-EA90-71BBDC021B98}"/>
+              <a16:creationId xmlns:a16="http://schemas.microsoft.com/office/drawing/2014/main" id="{4C6717AC-D1B8-97AA-574C-DEDCC18706F9}"/>
             </a:ext>
           </a:extLst>
         </p:cNvPr>
@@ -6083,7 +6085,7 @@
           <p:cNvPr id="2" name="TextBox 1">
             <a:extLst>
               <a:ext uri="{FF2B5EF4-FFF2-40B4-BE49-F238E27FC236}">
-                <a16:creationId xmlns:a16="http://schemas.microsoft.com/office/drawing/2014/main" id="{3801339D-9ADC-9F54-462C-77E5339296EE}"/>
+                <a16:creationId xmlns:a16="http://schemas.microsoft.com/office/drawing/2014/main" id="{0DFDAA29-61D9-FF47-DD38-5AADC541F007}"/>
               </a:ext>
             </a:extLst>
           </p:cNvPr>
@@ -6131,7 +6133,7 @@
           <p:cNvPr id="6" name="Content Placeholder 2">
             <a:extLst>
               <a:ext uri="{FF2B5EF4-FFF2-40B4-BE49-F238E27FC236}">
-                <a16:creationId xmlns:a16="http://schemas.microsoft.com/office/drawing/2014/main" id="{6A012DCF-B736-BD27-D94F-7B78F8DC0649}"/>
+                <a16:creationId xmlns:a16="http://schemas.microsoft.com/office/drawing/2014/main" id="{580D9AFF-9E31-A7D3-5635-5FBAFCCE8444}"/>
               </a:ext>
             </a:extLst>
           </p:cNvPr>
@@ -6318,7 +6320,7 @@
           <p:cNvPr id="3" name="Picture 2">
             <a:extLst>
               <a:ext uri="{FF2B5EF4-FFF2-40B4-BE49-F238E27FC236}">
-                <a16:creationId xmlns:a16="http://schemas.microsoft.com/office/drawing/2014/main" id="{08CB5C48-2601-219A-E23C-65F174381AFC}"/>
+                <a16:creationId xmlns:a16="http://schemas.microsoft.com/office/drawing/2014/main" id="{303E7113-4115-B4D9-FF72-18A5AF001A01}"/>
               </a:ext>
             </a:extLst>
           </p:cNvPr>
@@ -6359,7 +6361,7 @@
           <p:cNvPr id="9" name="Picture 8">
             <a:extLst>
               <a:ext uri="{FF2B5EF4-FFF2-40B4-BE49-F238E27FC236}">
-                <a16:creationId xmlns:a16="http://schemas.microsoft.com/office/drawing/2014/main" id="{C040769B-D5DE-20A4-4345-63238C782183}"/>
+                <a16:creationId xmlns:a16="http://schemas.microsoft.com/office/drawing/2014/main" id="{763F1F47-7BA3-78A2-E714-FDD7CDEE9F7A}"/>
               </a:ext>
             </a:extLst>
           </p:cNvPr>
@@ -6400,7 +6402,7 @@
           <p:cNvPr id="10" name="TextBox 9">
             <a:extLst>
               <a:ext uri="{FF2B5EF4-FFF2-40B4-BE49-F238E27FC236}">
-                <a16:creationId xmlns:a16="http://schemas.microsoft.com/office/drawing/2014/main" id="{ED88FE90-F579-7E99-F30C-AF9D2A0CBF2D}"/>
+                <a16:creationId xmlns:a16="http://schemas.microsoft.com/office/drawing/2014/main" id="{B446F477-C04F-127D-D186-FA11CF398BAD}"/>
               </a:ext>
             </a:extLst>
           </p:cNvPr>
@@ -6448,7 +6450,7 @@
           <p:cNvPr id="7" name="TextBox 6">
             <a:extLst>
               <a:ext uri="{FF2B5EF4-FFF2-40B4-BE49-F238E27FC236}">
-                <a16:creationId xmlns:a16="http://schemas.microsoft.com/office/drawing/2014/main" id="{C91FEAAD-D592-9C93-78C3-9C24F8E72DFD}"/>
+                <a16:creationId xmlns:a16="http://schemas.microsoft.com/office/drawing/2014/main" id="{94C48956-DF62-C900-7F4B-54D0EFD44B19}"/>
               </a:ext>
             </a:extLst>
           </p:cNvPr>
@@ -6457,7 +6459,7 @@
         </p:nvSpPr>
         <p:spPr>
           <a:xfrm>
-            <a:off x="2275493" y="6231050"/>
+            <a:off x="3623187" y="5870448"/>
             <a:ext cx="4576572" cy="369332"/>
           </a:xfrm>
           <a:prstGeom prst="rect">
@@ -6477,34 +6479,21 @@
             </a:r>
             <a:r>
               <a:rPr lang="fr-FR" b="1" dirty="0" err="1"/>
-              <a:t>Scatter</a:t>
+              <a:t>Pairwise</a:t>
             </a:r>
             <a:r>
               <a:rPr lang="fr-FR" b="1" dirty="0"/>
-              <a:t> Plot: </a:t>
-            </a:r>
-            <a:r>
-              <a:rPr lang="fr-FR" b="1" dirty="0" err="1"/>
-              <a:t>Petal.Length</a:t>
-            </a:r>
-            <a:r>
-              <a:rPr lang="fr-FR" b="1" dirty="0"/>
-              <a:t> vs </a:t>
-            </a:r>
-            <a:r>
-              <a:rPr lang="fr-FR" b="1" dirty="0" err="1"/>
-              <a:t>Petal.Width</a:t>
-            </a:r>
-            <a:endParaRPr lang="fr-FR" b="1" dirty="0"/>
+              <a:t> Plots</a:t>
+            </a:r>
           </a:p>
         </p:txBody>
       </p:sp>
       <p:pic>
         <p:nvPicPr>
-          <p:cNvPr id="14" name="Picture 13">
-            <a:extLst>
-              <a:ext uri="{FF2B5EF4-FFF2-40B4-BE49-F238E27FC236}">
-                <a16:creationId xmlns:a16="http://schemas.microsoft.com/office/drawing/2014/main" id="{A8D1B49D-7535-7D96-69B2-DB1A52BCE1D0}"/>
+          <p:cNvPr id="12" name="Picture 11">
+            <a:extLst>
+              <a:ext uri="{FF2B5EF4-FFF2-40B4-BE49-F238E27FC236}">
+                <a16:creationId xmlns:a16="http://schemas.microsoft.com/office/drawing/2014/main" id="{BA4CC55C-2605-173A-8B11-4A3A9C58AE00}"/>
               </a:ext>
             </a:extLst>
           </p:cNvPr>
@@ -6521,8 +6510,8 @@
         </p:blipFill>
         <p:spPr>
           <a:xfrm>
-            <a:off x="1251732" y="1074316"/>
-            <a:ext cx="6911451" cy="4674125"/>
+            <a:off x="0" y="955660"/>
+            <a:ext cx="9144000" cy="4873924"/>
           </a:xfrm>
           <a:prstGeom prst="rect">
             <a:avLst/>
@@ -6531,10 +6520,10 @@
       </p:pic>
       <p:sp>
         <p:nvSpPr>
-          <p:cNvPr id="15" name="Title 1">
-            <a:extLst>
-              <a:ext uri="{FF2B5EF4-FFF2-40B4-BE49-F238E27FC236}">
-                <a16:creationId xmlns:a16="http://schemas.microsoft.com/office/drawing/2014/main" id="{2186B6DE-FBE9-F25D-DBFC-C673B6A9DA41}"/>
+          <p:cNvPr id="13" name="Title 1">
+            <a:extLst>
+              <a:ext uri="{FF2B5EF4-FFF2-40B4-BE49-F238E27FC236}">
+                <a16:creationId xmlns:a16="http://schemas.microsoft.com/office/drawing/2014/main" id="{7A7BA6B5-B919-BA3B-F8F1-6FC646AA89A2}"/>
               </a:ext>
             </a:extLst>
           </p:cNvPr>
@@ -6601,7 +6590,7 @@
     </p:spTree>
     <p:extLst>
       <p:ext uri="{BB962C8B-B14F-4D97-AF65-F5344CB8AC3E}">
-        <p14:creationId xmlns:p14="http://schemas.microsoft.com/office/powerpoint/2010/main" val="203943125"/>
+        <p14:creationId xmlns:p14="http://schemas.microsoft.com/office/powerpoint/2010/main" val="3869014596"/>
       </p:ext>
     </p:extLst>
   </p:cSld>
@@ -6619,7 +6608,7 @@
         <p:cNvPr id="1" name="">
           <a:extLst>
             <a:ext uri="{FF2B5EF4-FFF2-40B4-BE49-F238E27FC236}">
-              <a16:creationId xmlns:a16="http://schemas.microsoft.com/office/drawing/2014/main" id="{4C6717AC-D1B8-97AA-574C-DEDCC18706F9}"/>
+              <a16:creationId xmlns:a16="http://schemas.microsoft.com/office/drawing/2014/main" id="{B2A3FE31-45C0-DE7B-EA90-71BBDC021B98}"/>
             </a:ext>
           </a:extLst>
         </p:cNvPr>
@@ -6639,7 +6628,7 @@
           <p:cNvPr id="2" name="TextBox 1">
             <a:extLst>
               <a:ext uri="{FF2B5EF4-FFF2-40B4-BE49-F238E27FC236}">
-                <a16:creationId xmlns:a16="http://schemas.microsoft.com/office/drawing/2014/main" id="{0DFDAA29-61D9-FF47-DD38-5AADC541F007}"/>
+                <a16:creationId xmlns:a16="http://schemas.microsoft.com/office/drawing/2014/main" id="{3801339D-9ADC-9F54-462C-77E5339296EE}"/>
               </a:ext>
             </a:extLst>
           </p:cNvPr>
@@ -6687,7 +6676,7 @@
           <p:cNvPr id="6" name="Content Placeholder 2">
             <a:extLst>
               <a:ext uri="{FF2B5EF4-FFF2-40B4-BE49-F238E27FC236}">
-                <a16:creationId xmlns:a16="http://schemas.microsoft.com/office/drawing/2014/main" id="{580D9AFF-9E31-A7D3-5635-5FBAFCCE8444}"/>
+                <a16:creationId xmlns:a16="http://schemas.microsoft.com/office/drawing/2014/main" id="{6A012DCF-B736-BD27-D94F-7B78F8DC0649}"/>
               </a:ext>
             </a:extLst>
           </p:cNvPr>
@@ -6874,7 +6863,7 @@
           <p:cNvPr id="3" name="Picture 2">
             <a:extLst>
               <a:ext uri="{FF2B5EF4-FFF2-40B4-BE49-F238E27FC236}">
-                <a16:creationId xmlns:a16="http://schemas.microsoft.com/office/drawing/2014/main" id="{303E7113-4115-B4D9-FF72-18A5AF001A01}"/>
+                <a16:creationId xmlns:a16="http://schemas.microsoft.com/office/drawing/2014/main" id="{08CB5C48-2601-219A-E23C-65F174381AFC}"/>
               </a:ext>
             </a:extLst>
           </p:cNvPr>
@@ -6915,7 +6904,7 @@
           <p:cNvPr id="9" name="Picture 8">
             <a:extLst>
               <a:ext uri="{FF2B5EF4-FFF2-40B4-BE49-F238E27FC236}">
-                <a16:creationId xmlns:a16="http://schemas.microsoft.com/office/drawing/2014/main" id="{763F1F47-7BA3-78A2-E714-FDD7CDEE9F7A}"/>
+                <a16:creationId xmlns:a16="http://schemas.microsoft.com/office/drawing/2014/main" id="{C040769B-D5DE-20A4-4345-63238C782183}"/>
               </a:ext>
             </a:extLst>
           </p:cNvPr>
@@ -6956,7 +6945,7 @@
           <p:cNvPr id="10" name="TextBox 9">
             <a:extLst>
               <a:ext uri="{FF2B5EF4-FFF2-40B4-BE49-F238E27FC236}">
-                <a16:creationId xmlns:a16="http://schemas.microsoft.com/office/drawing/2014/main" id="{B446F477-C04F-127D-D186-FA11CF398BAD}"/>
+                <a16:creationId xmlns:a16="http://schemas.microsoft.com/office/drawing/2014/main" id="{ED88FE90-F579-7E99-F30C-AF9D2A0CBF2D}"/>
               </a:ext>
             </a:extLst>
           </p:cNvPr>
@@ -7004,7 +6993,7 @@
           <p:cNvPr id="7" name="TextBox 6">
             <a:extLst>
               <a:ext uri="{FF2B5EF4-FFF2-40B4-BE49-F238E27FC236}">
-                <a16:creationId xmlns:a16="http://schemas.microsoft.com/office/drawing/2014/main" id="{94C48956-DF62-C900-7F4B-54D0EFD44B19}"/>
+                <a16:creationId xmlns:a16="http://schemas.microsoft.com/office/drawing/2014/main" id="{C91FEAAD-D592-9C93-78C3-9C24F8E72DFD}"/>
               </a:ext>
             </a:extLst>
           </p:cNvPr>
@@ -7013,7 +7002,7 @@
         </p:nvSpPr>
         <p:spPr>
           <a:xfrm>
-            <a:off x="2667762" y="5845802"/>
+            <a:off x="2275493" y="6231050"/>
             <a:ext cx="4576572" cy="369332"/>
           </a:xfrm>
           <a:prstGeom prst="rect">
@@ -7033,29 +7022,34 @@
             </a:r>
             <a:r>
               <a:rPr lang="fr-FR" b="1" dirty="0" err="1"/>
-              <a:t>Pairwise</a:t>
+              <a:t>Scatter</a:t>
             </a:r>
             <a:r>
               <a:rPr lang="fr-FR" b="1" dirty="0"/>
-              <a:t> Plots (</a:t>
+              <a:t> Plot: </a:t>
             </a:r>
             <a:r>
               <a:rPr lang="fr-FR" b="1" dirty="0" err="1"/>
-              <a:t>GGally</a:t>
+              <a:t>Petal.Length</a:t>
             </a:r>
             <a:r>
               <a:rPr lang="fr-FR" b="1" dirty="0"/>
-              <a:t>)</a:t>
-            </a:r>
+              <a:t> vs </a:t>
+            </a:r>
+            <a:r>
+              <a:rPr lang="fr-FR" b="1" dirty="0" err="1"/>
+              <a:t>Petal.Width</a:t>
+            </a:r>
+            <a:endParaRPr lang="fr-FR" b="1" dirty="0"/>
           </a:p>
         </p:txBody>
       </p:sp>
       <p:pic>
         <p:nvPicPr>
-          <p:cNvPr id="12" name="Picture 11">
-            <a:extLst>
-              <a:ext uri="{FF2B5EF4-FFF2-40B4-BE49-F238E27FC236}">
-                <a16:creationId xmlns:a16="http://schemas.microsoft.com/office/drawing/2014/main" id="{BA4CC55C-2605-173A-8B11-4A3A9C58AE00}"/>
+          <p:cNvPr id="14" name="Picture 13">
+            <a:extLst>
+              <a:ext uri="{FF2B5EF4-FFF2-40B4-BE49-F238E27FC236}">
+                <a16:creationId xmlns:a16="http://schemas.microsoft.com/office/drawing/2014/main" id="{A8D1B49D-7535-7D96-69B2-DB1A52BCE1D0}"/>
               </a:ext>
             </a:extLst>
           </p:cNvPr>
@@ -7072,8 +7066,8 @@
         </p:blipFill>
         <p:spPr>
           <a:xfrm>
-            <a:off x="0" y="955660"/>
-            <a:ext cx="9144000" cy="4873924"/>
+            <a:off x="1251732" y="1074316"/>
+            <a:ext cx="6911451" cy="4674125"/>
           </a:xfrm>
           <a:prstGeom prst="rect">
             <a:avLst/>
@@ -7082,10 +7076,10 @@
       </p:pic>
       <p:sp>
         <p:nvSpPr>
-          <p:cNvPr id="13" name="Title 1">
-            <a:extLst>
-              <a:ext uri="{FF2B5EF4-FFF2-40B4-BE49-F238E27FC236}">
-                <a16:creationId xmlns:a16="http://schemas.microsoft.com/office/drawing/2014/main" id="{7A7BA6B5-B919-BA3B-F8F1-6FC646AA89A2}"/>
+          <p:cNvPr id="15" name="Title 1">
+            <a:extLst>
+              <a:ext uri="{FF2B5EF4-FFF2-40B4-BE49-F238E27FC236}">
+                <a16:creationId xmlns:a16="http://schemas.microsoft.com/office/drawing/2014/main" id="{2186B6DE-FBE9-F25D-DBFC-C673B6A9DA41}"/>
               </a:ext>
             </a:extLst>
           </p:cNvPr>
@@ -7152,7 +7146,7 @@
     </p:spTree>
     <p:extLst>
       <p:ext uri="{BB962C8B-B14F-4D97-AF65-F5344CB8AC3E}">
-        <p14:creationId xmlns:p14="http://schemas.microsoft.com/office/powerpoint/2010/main" val="3869014596"/>
+        <p14:creationId xmlns:p14="http://schemas.microsoft.com/office/powerpoint/2010/main" val="203943125"/>
       </p:ext>
     </p:extLst>
   </p:cSld>
@@ -7163,6 +7157,535 @@
 </file>
 
 <file path=ppt/slides/slide16.xml><?xml version="1.0" encoding="utf-8"?>
+<p:sld xmlns:a="http://schemas.openxmlformats.org/drawingml/2006/main" xmlns:r="http://schemas.openxmlformats.org/officeDocument/2006/relationships" xmlns:p="http://schemas.openxmlformats.org/presentationml/2006/main">
+  <p:cSld>
+    <p:spTree>
+      <p:nvGrpSpPr>
+        <p:cNvPr id="1" name="">
+          <a:extLst>
+            <a:ext uri="{FF2B5EF4-FFF2-40B4-BE49-F238E27FC236}">
+              <a16:creationId xmlns:a16="http://schemas.microsoft.com/office/drawing/2014/main" id="{862647C5-793E-718C-CE9B-C5F4966E6540}"/>
+            </a:ext>
+          </a:extLst>
+        </p:cNvPr>
+        <p:cNvGrpSpPr/>
+        <p:nvPr/>
+      </p:nvGrpSpPr>
+      <p:grpSpPr>
+        <a:xfrm>
+          <a:off x="0" y="0"/>
+          <a:ext cx="0" cy="0"/>
+          <a:chOff x="0" y="0"/>
+          <a:chExt cx="0" cy="0"/>
+        </a:xfrm>
+      </p:grpSpPr>
+      <p:sp>
+        <p:nvSpPr>
+          <p:cNvPr id="2" name="TextBox 1">
+            <a:extLst>
+              <a:ext uri="{FF2B5EF4-FFF2-40B4-BE49-F238E27FC236}">
+                <a16:creationId xmlns:a16="http://schemas.microsoft.com/office/drawing/2014/main" id="{B3D186DD-BBF4-6C8E-9C05-134A6CC84EB4}"/>
+              </a:ext>
+            </a:extLst>
+          </p:cNvPr>
+          <p:cNvSpPr txBox="1"/>
+          <p:nvPr/>
+        </p:nvSpPr>
+        <p:spPr>
+          <a:xfrm>
+            <a:off x="0" y="6484966"/>
+            <a:ext cx="2667762" cy="230832"/>
+          </a:xfrm>
+          <a:prstGeom prst="rect">
+            <a:avLst/>
+          </a:prstGeom>
+          <a:noFill/>
+        </p:spPr>
+        <p:txBody>
+          <a:bodyPr wrap="square" rtlCol="0">
+            <a:spAutoFit/>
+          </a:bodyPr>
+          <a:lstStyle/>
+          <a:p>
+            <a:r>
+              <a:rPr lang="en-US" sz="900" dirty="0">
+                <a:solidFill>
+                  <a:schemeClr val="bg1">
+                    <a:lumMod val="65000"/>
+                  </a:schemeClr>
+                </a:solidFill>
+              </a:rPr>
+              <a:t>Presented by: Redha &amp; Rooney</a:t>
+            </a:r>
+            <a:endParaRPr lang="fr-FR" sz="900" dirty="0">
+              <a:solidFill>
+                <a:schemeClr val="bg1">
+                  <a:lumMod val="65000"/>
+                </a:schemeClr>
+              </a:solidFill>
+            </a:endParaRPr>
+          </a:p>
+        </p:txBody>
+      </p:sp>
+      <p:sp>
+        <p:nvSpPr>
+          <p:cNvPr id="5" name="Title 1">
+            <a:extLst>
+              <a:ext uri="{FF2B5EF4-FFF2-40B4-BE49-F238E27FC236}">
+                <a16:creationId xmlns:a16="http://schemas.microsoft.com/office/drawing/2014/main" id="{9A17CF1B-2348-75B9-0E13-1C0DD31919FF}"/>
+              </a:ext>
+            </a:extLst>
+          </p:cNvPr>
+          <p:cNvSpPr txBox="1">
+            <a:spLocks/>
+          </p:cNvSpPr>
+          <p:nvPr/>
+        </p:nvSpPr>
+        <p:spPr>
+          <a:xfrm>
+            <a:off x="251922" y="-78279"/>
+            <a:ext cx="8229600" cy="1143000"/>
+          </a:xfrm>
+          <a:prstGeom prst="rect">
+            <a:avLst/>
+          </a:prstGeom>
+        </p:spPr>
+        <p:txBody>
+          <a:bodyPr vert="horz" lIns="91440" tIns="45720" rIns="91440" bIns="45720" rtlCol="0" anchor="ctr">
+            <a:normAutofit/>
+          </a:bodyPr>
+          <a:lstStyle>
+            <a:lvl1pPr algn="ctr" defTabSz="457200" rtl="0" eaLnBrk="1" latinLnBrk="0" hangingPunct="1">
+              <a:spcBef>
+                <a:spcPct val="0"/>
+              </a:spcBef>
+              <a:buNone/>
+              <a:defRPr sz="4400" kern="1200">
+                <a:solidFill>
+                  <a:schemeClr val="tx1"/>
+                </a:solidFill>
+                <a:latin typeface="+mj-lt"/>
+                <a:ea typeface="+mj-ea"/>
+                <a:cs typeface="+mj-cs"/>
+              </a:defRPr>
+            </a:lvl1pPr>
+          </a:lstStyle>
+          <a:p>
+            <a:r>
+              <a:rPr lang="en-US" sz="3600" b="1" dirty="0"/>
+              <a:t>6. Can We Predict Species?</a:t>
+            </a:r>
+            <a:endParaRPr lang="fr-FR" sz="3600" b="1" dirty="0"/>
+          </a:p>
+        </p:txBody>
+      </p:sp>
+      <p:sp>
+        <p:nvSpPr>
+          <p:cNvPr id="6" name="Content Placeholder 2">
+            <a:extLst>
+              <a:ext uri="{FF2B5EF4-FFF2-40B4-BE49-F238E27FC236}">
+                <a16:creationId xmlns:a16="http://schemas.microsoft.com/office/drawing/2014/main" id="{D030EA05-2EC2-C8B1-CFE5-5AC968F07A77}"/>
+              </a:ext>
+            </a:extLst>
+          </p:cNvPr>
+          <p:cNvSpPr txBox="1">
+            <a:spLocks/>
+          </p:cNvSpPr>
+          <p:nvPr/>
+        </p:nvSpPr>
+        <p:spPr>
+          <a:xfrm>
+            <a:off x="448979" y="2221993"/>
+            <a:ext cx="8229600" cy="3145536"/>
+          </a:xfrm>
+          <a:prstGeom prst="rect">
+            <a:avLst/>
+          </a:prstGeom>
+        </p:spPr>
+        <p:txBody>
+          <a:bodyPr vert="horz" lIns="91440" tIns="45720" rIns="91440" bIns="45720" rtlCol="0">
+            <a:normAutofit/>
+          </a:bodyPr>
+          <a:lstStyle>
+            <a:lvl1pPr marL="0" indent="0" algn="ctr" defTabSz="457200" rtl="0" eaLnBrk="1" latinLnBrk="0" hangingPunct="1">
+              <a:spcBef>
+                <a:spcPct val="20000"/>
+              </a:spcBef>
+              <a:buFont typeface="Arial"/>
+              <a:buNone/>
+              <a:defRPr sz="3200" kern="1200">
+                <a:solidFill>
+                  <a:schemeClr val="tx1">
+                    <a:tint val="75000"/>
+                  </a:schemeClr>
+                </a:solidFill>
+                <a:latin typeface="+mn-lt"/>
+                <a:ea typeface="+mn-ea"/>
+                <a:cs typeface="+mn-cs"/>
+              </a:defRPr>
+            </a:lvl1pPr>
+            <a:lvl2pPr marL="457200" indent="0" algn="ctr" defTabSz="457200" rtl="0" eaLnBrk="1" latinLnBrk="0" hangingPunct="1">
+              <a:spcBef>
+                <a:spcPct val="20000"/>
+              </a:spcBef>
+              <a:buFont typeface="Arial"/>
+              <a:buNone/>
+              <a:defRPr sz="2800" kern="1200">
+                <a:solidFill>
+                  <a:schemeClr val="tx1">
+                    <a:tint val="75000"/>
+                  </a:schemeClr>
+                </a:solidFill>
+                <a:latin typeface="+mn-lt"/>
+                <a:ea typeface="+mn-ea"/>
+                <a:cs typeface="+mn-cs"/>
+              </a:defRPr>
+            </a:lvl2pPr>
+            <a:lvl3pPr marL="914400" indent="0" algn="ctr" defTabSz="457200" rtl="0" eaLnBrk="1" latinLnBrk="0" hangingPunct="1">
+              <a:spcBef>
+                <a:spcPct val="20000"/>
+              </a:spcBef>
+              <a:buFont typeface="Arial"/>
+              <a:buNone/>
+              <a:defRPr sz="2400" kern="1200">
+                <a:solidFill>
+                  <a:schemeClr val="tx1">
+                    <a:tint val="75000"/>
+                  </a:schemeClr>
+                </a:solidFill>
+                <a:latin typeface="+mn-lt"/>
+                <a:ea typeface="+mn-ea"/>
+                <a:cs typeface="+mn-cs"/>
+              </a:defRPr>
+            </a:lvl3pPr>
+            <a:lvl4pPr marL="1371600" indent="0" algn="ctr" defTabSz="457200" rtl="0" eaLnBrk="1" latinLnBrk="0" hangingPunct="1">
+              <a:spcBef>
+                <a:spcPct val="20000"/>
+              </a:spcBef>
+              <a:buFont typeface="Arial"/>
+              <a:buNone/>
+              <a:defRPr sz="2000" kern="1200">
+                <a:solidFill>
+                  <a:schemeClr val="tx1">
+                    <a:tint val="75000"/>
+                  </a:schemeClr>
+                </a:solidFill>
+                <a:latin typeface="+mn-lt"/>
+                <a:ea typeface="+mn-ea"/>
+                <a:cs typeface="+mn-cs"/>
+              </a:defRPr>
+            </a:lvl4pPr>
+            <a:lvl5pPr marL="1828800" indent="0" algn="ctr" defTabSz="457200" rtl="0" eaLnBrk="1" latinLnBrk="0" hangingPunct="1">
+              <a:spcBef>
+                <a:spcPct val="20000"/>
+              </a:spcBef>
+              <a:buFont typeface="Arial"/>
+              <a:buNone/>
+              <a:defRPr sz="2000" kern="1200">
+                <a:solidFill>
+                  <a:schemeClr val="tx1">
+                    <a:tint val="75000"/>
+                  </a:schemeClr>
+                </a:solidFill>
+                <a:latin typeface="+mn-lt"/>
+                <a:ea typeface="+mn-ea"/>
+                <a:cs typeface="+mn-cs"/>
+              </a:defRPr>
+            </a:lvl5pPr>
+            <a:lvl6pPr marL="2286000" indent="0" algn="ctr" defTabSz="457200" rtl="0" eaLnBrk="1" latinLnBrk="0" hangingPunct="1">
+              <a:spcBef>
+                <a:spcPct val="20000"/>
+              </a:spcBef>
+              <a:buFont typeface="Arial"/>
+              <a:buNone/>
+              <a:defRPr sz="2000" kern="1200">
+                <a:solidFill>
+                  <a:schemeClr val="tx1">
+                    <a:tint val="75000"/>
+                  </a:schemeClr>
+                </a:solidFill>
+                <a:latin typeface="+mn-lt"/>
+                <a:ea typeface="+mn-ea"/>
+                <a:cs typeface="+mn-cs"/>
+              </a:defRPr>
+            </a:lvl6pPr>
+            <a:lvl7pPr marL="2743200" indent="0" algn="ctr" defTabSz="457200" rtl="0" eaLnBrk="1" latinLnBrk="0" hangingPunct="1">
+              <a:spcBef>
+                <a:spcPct val="20000"/>
+              </a:spcBef>
+              <a:buFont typeface="Arial"/>
+              <a:buNone/>
+              <a:defRPr sz="2000" kern="1200">
+                <a:solidFill>
+                  <a:schemeClr val="tx1">
+                    <a:tint val="75000"/>
+                  </a:schemeClr>
+                </a:solidFill>
+                <a:latin typeface="+mn-lt"/>
+                <a:ea typeface="+mn-ea"/>
+                <a:cs typeface="+mn-cs"/>
+              </a:defRPr>
+            </a:lvl7pPr>
+            <a:lvl8pPr marL="3200400" indent="0" algn="ctr" defTabSz="457200" rtl="0" eaLnBrk="1" latinLnBrk="0" hangingPunct="1">
+              <a:spcBef>
+                <a:spcPct val="20000"/>
+              </a:spcBef>
+              <a:buFont typeface="Arial"/>
+              <a:buNone/>
+              <a:defRPr sz="2000" kern="1200">
+                <a:solidFill>
+                  <a:schemeClr val="tx1">
+                    <a:tint val="75000"/>
+                  </a:schemeClr>
+                </a:solidFill>
+                <a:latin typeface="+mn-lt"/>
+                <a:ea typeface="+mn-ea"/>
+                <a:cs typeface="+mn-cs"/>
+              </a:defRPr>
+            </a:lvl8pPr>
+            <a:lvl9pPr marL="3657600" indent="0" algn="ctr" defTabSz="457200" rtl="0" eaLnBrk="1" latinLnBrk="0" hangingPunct="1">
+              <a:spcBef>
+                <a:spcPct val="20000"/>
+              </a:spcBef>
+              <a:buFont typeface="Arial"/>
+              <a:buNone/>
+              <a:defRPr sz="2000" kern="1200">
+                <a:solidFill>
+                  <a:schemeClr val="tx1">
+                    <a:tint val="75000"/>
+                  </a:schemeClr>
+                </a:solidFill>
+                <a:latin typeface="+mn-lt"/>
+                <a:ea typeface="+mn-ea"/>
+                <a:cs typeface="+mn-cs"/>
+              </a:defRPr>
+            </a:lvl9pPr>
+          </a:lstStyle>
+          <a:p>
+            <a:endParaRPr lang="fr-FR" dirty="0"/>
+          </a:p>
+        </p:txBody>
+      </p:sp>
+      <p:pic>
+        <p:nvPicPr>
+          <p:cNvPr id="3" name="Picture 2">
+            <a:extLst>
+              <a:ext uri="{FF2B5EF4-FFF2-40B4-BE49-F238E27FC236}">
+                <a16:creationId xmlns:a16="http://schemas.microsoft.com/office/drawing/2014/main" id="{9B192E92-B016-F817-02F0-AAA39FB1F3DA}"/>
+              </a:ext>
+            </a:extLst>
+          </p:cNvPr>
+          <p:cNvPicPr>
+            <a:picLocks noChangeAspect="1"/>
+          </p:cNvPicPr>
+          <p:nvPr/>
+        </p:nvPicPr>
+        <p:blipFill>
+          <a:blip r:embed="rId2">
+            <a:extLst>
+              <a:ext uri="{BEBA8EAE-BF5A-486C-A8C5-ECC9F3942E4B}">
+                <a14:imgProps xmlns:a14="http://schemas.microsoft.com/office/drawing/2010/main">
+                  <a14:imgLayer r:embed="rId3">
+                    <a14:imgEffect>
+                      <a14:saturation sat="0"/>
+                    </a14:imgEffect>
+                  </a14:imgLayer>
+                </a14:imgProps>
+              </a:ext>
+            </a:extLst>
+          </a:blip>
+          <a:srcRect l="65947" r="3227" b="69068"/>
+          <a:stretch/>
+        </p:blipFill>
+        <p:spPr>
+          <a:xfrm>
+            <a:off x="7334411" y="23503"/>
+            <a:ext cx="1730697" cy="543598"/>
+          </a:xfrm>
+          <a:prstGeom prst="rect">
+            <a:avLst/>
+          </a:prstGeom>
+        </p:spPr>
+      </p:pic>
+      <p:pic>
+        <p:nvPicPr>
+          <p:cNvPr id="9" name="Picture 8">
+            <a:extLst>
+              <a:ext uri="{FF2B5EF4-FFF2-40B4-BE49-F238E27FC236}">
+                <a16:creationId xmlns:a16="http://schemas.microsoft.com/office/drawing/2014/main" id="{B393B1AA-1076-344A-7738-A34E7298B6FF}"/>
+              </a:ext>
+            </a:extLst>
+          </p:cNvPr>
+          <p:cNvPicPr>
+            <a:picLocks noChangeAspect="1"/>
+          </p:cNvPicPr>
+          <p:nvPr/>
+        </p:nvPicPr>
+        <p:blipFill>
+          <a:blip r:embed="rId4">
+            <a:extLst>
+              <a:ext uri="{BEBA8EAE-BF5A-486C-A8C5-ECC9F3942E4B}">
+                <a14:imgProps xmlns:a14="http://schemas.microsoft.com/office/drawing/2010/main">
+                  <a14:imgLayer r:embed="rId5">
+                    <a14:imgEffect>
+                      <a14:saturation sat="0"/>
+                    </a14:imgEffect>
+                  </a14:imgLayer>
+                </a14:imgProps>
+              </a:ext>
+            </a:extLst>
+          </a:blip>
+          <a:srcRect r="42279"/>
+          <a:stretch/>
+        </p:blipFill>
+        <p:spPr>
+          <a:xfrm>
+            <a:off x="0" y="-4677"/>
+            <a:ext cx="1399032" cy="718345"/>
+          </a:xfrm>
+          <a:prstGeom prst="rect">
+            <a:avLst/>
+          </a:prstGeom>
+        </p:spPr>
+      </p:pic>
+      <p:sp>
+        <p:nvSpPr>
+          <p:cNvPr id="10" name="TextBox 9">
+            <a:extLst>
+              <a:ext uri="{FF2B5EF4-FFF2-40B4-BE49-F238E27FC236}">
+                <a16:creationId xmlns:a16="http://schemas.microsoft.com/office/drawing/2014/main" id="{AD92F843-0E33-45A9-31D0-6BD3F13B812B}"/>
+              </a:ext>
+            </a:extLst>
+          </p:cNvPr>
+          <p:cNvSpPr txBox="1"/>
+          <p:nvPr/>
+        </p:nvSpPr>
+        <p:spPr>
+          <a:xfrm>
+            <a:off x="8378594" y="6484966"/>
+            <a:ext cx="777770" cy="230832"/>
+          </a:xfrm>
+          <a:prstGeom prst="rect">
+            <a:avLst/>
+          </a:prstGeom>
+          <a:noFill/>
+        </p:spPr>
+        <p:txBody>
+          <a:bodyPr wrap="square" rtlCol="0">
+            <a:spAutoFit/>
+          </a:bodyPr>
+          <a:lstStyle/>
+          <a:p>
+            <a:r>
+              <a:rPr lang="en-US" sz="900" dirty="0">
+                <a:solidFill>
+                  <a:schemeClr val="bg1">
+                    <a:lumMod val="65000"/>
+                  </a:schemeClr>
+                </a:solidFill>
+              </a:rPr>
+              <a:t>10/06/2025</a:t>
+            </a:r>
+            <a:endParaRPr lang="fr-FR" sz="900" dirty="0">
+              <a:solidFill>
+                <a:schemeClr val="bg1">
+                  <a:lumMod val="65000"/>
+                </a:schemeClr>
+              </a:solidFill>
+            </a:endParaRPr>
+          </a:p>
+        </p:txBody>
+      </p:sp>
+      <p:pic>
+        <p:nvPicPr>
+          <p:cNvPr id="14" name="Picture 13">
+            <a:extLst>
+              <a:ext uri="{FF2B5EF4-FFF2-40B4-BE49-F238E27FC236}">
+                <a16:creationId xmlns:a16="http://schemas.microsoft.com/office/drawing/2014/main" id="{9A54DD77-C487-C199-FC92-A48ED1DBD3E8}"/>
+              </a:ext>
+            </a:extLst>
+          </p:cNvPr>
+          <p:cNvPicPr>
+            <a:picLocks noChangeAspect="1"/>
+          </p:cNvPicPr>
+          <p:nvPr/>
+        </p:nvPicPr>
+        <p:blipFill>
+          <a:blip r:embed="rId6"/>
+          <a:srcRect t="11712"/>
+          <a:stretch/>
+        </p:blipFill>
+        <p:spPr>
+          <a:xfrm>
+            <a:off x="3056032" y="2484781"/>
+            <a:ext cx="5811645" cy="792107"/>
+          </a:xfrm>
+          <a:prstGeom prst="rect">
+            <a:avLst/>
+          </a:prstGeom>
+        </p:spPr>
+      </p:pic>
+      <p:pic>
+        <p:nvPicPr>
+          <p:cNvPr id="6146" name="Picture 2" descr="Download Single Iris Flower Illustration PNG Image with No Background -  PNGkey.com">
+            <a:extLst>
+              <a:ext uri="{FF2B5EF4-FFF2-40B4-BE49-F238E27FC236}">
+                <a16:creationId xmlns:a16="http://schemas.microsoft.com/office/drawing/2014/main" id="{8F60160B-C726-A785-E75F-5BAB0489B5F3}"/>
+              </a:ext>
+            </a:extLst>
+          </p:cNvPr>
+          <p:cNvPicPr>
+            <a:picLocks noChangeAspect="1" noChangeArrowheads="1"/>
+          </p:cNvPicPr>
+          <p:nvPr/>
+        </p:nvPicPr>
+        <p:blipFill>
+          <a:blip r:embed="rId7">
+            <a:extLst>
+              <a:ext uri="{28A0092B-C50C-407E-A947-70E740481C1C}">
+                <a14:useLocalDpi xmlns:a14="http://schemas.microsoft.com/office/drawing/2010/main" val="0"/>
+              </a:ext>
+            </a:extLst>
+          </a:blip>
+          <a:srcRect/>
+          <a:stretch>
+            <a:fillRect/>
+          </a:stretch>
+        </p:blipFill>
+        <p:spPr bwMode="auto">
+          <a:xfrm>
+            <a:off x="837249" y="1845851"/>
+            <a:ext cx="1830513" cy="2916936"/>
+          </a:xfrm>
+          <a:prstGeom prst="rect">
+            <a:avLst/>
+          </a:prstGeom>
+          <a:noFill/>
+          <a:extLst>
+            <a:ext uri="{909E8E84-426E-40DD-AFC4-6F175D3DCCD1}">
+              <a14:hiddenFill xmlns:a14="http://schemas.microsoft.com/office/drawing/2010/main">
+                <a:solidFill>
+                  <a:srgbClr val="FFFFFF"/>
+                </a:solidFill>
+              </a14:hiddenFill>
+            </a:ext>
+          </a:extLst>
+        </p:spPr>
+      </p:pic>
+    </p:spTree>
+    <p:extLst>
+      <p:ext uri="{BB962C8B-B14F-4D97-AF65-F5344CB8AC3E}">
+        <p14:creationId xmlns:p14="http://schemas.microsoft.com/office/powerpoint/2010/main" val="505463559"/>
+      </p:ext>
+    </p:extLst>
+  </p:cSld>
+  <p:clrMapOvr>
+    <a:masterClrMapping/>
+  </p:clrMapOvr>
+</p:sld>
+</file>
+
+<file path=ppt/slides/slide17.xml><?xml version="1.0" encoding="utf-8"?>
 <p:sld xmlns:a="http://schemas.openxmlformats.org/drawingml/2006/main" xmlns:r="http://schemas.openxmlformats.org/officeDocument/2006/relationships" xmlns:p="http://schemas.openxmlformats.org/presentationml/2006/main">
   <p:cSld>
     <p:spTree>
@@ -7721,7 +8244,746 @@
 </p:sld>
 </file>
 
-<file path=ppt/slides/slide17.xml><?xml version="1.0" encoding="utf-8"?>
+<file path=ppt/slides/slide18.xml><?xml version="1.0" encoding="utf-8"?>
+<p:sld xmlns:a="http://schemas.openxmlformats.org/drawingml/2006/main" xmlns:r="http://schemas.openxmlformats.org/officeDocument/2006/relationships" xmlns:p="http://schemas.openxmlformats.org/presentationml/2006/main">
+  <p:cSld>
+    <p:spTree>
+      <p:nvGrpSpPr>
+        <p:cNvPr id="1" name="">
+          <a:extLst>
+            <a:ext uri="{FF2B5EF4-FFF2-40B4-BE49-F238E27FC236}">
+              <a16:creationId xmlns:a16="http://schemas.microsoft.com/office/drawing/2014/main" id="{5A8D7E7B-9D0A-B8EC-842B-C2F250A626AD}"/>
+            </a:ext>
+          </a:extLst>
+        </p:cNvPr>
+        <p:cNvGrpSpPr/>
+        <p:nvPr/>
+      </p:nvGrpSpPr>
+      <p:grpSpPr>
+        <a:xfrm>
+          <a:off x="0" y="0"/>
+          <a:ext cx="0" cy="0"/>
+          <a:chOff x="0" y="0"/>
+          <a:chExt cx="0" cy="0"/>
+        </a:xfrm>
+      </p:grpSpPr>
+      <p:sp>
+        <p:nvSpPr>
+          <p:cNvPr id="2" name="TextBox 1">
+            <a:extLst>
+              <a:ext uri="{FF2B5EF4-FFF2-40B4-BE49-F238E27FC236}">
+                <a16:creationId xmlns:a16="http://schemas.microsoft.com/office/drawing/2014/main" id="{1293BFA1-8022-AA19-737C-356B50543CFE}"/>
+              </a:ext>
+            </a:extLst>
+          </p:cNvPr>
+          <p:cNvSpPr txBox="1"/>
+          <p:nvPr/>
+        </p:nvSpPr>
+        <p:spPr>
+          <a:xfrm>
+            <a:off x="0" y="6484966"/>
+            <a:ext cx="2667762" cy="230832"/>
+          </a:xfrm>
+          <a:prstGeom prst="rect">
+            <a:avLst/>
+          </a:prstGeom>
+          <a:noFill/>
+        </p:spPr>
+        <p:txBody>
+          <a:bodyPr wrap="square" rtlCol="0">
+            <a:spAutoFit/>
+          </a:bodyPr>
+          <a:lstStyle/>
+          <a:p>
+            <a:r>
+              <a:rPr lang="en-US" sz="900" dirty="0">
+                <a:solidFill>
+                  <a:schemeClr val="bg1">
+                    <a:lumMod val="65000"/>
+                  </a:schemeClr>
+                </a:solidFill>
+              </a:rPr>
+              <a:t>Presented by: Redha &amp; Rooney</a:t>
+            </a:r>
+            <a:endParaRPr lang="fr-FR" sz="900" dirty="0">
+              <a:solidFill>
+                <a:schemeClr val="bg1">
+                  <a:lumMod val="65000"/>
+                </a:schemeClr>
+              </a:solidFill>
+            </a:endParaRPr>
+          </a:p>
+        </p:txBody>
+      </p:sp>
+      <p:sp>
+        <p:nvSpPr>
+          <p:cNvPr id="5" name="Title 1">
+            <a:extLst>
+              <a:ext uri="{FF2B5EF4-FFF2-40B4-BE49-F238E27FC236}">
+                <a16:creationId xmlns:a16="http://schemas.microsoft.com/office/drawing/2014/main" id="{7E0964DD-E3AD-7AAE-E9C1-7F9D3F031D1A}"/>
+              </a:ext>
+            </a:extLst>
+          </p:cNvPr>
+          <p:cNvSpPr txBox="1">
+            <a:spLocks/>
+          </p:cNvSpPr>
+          <p:nvPr/>
+        </p:nvSpPr>
+        <p:spPr>
+          <a:xfrm>
+            <a:off x="251922" y="-78279"/>
+            <a:ext cx="8229600" cy="1143000"/>
+          </a:xfrm>
+          <a:prstGeom prst="rect">
+            <a:avLst/>
+          </a:prstGeom>
+        </p:spPr>
+        <p:txBody>
+          <a:bodyPr vert="horz" lIns="91440" tIns="45720" rIns="91440" bIns="45720" rtlCol="0" anchor="ctr">
+            <a:normAutofit/>
+          </a:bodyPr>
+          <a:lstStyle>
+            <a:lvl1pPr algn="ctr" defTabSz="457200" rtl="0" eaLnBrk="1" latinLnBrk="0" hangingPunct="1">
+              <a:spcBef>
+                <a:spcPct val="0"/>
+              </a:spcBef>
+              <a:buNone/>
+              <a:defRPr sz="4400" kern="1200">
+                <a:solidFill>
+                  <a:schemeClr val="tx1"/>
+                </a:solidFill>
+                <a:latin typeface="+mj-lt"/>
+                <a:ea typeface="+mj-ea"/>
+                <a:cs typeface="+mj-cs"/>
+              </a:defRPr>
+            </a:lvl1pPr>
+          </a:lstStyle>
+          <a:p>
+            <a:r>
+              <a:rPr lang="en-US" sz="3600" b="1" dirty="0"/>
+              <a:t>6. Can We Predict Species?</a:t>
+            </a:r>
+            <a:endParaRPr lang="fr-FR" sz="3600" b="1" dirty="0"/>
+          </a:p>
+        </p:txBody>
+      </p:sp>
+      <p:sp>
+        <p:nvSpPr>
+          <p:cNvPr id="6" name="Content Placeholder 2">
+            <a:extLst>
+              <a:ext uri="{FF2B5EF4-FFF2-40B4-BE49-F238E27FC236}">
+                <a16:creationId xmlns:a16="http://schemas.microsoft.com/office/drawing/2014/main" id="{E9D9820F-368A-AB51-5B9E-1E5353B3FB8D}"/>
+              </a:ext>
+            </a:extLst>
+          </p:cNvPr>
+          <p:cNvSpPr txBox="1">
+            <a:spLocks/>
+          </p:cNvSpPr>
+          <p:nvPr/>
+        </p:nvSpPr>
+        <p:spPr>
+          <a:xfrm>
+            <a:off x="448979" y="2221993"/>
+            <a:ext cx="8229600" cy="3145536"/>
+          </a:xfrm>
+          <a:prstGeom prst="rect">
+            <a:avLst/>
+          </a:prstGeom>
+        </p:spPr>
+        <p:txBody>
+          <a:bodyPr vert="horz" lIns="91440" tIns="45720" rIns="91440" bIns="45720" rtlCol="0">
+            <a:normAutofit/>
+          </a:bodyPr>
+          <a:lstStyle>
+            <a:lvl1pPr marL="0" indent="0" algn="ctr" defTabSz="457200" rtl="0" eaLnBrk="1" latinLnBrk="0" hangingPunct="1">
+              <a:spcBef>
+                <a:spcPct val="20000"/>
+              </a:spcBef>
+              <a:buFont typeface="Arial"/>
+              <a:buNone/>
+              <a:defRPr sz="3200" kern="1200">
+                <a:solidFill>
+                  <a:schemeClr val="tx1">
+                    <a:tint val="75000"/>
+                  </a:schemeClr>
+                </a:solidFill>
+                <a:latin typeface="+mn-lt"/>
+                <a:ea typeface="+mn-ea"/>
+                <a:cs typeface="+mn-cs"/>
+              </a:defRPr>
+            </a:lvl1pPr>
+            <a:lvl2pPr marL="457200" indent="0" algn="ctr" defTabSz="457200" rtl="0" eaLnBrk="1" latinLnBrk="0" hangingPunct="1">
+              <a:spcBef>
+                <a:spcPct val="20000"/>
+              </a:spcBef>
+              <a:buFont typeface="Arial"/>
+              <a:buNone/>
+              <a:defRPr sz="2800" kern="1200">
+                <a:solidFill>
+                  <a:schemeClr val="tx1">
+                    <a:tint val="75000"/>
+                  </a:schemeClr>
+                </a:solidFill>
+                <a:latin typeface="+mn-lt"/>
+                <a:ea typeface="+mn-ea"/>
+                <a:cs typeface="+mn-cs"/>
+              </a:defRPr>
+            </a:lvl2pPr>
+            <a:lvl3pPr marL="914400" indent="0" algn="ctr" defTabSz="457200" rtl="0" eaLnBrk="1" latinLnBrk="0" hangingPunct="1">
+              <a:spcBef>
+                <a:spcPct val="20000"/>
+              </a:spcBef>
+              <a:buFont typeface="Arial"/>
+              <a:buNone/>
+              <a:defRPr sz="2400" kern="1200">
+                <a:solidFill>
+                  <a:schemeClr val="tx1">
+                    <a:tint val="75000"/>
+                  </a:schemeClr>
+                </a:solidFill>
+                <a:latin typeface="+mn-lt"/>
+                <a:ea typeface="+mn-ea"/>
+                <a:cs typeface="+mn-cs"/>
+              </a:defRPr>
+            </a:lvl3pPr>
+            <a:lvl4pPr marL="1371600" indent="0" algn="ctr" defTabSz="457200" rtl="0" eaLnBrk="1" latinLnBrk="0" hangingPunct="1">
+              <a:spcBef>
+                <a:spcPct val="20000"/>
+              </a:spcBef>
+              <a:buFont typeface="Arial"/>
+              <a:buNone/>
+              <a:defRPr sz="2000" kern="1200">
+                <a:solidFill>
+                  <a:schemeClr val="tx1">
+                    <a:tint val="75000"/>
+                  </a:schemeClr>
+                </a:solidFill>
+                <a:latin typeface="+mn-lt"/>
+                <a:ea typeface="+mn-ea"/>
+                <a:cs typeface="+mn-cs"/>
+              </a:defRPr>
+            </a:lvl4pPr>
+            <a:lvl5pPr marL="1828800" indent="0" algn="ctr" defTabSz="457200" rtl="0" eaLnBrk="1" latinLnBrk="0" hangingPunct="1">
+              <a:spcBef>
+                <a:spcPct val="20000"/>
+              </a:spcBef>
+              <a:buFont typeface="Arial"/>
+              <a:buNone/>
+              <a:defRPr sz="2000" kern="1200">
+                <a:solidFill>
+                  <a:schemeClr val="tx1">
+                    <a:tint val="75000"/>
+                  </a:schemeClr>
+                </a:solidFill>
+                <a:latin typeface="+mn-lt"/>
+                <a:ea typeface="+mn-ea"/>
+                <a:cs typeface="+mn-cs"/>
+              </a:defRPr>
+            </a:lvl5pPr>
+            <a:lvl6pPr marL="2286000" indent="0" algn="ctr" defTabSz="457200" rtl="0" eaLnBrk="1" latinLnBrk="0" hangingPunct="1">
+              <a:spcBef>
+                <a:spcPct val="20000"/>
+              </a:spcBef>
+              <a:buFont typeface="Arial"/>
+              <a:buNone/>
+              <a:defRPr sz="2000" kern="1200">
+                <a:solidFill>
+                  <a:schemeClr val="tx1">
+                    <a:tint val="75000"/>
+                  </a:schemeClr>
+                </a:solidFill>
+                <a:latin typeface="+mn-lt"/>
+                <a:ea typeface="+mn-ea"/>
+                <a:cs typeface="+mn-cs"/>
+              </a:defRPr>
+            </a:lvl6pPr>
+            <a:lvl7pPr marL="2743200" indent="0" algn="ctr" defTabSz="457200" rtl="0" eaLnBrk="1" latinLnBrk="0" hangingPunct="1">
+              <a:spcBef>
+                <a:spcPct val="20000"/>
+              </a:spcBef>
+              <a:buFont typeface="Arial"/>
+              <a:buNone/>
+              <a:defRPr sz="2000" kern="1200">
+                <a:solidFill>
+                  <a:schemeClr val="tx1">
+                    <a:tint val="75000"/>
+                  </a:schemeClr>
+                </a:solidFill>
+                <a:latin typeface="+mn-lt"/>
+                <a:ea typeface="+mn-ea"/>
+                <a:cs typeface="+mn-cs"/>
+              </a:defRPr>
+            </a:lvl7pPr>
+            <a:lvl8pPr marL="3200400" indent="0" algn="ctr" defTabSz="457200" rtl="0" eaLnBrk="1" latinLnBrk="0" hangingPunct="1">
+              <a:spcBef>
+                <a:spcPct val="20000"/>
+              </a:spcBef>
+              <a:buFont typeface="Arial"/>
+              <a:buNone/>
+              <a:defRPr sz="2000" kern="1200">
+                <a:solidFill>
+                  <a:schemeClr val="tx1">
+                    <a:tint val="75000"/>
+                  </a:schemeClr>
+                </a:solidFill>
+                <a:latin typeface="+mn-lt"/>
+                <a:ea typeface="+mn-ea"/>
+                <a:cs typeface="+mn-cs"/>
+              </a:defRPr>
+            </a:lvl8pPr>
+            <a:lvl9pPr marL="3657600" indent="0" algn="ctr" defTabSz="457200" rtl="0" eaLnBrk="1" latinLnBrk="0" hangingPunct="1">
+              <a:spcBef>
+                <a:spcPct val="20000"/>
+              </a:spcBef>
+              <a:buFont typeface="Arial"/>
+              <a:buNone/>
+              <a:defRPr sz="2000" kern="1200">
+                <a:solidFill>
+                  <a:schemeClr val="tx1">
+                    <a:tint val="75000"/>
+                  </a:schemeClr>
+                </a:solidFill>
+                <a:latin typeface="+mn-lt"/>
+                <a:ea typeface="+mn-ea"/>
+                <a:cs typeface="+mn-cs"/>
+              </a:defRPr>
+            </a:lvl9pPr>
+          </a:lstStyle>
+          <a:p>
+            <a:endParaRPr lang="fr-FR" dirty="0"/>
+          </a:p>
+        </p:txBody>
+      </p:sp>
+      <p:pic>
+        <p:nvPicPr>
+          <p:cNvPr id="3" name="Picture 2">
+            <a:extLst>
+              <a:ext uri="{FF2B5EF4-FFF2-40B4-BE49-F238E27FC236}">
+                <a16:creationId xmlns:a16="http://schemas.microsoft.com/office/drawing/2014/main" id="{469163A3-6826-DC59-7E5A-4B80CA7CE10B}"/>
+              </a:ext>
+            </a:extLst>
+          </p:cNvPr>
+          <p:cNvPicPr>
+            <a:picLocks noChangeAspect="1"/>
+          </p:cNvPicPr>
+          <p:nvPr/>
+        </p:nvPicPr>
+        <p:blipFill>
+          <a:blip r:embed="rId2">
+            <a:extLst>
+              <a:ext uri="{BEBA8EAE-BF5A-486C-A8C5-ECC9F3942E4B}">
+                <a14:imgProps xmlns:a14="http://schemas.microsoft.com/office/drawing/2010/main">
+                  <a14:imgLayer r:embed="rId3">
+                    <a14:imgEffect>
+                      <a14:saturation sat="0"/>
+                    </a14:imgEffect>
+                  </a14:imgLayer>
+                </a14:imgProps>
+              </a:ext>
+            </a:extLst>
+          </a:blip>
+          <a:srcRect l="65947" r="3227" b="69068"/>
+          <a:stretch/>
+        </p:blipFill>
+        <p:spPr>
+          <a:xfrm>
+            <a:off x="7334411" y="23503"/>
+            <a:ext cx="1730697" cy="543598"/>
+          </a:xfrm>
+          <a:prstGeom prst="rect">
+            <a:avLst/>
+          </a:prstGeom>
+        </p:spPr>
+      </p:pic>
+      <p:pic>
+        <p:nvPicPr>
+          <p:cNvPr id="9" name="Picture 8">
+            <a:extLst>
+              <a:ext uri="{FF2B5EF4-FFF2-40B4-BE49-F238E27FC236}">
+                <a16:creationId xmlns:a16="http://schemas.microsoft.com/office/drawing/2014/main" id="{22CF9F03-2CC6-880C-BB1D-4F824919AD24}"/>
+              </a:ext>
+            </a:extLst>
+          </p:cNvPr>
+          <p:cNvPicPr>
+            <a:picLocks noChangeAspect="1"/>
+          </p:cNvPicPr>
+          <p:nvPr/>
+        </p:nvPicPr>
+        <p:blipFill>
+          <a:blip r:embed="rId4">
+            <a:extLst>
+              <a:ext uri="{BEBA8EAE-BF5A-486C-A8C5-ECC9F3942E4B}">
+                <a14:imgProps xmlns:a14="http://schemas.microsoft.com/office/drawing/2010/main">
+                  <a14:imgLayer r:embed="rId5">
+                    <a14:imgEffect>
+                      <a14:saturation sat="0"/>
+                    </a14:imgEffect>
+                  </a14:imgLayer>
+                </a14:imgProps>
+              </a:ext>
+            </a:extLst>
+          </a:blip>
+          <a:srcRect r="42279"/>
+          <a:stretch/>
+        </p:blipFill>
+        <p:spPr>
+          <a:xfrm>
+            <a:off x="0" y="-4677"/>
+            <a:ext cx="1399032" cy="718345"/>
+          </a:xfrm>
+          <a:prstGeom prst="rect">
+            <a:avLst/>
+          </a:prstGeom>
+        </p:spPr>
+      </p:pic>
+      <p:sp>
+        <p:nvSpPr>
+          <p:cNvPr id="10" name="TextBox 9">
+            <a:extLst>
+              <a:ext uri="{FF2B5EF4-FFF2-40B4-BE49-F238E27FC236}">
+                <a16:creationId xmlns:a16="http://schemas.microsoft.com/office/drawing/2014/main" id="{44BF8A0C-D1E1-2D95-5B7B-FFCF02664086}"/>
+              </a:ext>
+            </a:extLst>
+          </p:cNvPr>
+          <p:cNvSpPr txBox="1"/>
+          <p:nvPr/>
+        </p:nvSpPr>
+        <p:spPr>
+          <a:xfrm>
+            <a:off x="8378594" y="6484966"/>
+            <a:ext cx="777770" cy="230832"/>
+          </a:xfrm>
+          <a:prstGeom prst="rect">
+            <a:avLst/>
+          </a:prstGeom>
+          <a:noFill/>
+        </p:spPr>
+        <p:txBody>
+          <a:bodyPr wrap="square" rtlCol="0">
+            <a:spAutoFit/>
+          </a:bodyPr>
+          <a:lstStyle/>
+          <a:p>
+            <a:r>
+              <a:rPr lang="en-US" sz="900" dirty="0">
+                <a:solidFill>
+                  <a:schemeClr val="bg1">
+                    <a:lumMod val="65000"/>
+                  </a:schemeClr>
+                </a:solidFill>
+              </a:rPr>
+              <a:t>10/06/2025</a:t>
+            </a:r>
+            <a:endParaRPr lang="fr-FR" sz="900" dirty="0">
+              <a:solidFill>
+                <a:schemeClr val="bg1">
+                  <a:lumMod val="65000"/>
+                </a:schemeClr>
+              </a:solidFill>
+            </a:endParaRPr>
+          </a:p>
+        </p:txBody>
+      </p:sp>
+      <p:pic>
+        <p:nvPicPr>
+          <p:cNvPr id="12" name="Picture 11">
+            <a:extLst>
+              <a:ext uri="{FF2B5EF4-FFF2-40B4-BE49-F238E27FC236}">
+                <a16:creationId xmlns:a16="http://schemas.microsoft.com/office/drawing/2014/main" id="{D808B2FB-E38E-722A-2DA2-1276782951B2}"/>
+              </a:ext>
+            </a:extLst>
+          </p:cNvPr>
+          <p:cNvPicPr>
+            <a:picLocks noChangeAspect="1"/>
+          </p:cNvPicPr>
+          <p:nvPr/>
+        </p:nvPicPr>
+        <p:blipFill>
+          <a:blip r:embed="rId6"/>
+          <a:stretch>
+            <a:fillRect/>
+          </a:stretch>
+        </p:blipFill>
+        <p:spPr>
+          <a:xfrm>
+            <a:off x="365760" y="1234441"/>
+            <a:ext cx="7699248" cy="5210967"/>
+          </a:xfrm>
+          <a:prstGeom prst="rect">
+            <a:avLst/>
+          </a:prstGeom>
+        </p:spPr>
+      </p:pic>
+      <p:sp>
+        <p:nvSpPr>
+          <p:cNvPr id="8" name="Rectangle 7">
+            <a:extLst>
+              <a:ext uri="{FF2B5EF4-FFF2-40B4-BE49-F238E27FC236}">
+                <a16:creationId xmlns:a16="http://schemas.microsoft.com/office/drawing/2014/main" id="{347A512D-37C2-8029-760E-A9915A6FE196}"/>
+              </a:ext>
+            </a:extLst>
+          </p:cNvPr>
+          <p:cNvSpPr/>
+          <p:nvPr/>
+        </p:nvSpPr>
+        <p:spPr>
+          <a:xfrm>
+            <a:off x="521208" y="3008376"/>
+            <a:ext cx="4379976" cy="3364992"/>
+          </a:xfrm>
+          <a:prstGeom prst="rect">
+            <a:avLst/>
+          </a:prstGeom>
+          <a:noFill/>
+        </p:spPr>
+        <p:style>
+          <a:lnRef idx="2">
+            <a:schemeClr val="accent1"/>
+          </a:lnRef>
+          <a:fillRef idx="1">
+            <a:schemeClr val="lt1"/>
+          </a:fillRef>
+          <a:effectRef idx="0">
+            <a:schemeClr val="accent1"/>
+          </a:effectRef>
+          <a:fontRef idx="minor">
+            <a:schemeClr val="dk1"/>
+          </a:fontRef>
+        </p:style>
+        <p:txBody>
+          <a:bodyPr rtlCol="0" anchor="ctr"/>
+          <a:lstStyle/>
+          <a:p>
+            <a:pPr algn="ctr"/>
+            <a:endParaRPr lang="fr-FR" dirty="0"/>
+          </a:p>
+        </p:txBody>
+      </p:sp>
+      <p:sp>
+        <p:nvSpPr>
+          <p:cNvPr id="11" name="Rectangle 10">
+            <a:extLst>
+              <a:ext uri="{FF2B5EF4-FFF2-40B4-BE49-F238E27FC236}">
+                <a16:creationId xmlns:a16="http://schemas.microsoft.com/office/drawing/2014/main" id="{00623A0A-EC9C-A500-B976-67094E512AF3}"/>
+              </a:ext>
+            </a:extLst>
+          </p:cNvPr>
+          <p:cNvSpPr/>
+          <p:nvPr/>
+        </p:nvSpPr>
+        <p:spPr>
+          <a:xfrm rot="20311698">
+            <a:off x="4306824" y="1522177"/>
+            <a:ext cx="2221992" cy="1320515"/>
+          </a:xfrm>
+          <a:prstGeom prst="rect">
+            <a:avLst/>
+          </a:prstGeom>
+          <a:noFill/>
+        </p:spPr>
+        <p:style>
+          <a:lnRef idx="2">
+            <a:schemeClr val="accent1"/>
+          </a:lnRef>
+          <a:fillRef idx="1">
+            <a:schemeClr val="lt1"/>
+          </a:fillRef>
+          <a:effectRef idx="0">
+            <a:schemeClr val="accent1"/>
+          </a:effectRef>
+          <a:fontRef idx="minor">
+            <a:schemeClr val="dk1"/>
+          </a:fontRef>
+        </p:style>
+        <p:txBody>
+          <a:bodyPr rtlCol="0" anchor="ctr"/>
+          <a:lstStyle/>
+          <a:p>
+            <a:pPr algn="ctr"/>
+            <a:endParaRPr lang="fr-FR" dirty="0"/>
+          </a:p>
+        </p:txBody>
+      </p:sp>
+      <p:cxnSp>
+        <p:nvCxnSpPr>
+          <p:cNvPr id="15" name="Straight Connector 14">
+            <a:extLst>
+              <a:ext uri="{FF2B5EF4-FFF2-40B4-BE49-F238E27FC236}">
+                <a16:creationId xmlns:a16="http://schemas.microsoft.com/office/drawing/2014/main" id="{E9181014-7C4F-C0C0-6CAB-108D03F0EE61}"/>
+              </a:ext>
+            </a:extLst>
+          </p:cNvPr>
+          <p:cNvCxnSpPr/>
+          <p:nvPr/>
+        </p:nvCxnSpPr>
+        <p:spPr>
+          <a:xfrm flipV="1">
+            <a:off x="5102352" y="1792224"/>
+            <a:ext cx="978408" cy="1051560"/>
+          </a:xfrm>
+          <a:prstGeom prst="line">
+            <a:avLst/>
+          </a:prstGeom>
+          <a:ln w="57150"/>
+        </p:spPr>
+        <p:style>
+          <a:lnRef idx="2">
+            <a:schemeClr val="accent1"/>
+          </a:lnRef>
+          <a:fillRef idx="0">
+            <a:schemeClr val="accent1"/>
+          </a:fillRef>
+          <a:effectRef idx="1">
+            <a:schemeClr val="accent1"/>
+          </a:effectRef>
+          <a:fontRef idx="minor">
+            <a:schemeClr val="tx1"/>
+          </a:fontRef>
+        </p:style>
+      </p:cxnSp>
+      <p:sp>
+        <p:nvSpPr>
+          <p:cNvPr id="16" name="Rectangle 15">
+            <a:extLst>
+              <a:ext uri="{FF2B5EF4-FFF2-40B4-BE49-F238E27FC236}">
+                <a16:creationId xmlns:a16="http://schemas.microsoft.com/office/drawing/2014/main" id="{32A87E6F-4151-2112-5751-35447A4671AE}"/>
+              </a:ext>
+            </a:extLst>
+          </p:cNvPr>
+          <p:cNvSpPr/>
+          <p:nvPr/>
+        </p:nvSpPr>
+        <p:spPr>
+          <a:xfrm rot="19968186">
+            <a:off x="5235574" y="2348118"/>
+            <a:ext cx="2221992" cy="1320515"/>
+          </a:xfrm>
+          <a:prstGeom prst="rect">
+            <a:avLst/>
+          </a:prstGeom>
+          <a:noFill/>
+        </p:spPr>
+        <p:style>
+          <a:lnRef idx="2">
+            <a:schemeClr val="accent1"/>
+          </a:lnRef>
+          <a:fillRef idx="1">
+            <a:schemeClr val="lt1"/>
+          </a:fillRef>
+          <a:effectRef idx="0">
+            <a:schemeClr val="accent1"/>
+          </a:effectRef>
+          <a:fontRef idx="minor">
+            <a:schemeClr val="dk1"/>
+          </a:fontRef>
+        </p:style>
+        <p:txBody>
+          <a:bodyPr rtlCol="0" anchor="ctr"/>
+          <a:lstStyle/>
+          <a:p>
+            <a:pPr algn="ctr"/>
+            <a:endParaRPr lang="fr-FR" dirty="0"/>
+          </a:p>
+        </p:txBody>
+      </p:sp>
+      <p:cxnSp>
+        <p:nvCxnSpPr>
+          <p:cNvPr id="18" name="Straight Connector 17">
+            <a:extLst>
+              <a:ext uri="{FF2B5EF4-FFF2-40B4-BE49-F238E27FC236}">
+                <a16:creationId xmlns:a16="http://schemas.microsoft.com/office/drawing/2014/main" id="{E591ADA1-9947-059F-EBBB-19168B825CED}"/>
+              </a:ext>
+            </a:extLst>
+          </p:cNvPr>
+          <p:cNvCxnSpPr>
+            <a:cxnSpLocks/>
+          </p:cNvCxnSpPr>
+          <p:nvPr/>
+        </p:nvCxnSpPr>
+        <p:spPr>
+          <a:xfrm flipV="1">
+            <a:off x="5797296" y="2318004"/>
+            <a:ext cx="1243569" cy="973836"/>
+          </a:xfrm>
+          <a:prstGeom prst="line">
+            <a:avLst/>
+          </a:prstGeom>
+          <a:ln w="57150"/>
+        </p:spPr>
+        <p:style>
+          <a:lnRef idx="2">
+            <a:schemeClr val="accent1"/>
+          </a:lnRef>
+          <a:fillRef idx="0">
+            <a:schemeClr val="accent1"/>
+          </a:fillRef>
+          <a:effectRef idx="1">
+            <a:schemeClr val="accent1"/>
+          </a:effectRef>
+          <a:fontRef idx="minor">
+            <a:schemeClr val="tx1"/>
+          </a:fontRef>
+        </p:style>
+      </p:cxnSp>
+      <p:sp>
+        <p:nvSpPr>
+          <p:cNvPr id="19" name="Oval 18">
+            <a:extLst>
+              <a:ext uri="{FF2B5EF4-FFF2-40B4-BE49-F238E27FC236}">
+                <a16:creationId xmlns:a16="http://schemas.microsoft.com/office/drawing/2014/main" id="{8059C701-BB27-0EB4-7C62-47538ED89941}"/>
+              </a:ext>
+            </a:extLst>
+          </p:cNvPr>
+          <p:cNvSpPr/>
+          <p:nvPr/>
+        </p:nvSpPr>
+        <p:spPr>
+          <a:xfrm>
+            <a:off x="4297680" y="2510374"/>
+            <a:ext cx="1207008" cy="1196085"/>
+          </a:xfrm>
+          <a:prstGeom prst="ellipse">
+            <a:avLst/>
+          </a:prstGeom>
+          <a:noFill/>
+        </p:spPr>
+        <p:style>
+          <a:lnRef idx="2">
+            <a:schemeClr val="accent2"/>
+          </a:lnRef>
+          <a:fillRef idx="1">
+            <a:schemeClr val="lt1"/>
+          </a:fillRef>
+          <a:effectRef idx="0">
+            <a:schemeClr val="accent2"/>
+          </a:effectRef>
+          <a:fontRef idx="minor">
+            <a:schemeClr val="dk1"/>
+          </a:fontRef>
+        </p:style>
+        <p:txBody>
+          <a:bodyPr rtlCol="0" anchor="ctr"/>
+          <a:lstStyle/>
+          <a:p>
+            <a:pPr algn="ctr"/>
+            <a:endParaRPr lang="fr-FR" dirty="0"/>
+          </a:p>
+        </p:txBody>
+      </p:sp>
+    </p:spTree>
+    <p:extLst>
+      <p:ext uri="{BB962C8B-B14F-4D97-AF65-F5344CB8AC3E}">
+        <p14:creationId xmlns:p14="http://schemas.microsoft.com/office/powerpoint/2010/main" val="1817506866"/>
+      </p:ext>
+    </p:extLst>
+  </p:cSld>
+  <p:clrMapOvr>
+    <a:masterClrMapping/>
+  </p:clrMapOvr>
+</p:sld>
+</file>
+
+<file path=ppt/slides/slide19.xml><?xml version="1.0" encoding="utf-8"?>
 <p:sld xmlns:a="http://schemas.openxmlformats.org/drawingml/2006/main" xmlns:r="http://schemas.openxmlformats.org/officeDocument/2006/relationships" xmlns:p="http://schemas.openxmlformats.org/presentationml/2006/main">
   <p:cSld>
     <p:spTree>
@@ -8221,8 +9483,8 @@
         </p:nvSpPr>
         <p:spPr>
           <a:xfrm>
-            <a:off x="300793" y="1268506"/>
-            <a:ext cx="7995505" cy="5262979"/>
+            <a:off x="326428" y="1277239"/>
+            <a:ext cx="8909012" cy="5016758"/>
           </a:xfrm>
           <a:prstGeom prst="rect">
             <a:avLst/>
@@ -8249,235 +9511,348 @@
           </a:p>
           <a:p>
             <a:r>
-              <a:rPr lang="fr-FR" sz="2800" dirty="0"/>
+              <a:rPr lang="fr-FR" sz="2400" dirty="0"/>
               <a:t>Data </a:t>
             </a:r>
             <a:r>
-              <a:rPr lang="fr-FR" sz="2800" dirty="0" err="1"/>
+              <a:rPr lang="fr-FR" sz="2400" dirty="0" err="1"/>
               <a:t>is</a:t>
             </a:r>
             <a:r>
-              <a:rPr lang="fr-FR" sz="2800" dirty="0"/>
+              <a:rPr lang="fr-FR" sz="2400" dirty="0"/>
               <a:t> clean, </a:t>
             </a:r>
             <a:r>
-              <a:rPr lang="fr-FR" sz="2800" dirty="0" err="1"/>
+              <a:rPr lang="fr-FR" sz="2400" dirty="0" err="1"/>
               <a:t>with</a:t>
             </a:r>
             <a:r>
-              <a:rPr lang="fr-FR" sz="2800" dirty="0"/>
+              <a:rPr lang="fr-FR" sz="2400" dirty="0"/>
               <a:t> few </a:t>
             </a:r>
             <a:r>
-              <a:rPr lang="fr-FR" sz="2800" dirty="0" err="1"/>
+              <a:rPr lang="fr-FR" sz="2400" dirty="0" err="1"/>
               <a:t>outliers</a:t>
             </a:r>
             <a:r>
-              <a:rPr lang="fr-FR" sz="2800" dirty="0"/>
+              <a:rPr lang="fr-FR" sz="2400" dirty="0"/>
               <a:t>.</a:t>
             </a:r>
           </a:p>
           <a:p>
             <a:r>
-              <a:rPr lang="fr-FR" sz="2800" dirty="0" err="1"/>
+              <a:rPr lang="fr-FR" sz="2400" dirty="0" err="1"/>
               <a:t>Petal</a:t>
             </a:r>
             <a:r>
-              <a:rPr lang="fr-FR" sz="2800" dirty="0"/>
+              <a:rPr lang="fr-FR" sz="2400" dirty="0"/>
               <a:t> </a:t>
             </a:r>
             <a:r>
-              <a:rPr lang="fr-FR" sz="2800" dirty="0" err="1"/>
+              <a:rPr lang="fr-FR" sz="2400" dirty="0" err="1"/>
               <a:t>measurements</a:t>
             </a:r>
             <a:r>
-              <a:rPr lang="fr-FR" sz="2800" dirty="0"/>
+              <a:rPr lang="fr-FR" sz="2400" dirty="0"/>
               <a:t> are </a:t>
             </a:r>
             <a:r>
-              <a:rPr lang="fr-FR" sz="2800" dirty="0" err="1"/>
+              <a:rPr lang="fr-FR" sz="2400" dirty="0" err="1"/>
               <a:t>highly</a:t>
             </a:r>
             <a:r>
-              <a:rPr lang="fr-FR" sz="2800" dirty="0"/>
+              <a:rPr lang="fr-FR" sz="2400" dirty="0"/>
               <a:t> informative.</a:t>
             </a:r>
           </a:p>
           <a:p>
             <a:r>
-              <a:rPr lang="fr-FR" sz="2800" dirty="0" err="1"/>
+              <a:rPr lang="fr-FR" sz="2400" dirty="0" err="1"/>
               <a:t>Setosa</a:t>
             </a:r>
             <a:r>
-              <a:rPr lang="fr-FR" sz="2800" dirty="0"/>
+              <a:rPr lang="fr-FR" sz="2400" dirty="0"/>
               <a:t> </a:t>
             </a:r>
             <a:r>
-              <a:rPr lang="fr-FR" sz="2800" dirty="0" err="1"/>
+              <a:rPr lang="fr-FR" sz="2400" dirty="0" err="1"/>
               <a:t>is</a:t>
             </a:r>
             <a:r>
-              <a:rPr lang="fr-FR" sz="2800" dirty="0"/>
+              <a:rPr lang="fr-FR" sz="2400" dirty="0"/>
               <a:t> </a:t>
             </a:r>
             <a:r>
-              <a:rPr lang="fr-FR" sz="2800" dirty="0" err="1"/>
+              <a:rPr lang="fr-FR" sz="2400" dirty="0" err="1"/>
               <a:t>easily</a:t>
             </a:r>
             <a:r>
-              <a:rPr lang="fr-FR" sz="2800" dirty="0"/>
+              <a:rPr lang="fr-FR" sz="2400" dirty="0"/>
               <a:t> </a:t>
             </a:r>
             <a:r>
-              <a:rPr lang="fr-FR" sz="2800" dirty="0" err="1"/>
+              <a:rPr lang="fr-FR" sz="2400" dirty="0" err="1"/>
               <a:t>distinguishable</a:t>
             </a:r>
             <a:r>
-              <a:rPr lang="fr-FR" sz="2800" dirty="0"/>
+              <a:rPr lang="fr-FR" sz="2400" dirty="0"/>
               <a:t>.</a:t>
             </a:r>
           </a:p>
           <a:p>
             <a:r>
-              <a:rPr lang="fr-FR" sz="2800" dirty="0" err="1"/>
+              <a:rPr lang="fr-FR" sz="2400" dirty="0" err="1"/>
               <a:t>Some</a:t>
             </a:r>
             <a:r>
-              <a:rPr lang="fr-FR" sz="2800" dirty="0"/>
+              <a:rPr lang="fr-FR" sz="2400" dirty="0"/>
               <a:t> </a:t>
             </a:r>
             <a:r>
-              <a:rPr lang="fr-FR" sz="2800" dirty="0" err="1"/>
+              <a:rPr lang="fr-FR" sz="2400" dirty="0" err="1"/>
               <a:t>overlap</a:t>
             </a:r>
             <a:r>
-              <a:rPr lang="fr-FR" sz="2800" dirty="0"/>
+              <a:rPr lang="fr-FR" sz="2400" dirty="0"/>
               <a:t> </a:t>
             </a:r>
             <a:r>
-              <a:rPr lang="fr-FR" sz="2800" dirty="0" err="1"/>
+              <a:rPr lang="fr-FR" sz="2400" dirty="0" err="1"/>
               <a:t>between</a:t>
             </a:r>
             <a:r>
-              <a:rPr lang="fr-FR" sz="2800" dirty="0"/>
+              <a:rPr lang="fr-FR" sz="2400" dirty="0"/>
               <a:t> </a:t>
             </a:r>
             <a:r>
-              <a:rPr lang="fr-FR" sz="2800" dirty="0" err="1"/>
+              <a:rPr lang="fr-FR" sz="2400" dirty="0" err="1"/>
               <a:t>Versicolor</a:t>
             </a:r>
             <a:r>
-              <a:rPr lang="fr-FR" sz="2800" dirty="0"/>
+              <a:rPr lang="fr-FR" sz="2400" dirty="0"/>
               <a:t> and </a:t>
             </a:r>
             <a:r>
-              <a:rPr lang="fr-FR" sz="2800" dirty="0" err="1"/>
+              <a:rPr lang="fr-FR" sz="2400" dirty="0" err="1"/>
               <a:t>Virginica</a:t>
             </a:r>
             <a:r>
-              <a:rPr lang="fr-FR" sz="2800" dirty="0"/>
+              <a:rPr lang="fr-FR" sz="2400" dirty="0"/>
               <a:t>, but </a:t>
             </a:r>
             <a:r>
-              <a:rPr lang="fr-FR" sz="2800" dirty="0" err="1"/>
+              <a:rPr lang="fr-FR" sz="2400" dirty="0" err="1"/>
               <a:t>overall</a:t>
             </a:r>
             <a:r>
-              <a:rPr lang="fr-FR" sz="2800" dirty="0"/>
+              <a:rPr lang="fr-FR" sz="2400" dirty="0"/>
               <a:t> good </a:t>
             </a:r>
             <a:r>
-              <a:rPr lang="fr-FR" sz="2800" dirty="0" err="1"/>
+              <a:rPr lang="fr-FR" sz="2400" dirty="0" err="1"/>
               <a:t>separation</a:t>
             </a:r>
             <a:r>
-              <a:rPr lang="fr-FR" sz="2800" dirty="0"/>
+              <a:rPr lang="fr-FR" sz="2400" dirty="0"/>
               <a:t>.</a:t>
             </a:r>
           </a:p>
           <a:p>
             <a:r>
-              <a:rPr lang="fr-FR" sz="2800" dirty="0" err="1"/>
+              <a:rPr lang="fr-FR" sz="2400" dirty="0" err="1"/>
               <a:t>With</a:t>
             </a:r>
             <a:r>
-              <a:rPr lang="fr-FR" sz="2800" dirty="0"/>
+              <a:rPr lang="fr-FR" sz="2400" dirty="0"/>
               <a:t> R2 0.79 </a:t>
             </a:r>
             <a:r>
-              <a:rPr lang="fr-FR" sz="2800" dirty="0" err="1"/>
+              <a:rPr lang="fr-FR" sz="2400" dirty="0" err="1"/>
               <a:t>versicolor</a:t>
             </a:r>
             <a:r>
-              <a:rPr lang="fr-FR" sz="2800" dirty="0"/>
+              <a:rPr lang="fr-FR" sz="2400" dirty="0"/>
               <a:t> </a:t>
             </a:r>
             <a:r>
-              <a:rPr lang="fr-FR" sz="2800" dirty="0" err="1"/>
+              <a:rPr lang="fr-FR" sz="2400" dirty="0" err="1"/>
               <a:t>is</a:t>
             </a:r>
             <a:r>
-              <a:rPr lang="fr-FR" sz="2800" dirty="0"/>
+              <a:rPr lang="fr-FR" sz="2400" dirty="0"/>
               <a:t> the </a:t>
             </a:r>
             <a:r>
-              <a:rPr lang="fr-FR" sz="2800" dirty="0" err="1"/>
+              <a:rPr lang="fr-FR" sz="2400" dirty="0" err="1"/>
               <a:t>most</a:t>
             </a:r>
             <a:r>
-              <a:rPr lang="fr-FR" sz="2800" dirty="0"/>
+              <a:rPr lang="fr-FR" sz="2400" dirty="0"/>
               <a:t> </a:t>
             </a:r>
             <a:r>
-              <a:rPr lang="fr-FR" sz="2800" dirty="0" err="1"/>
+              <a:rPr lang="fr-FR" sz="2400" dirty="0" err="1"/>
               <a:t>predictible</a:t>
             </a:r>
-            <a:endParaRPr lang="fr-FR" sz="2800" dirty="0"/>
-          </a:p>
-          <a:p>
-            <a:endParaRPr lang="fr-FR" sz="2800" dirty="0"/>
-          </a:p>
-          <a:p>
-            <a:r>
-              <a:rPr lang="fr-FR" sz="2800" b="1" dirty="0" err="1"/>
+            <a:endParaRPr lang="fr-FR" sz="2400" dirty="0"/>
+          </a:p>
+          <a:p>
+            <a:r>
+              <a:rPr lang="fr-FR" sz="2400" dirty="0" err="1"/>
+              <a:t>Petal</a:t>
+            </a:r>
+            <a:r>
+              <a:rPr lang="fr-FR" sz="2400" dirty="0"/>
+              <a:t> </a:t>
+            </a:r>
+            <a:r>
+              <a:rPr lang="fr-FR" sz="2400" dirty="0" err="1"/>
+              <a:t>lenghth</a:t>
+            </a:r>
+            <a:r>
+              <a:rPr lang="fr-FR" sz="2400" dirty="0"/>
+              <a:t> &lt;4.5 and </a:t>
+            </a:r>
+            <a:r>
+              <a:rPr lang="fr-FR" sz="2400" dirty="0" err="1"/>
+              <a:t>Width</a:t>
+            </a:r>
+            <a:r>
+              <a:rPr lang="fr-FR" sz="2400" dirty="0"/>
+              <a:t> </a:t>
+            </a:r>
+            <a:r>
+              <a:rPr lang="fr-FR" sz="2400" dirty="0" err="1"/>
+              <a:t>less</a:t>
+            </a:r>
+            <a:r>
+              <a:rPr lang="fr-FR" sz="2400" dirty="0"/>
+              <a:t> </a:t>
+            </a:r>
+            <a:r>
+              <a:rPr lang="fr-FR" sz="2400" dirty="0" err="1"/>
+              <a:t>than</a:t>
+            </a:r>
+            <a:r>
+              <a:rPr lang="fr-FR" sz="2400" dirty="0"/>
+              <a:t> 1.5 </a:t>
+            </a:r>
+            <a:r>
+              <a:rPr lang="fr-FR" sz="2400" dirty="0" err="1"/>
+              <a:t>very</a:t>
+            </a:r>
+            <a:r>
+              <a:rPr lang="fr-FR" sz="2400" dirty="0"/>
+              <a:t> </a:t>
+            </a:r>
+            <a:r>
+              <a:rPr lang="fr-FR" sz="2400" dirty="0" err="1"/>
+              <a:t>predictible</a:t>
+            </a:r>
+            <a:r>
+              <a:rPr lang="fr-FR" sz="2400" dirty="0"/>
+              <a:t>. </a:t>
+            </a:r>
+          </a:p>
+          <a:p>
+            <a:r>
+              <a:rPr lang="fr-FR" sz="2400" b="1" dirty="0" err="1"/>
               <a:t>Recommendation</a:t>
             </a:r>
             <a:r>
-              <a:rPr lang="fr-FR" sz="2800" dirty="0"/>
+              <a:rPr lang="fr-FR" sz="2400" dirty="0"/>
               <a:t>: </a:t>
             </a:r>
           </a:p>
           <a:p>
             <a:r>
-              <a:rPr lang="fr-FR" sz="2800" dirty="0" err="1"/>
+              <a:rPr lang="fr-FR" sz="2400" dirty="0" err="1"/>
               <a:t>Petal.Width</a:t>
             </a:r>
             <a:r>
-              <a:rPr lang="fr-FR" sz="2800" dirty="0"/>
+              <a:rPr lang="fr-FR" sz="2400" dirty="0"/>
               <a:t> and </a:t>
             </a:r>
             <a:r>
-              <a:rPr lang="fr-FR" sz="2800" dirty="0" err="1"/>
+              <a:rPr lang="fr-FR" sz="2400" dirty="0" err="1"/>
               <a:t>Petal.Length</a:t>
             </a:r>
             <a:r>
-              <a:rPr lang="fr-FR" sz="2800" dirty="0"/>
+              <a:rPr lang="fr-FR" sz="2400" dirty="0"/>
               <a:t> are the best </a:t>
             </a:r>
             <a:r>
-              <a:rPr lang="fr-FR" sz="2800" dirty="0" err="1"/>
+              <a:rPr lang="fr-FR" sz="2400" dirty="0" err="1"/>
               <a:t>predictors</a:t>
             </a:r>
             <a:r>
-              <a:rPr lang="fr-FR" sz="2800" dirty="0"/>
+              <a:rPr lang="fr-FR" sz="2400" dirty="0"/>
               <a:t> for </a:t>
             </a:r>
             <a:r>
-              <a:rPr lang="fr-FR" sz="2800" dirty="0" err="1"/>
+              <a:rPr lang="fr-FR" sz="2400" dirty="0" err="1"/>
               <a:t>species</a:t>
             </a:r>
             <a:r>
-              <a:rPr lang="fr-FR" sz="2800" dirty="0"/>
+              <a:rPr lang="fr-FR" sz="2400" dirty="0"/>
+              <a:t>.</a:t>
+            </a:r>
+          </a:p>
+          <a:p>
+            <a:r>
+              <a:rPr lang="fr-FR" sz="2400" dirty="0" err="1"/>
+              <a:t>With</a:t>
+            </a:r>
+            <a:r>
+              <a:rPr lang="fr-FR" sz="2400" dirty="0"/>
+              <a:t> cluster </a:t>
+            </a:r>
+            <a:r>
+              <a:rPr lang="fr-FR" sz="2400" dirty="0" err="1"/>
+              <a:t>analysis</a:t>
+            </a:r>
+            <a:r>
+              <a:rPr lang="fr-FR" sz="2400" dirty="0"/>
+              <a:t> and machine </a:t>
+            </a:r>
+            <a:r>
+              <a:rPr lang="fr-FR" sz="2400" dirty="0" err="1"/>
+              <a:t>learning</a:t>
+            </a:r>
+            <a:r>
+              <a:rPr lang="fr-FR" sz="2400" dirty="0"/>
+              <a:t> </a:t>
+            </a:r>
+            <a:r>
+              <a:rPr lang="fr-FR" sz="2400" dirty="0" err="1"/>
+              <a:t>we</a:t>
+            </a:r>
+            <a:r>
+              <a:rPr lang="fr-FR" sz="2400" dirty="0"/>
+              <a:t> </a:t>
+            </a:r>
+            <a:r>
+              <a:rPr lang="fr-FR" sz="2400" dirty="0" err="1"/>
+              <a:t>may</a:t>
+            </a:r>
+            <a:r>
+              <a:rPr lang="fr-FR" sz="2400" dirty="0"/>
+              <a:t> </a:t>
+            </a:r>
+            <a:r>
+              <a:rPr lang="fr-FR" sz="2400" dirty="0" err="1"/>
+              <a:t>improve</a:t>
+            </a:r>
+            <a:r>
+              <a:rPr lang="fr-FR" sz="2400" dirty="0"/>
+              <a:t> </a:t>
+            </a:r>
+            <a:r>
+              <a:rPr lang="fr-FR" sz="2400" dirty="0" err="1"/>
+              <a:t>prediction</a:t>
+            </a:r>
+            <a:r>
+              <a:rPr lang="fr-FR" sz="2400" dirty="0"/>
               <a:t>.</a:t>
             </a:r>
           </a:p>
@@ -9904,8 +11279,20 @@
               </a:lnSpc>
             </a:pPr>
             <a:r>
+              <a:rPr lang="en-US" sz="2400" b="1" dirty="0"/>
+              <a:t>150</a:t>
+            </a:r>
+            <a:r>
               <a:rPr lang="en-US" sz="2400" dirty="0"/>
-              <a:t>150 flowers from three species (</a:t>
+              <a:t> flowers from </a:t>
+            </a:r>
+            <a:r>
+              <a:rPr lang="en-US" sz="2400" b="1" dirty="0"/>
+              <a:t>three</a:t>
+            </a:r>
+            <a:r>
+              <a:rPr lang="en-US" sz="2400" dirty="0"/>
+              <a:t> species (</a:t>
             </a:r>
             <a:r>
               <a:rPr lang="en-US" sz="2400" dirty="0" err="1"/>
@@ -12141,7 +13528,7 @@
         </p:blipFill>
         <p:spPr>
           <a:xfrm>
-            <a:off x="1021689" y="3953293"/>
+            <a:off x="555345" y="3665379"/>
             <a:ext cx="6707309" cy="1367510"/>
           </a:xfrm>
           <a:prstGeom prst="rect">
@@ -12178,7 +13565,7 @@
         </p:blipFill>
         <p:spPr bwMode="auto">
           <a:xfrm>
-            <a:off x="7178444" y="4579966"/>
+            <a:off x="6593228" y="4461730"/>
             <a:ext cx="2400300" cy="1905000"/>
           </a:xfrm>
           <a:prstGeom prst="rect">
